--- a/DDE_MachineLearning_Project/dde_results.pptx
+++ b/DDE_MachineLearning_Project/dde_results.pptx
@@ -7,6 +7,9 @@
   <p:sldIdLst>
     <p:sldId id="256" r:id="rId2"/>
     <p:sldId id="257" r:id="rId3"/>
+    <p:sldId id="258" r:id="rId4"/>
+    <p:sldId id="259" r:id="rId5"/>
+    <p:sldId id="260" r:id="rId6"/>
   </p:sldIdLst>
   <p:sldSz cx="12192000" cy="6858000"/>
   <p:notesSz cx="6858000" cy="9144000"/>
@@ -273,7 +276,7 @@
           <a:p>
             <a:fld id="{888B5EAE-351F-4271-B2FC-4FD5B44EE96C}" type="datetimeFigureOut">
               <a:rPr lang="de-DE" smtClean="0"/>
-              <a:t>08.01.2022</a:t>
+              <a:t>09.01.2022</a:t>
             </a:fld>
             <a:endParaRPr lang="de-DE"/>
           </a:p>
@@ -473,7 +476,7 @@
           <a:p>
             <a:fld id="{888B5EAE-351F-4271-B2FC-4FD5B44EE96C}" type="datetimeFigureOut">
               <a:rPr lang="de-DE" smtClean="0"/>
-              <a:t>08.01.2022</a:t>
+              <a:t>09.01.2022</a:t>
             </a:fld>
             <a:endParaRPr lang="de-DE"/>
           </a:p>
@@ -683,7 +686,7 @@
           <a:p>
             <a:fld id="{888B5EAE-351F-4271-B2FC-4FD5B44EE96C}" type="datetimeFigureOut">
               <a:rPr lang="de-DE" smtClean="0"/>
-              <a:t>08.01.2022</a:t>
+              <a:t>09.01.2022</a:t>
             </a:fld>
             <a:endParaRPr lang="de-DE"/>
           </a:p>
@@ -883,7 +886,7 @@
           <a:p>
             <a:fld id="{888B5EAE-351F-4271-B2FC-4FD5B44EE96C}" type="datetimeFigureOut">
               <a:rPr lang="de-DE" smtClean="0"/>
-              <a:t>08.01.2022</a:t>
+              <a:t>09.01.2022</a:t>
             </a:fld>
             <a:endParaRPr lang="de-DE"/>
           </a:p>
@@ -1159,7 +1162,7 @@
           <a:p>
             <a:fld id="{888B5EAE-351F-4271-B2FC-4FD5B44EE96C}" type="datetimeFigureOut">
               <a:rPr lang="de-DE" smtClean="0"/>
-              <a:t>08.01.2022</a:t>
+              <a:t>09.01.2022</a:t>
             </a:fld>
             <a:endParaRPr lang="de-DE"/>
           </a:p>
@@ -1427,7 +1430,7 @@
           <a:p>
             <a:fld id="{888B5EAE-351F-4271-B2FC-4FD5B44EE96C}" type="datetimeFigureOut">
               <a:rPr lang="de-DE" smtClean="0"/>
-              <a:t>08.01.2022</a:t>
+              <a:t>09.01.2022</a:t>
             </a:fld>
             <a:endParaRPr lang="de-DE"/>
           </a:p>
@@ -1842,7 +1845,7 @@
           <a:p>
             <a:fld id="{888B5EAE-351F-4271-B2FC-4FD5B44EE96C}" type="datetimeFigureOut">
               <a:rPr lang="de-DE" smtClean="0"/>
-              <a:t>08.01.2022</a:t>
+              <a:t>09.01.2022</a:t>
             </a:fld>
             <a:endParaRPr lang="de-DE"/>
           </a:p>
@@ -1984,7 +1987,7 @@
           <a:p>
             <a:fld id="{888B5EAE-351F-4271-B2FC-4FD5B44EE96C}" type="datetimeFigureOut">
               <a:rPr lang="de-DE" smtClean="0"/>
-              <a:t>08.01.2022</a:t>
+              <a:t>09.01.2022</a:t>
             </a:fld>
             <a:endParaRPr lang="de-DE"/>
           </a:p>
@@ -2097,7 +2100,7 @@
           <a:p>
             <a:fld id="{888B5EAE-351F-4271-B2FC-4FD5B44EE96C}" type="datetimeFigureOut">
               <a:rPr lang="de-DE" smtClean="0"/>
-              <a:t>08.01.2022</a:t>
+              <a:t>09.01.2022</a:t>
             </a:fld>
             <a:endParaRPr lang="de-DE"/>
           </a:p>
@@ -2410,7 +2413,7 @@
           <a:p>
             <a:fld id="{888B5EAE-351F-4271-B2FC-4FD5B44EE96C}" type="datetimeFigureOut">
               <a:rPr lang="de-DE" smtClean="0"/>
-              <a:t>08.01.2022</a:t>
+              <a:t>09.01.2022</a:t>
             </a:fld>
             <a:endParaRPr lang="de-DE"/>
           </a:p>
@@ -2699,7 +2702,7 @@
           <a:p>
             <a:fld id="{888B5EAE-351F-4271-B2FC-4FD5B44EE96C}" type="datetimeFigureOut">
               <a:rPr lang="de-DE" smtClean="0"/>
-              <a:t>08.01.2022</a:t>
+              <a:t>09.01.2022</a:t>
             </a:fld>
             <a:endParaRPr lang="de-DE"/>
           </a:p>
@@ -2942,7 +2945,7 @@
           <a:p>
             <a:fld id="{888B5EAE-351F-4271-B2FC-4FD5B44EE96C}" type="datetimeFigureOut">
               <a:rPr lang="de-DE" smtClean="0"/>
-              <a:t>08.01.2022</a:t>
+              <a:t>09.01.2022</a:t>
             </a:fld>
             <a:endParaRPr lang="de-DE"/>
           </a:p>
@@ -3359,56 +3362,906 @@
           <a:chExt cx="0" cy="0"/>
         </a:xfrm>
       </p:grpSpPr>
-      <p:sp>
-        <p:nvSpPr>
-          <p:cNvPr id="2" name="Title 1">
-            <a:extLst>
-              <a:ext uri="{FF2B5EF4-FFF2-40B4-BE49-F238E27FC236}">
-                <a16:creationId xmlns:a16="http://schemas.microsoft.com/office/drawing/2014/main" id="{788E6C4D-319A-40A9-859A-6A98CC68614D}"/>
-              </a:ext>
-            </a:extLst>
-          </p:cNvPr>
-          <p:cNvSpPr>
-            <a:spLocks noGrp="1"/>
-          </p:cNvSpPr>
-          <p:nvPr>
-            <p:ph type="ctrTitle"/>
-          </p:nvPr>
-        </p:nvSpPr>
-        <p:spPr/>
-        <p:txBody>
-          <a:bodyPr/>
-          <a:lstStyle/>
-          <a:p>
-            <a:endParaRPr lang="de-DE"/>
-          </a:p>
-        </p:txBody>
-      </p:sp>
-      <p:sp>
-        <p:nvSpPr>
-          <p:cNvPr id="3" name="Subtitle 2">
-            <a:extLst>
-              <a:ext uri="{FF2B5EF4-FFF2-40B4-BE49-F238E27FC236}">
-                <a16:creationId xmlns:a16="http://schemas.microsoft.com/office/drawing/2014/main" id="{E4A280F6-4D57-4F78-B34B-24602C9A985C}"/>
-              </a:ext>
-            </a:extLst>
-          </p:cNvPr>
-          <p:cNvSpPr>
-            <a:spLocks noGrp="1"/>
-          </p:cNvSpPr>
-          <p:nvPr>
-            <p:ph type="subTitle" idx="1"/>
-          </p:nvPr>
-        </p:nvSpPr>
-        <p:spPr/>
-        <p:txBody>
-          <a:bodyPr/>
-          <a:lstStyle/>
-          <a:p>
-            <a:endParaRPr lang="de-DE"/>
-          </a:p>
-        </p:txBody>
-      </p:sp>
+      <p:graphicFrame>
+        <p:nvGraphicFramePr>
+          <p:cNvPr id="4" name="Table 4">
+            <a:extLst>
+              <a:ext uri="{FF2B5EF4-FFF2-40B4-BE49-F238E27FC236}">
+                <a16:creationId xmlns:a16="http://schemas.microsoft.com/office/drawing/2014/main" id="{CD48B14F-9DEA-4230-ABD4-6EA50E8A337C}"/>
+              </a:ext>
+            </a:extLst>
+          </p:cNvPr>
+          <p:cNvGraphicFramePr>
+            <a:graphicFrameLocks noGrp="1"/>
+          </p:cNvGraphicFramePr>
+          <p:nvPr>
+            <p:extLst>
+              <p:ext uri="{D42A27DB-BD31-4B8C-83A1-F6EECF244321}">
+                <p14:modId xmlns:p14="http://schemas.microsoft.com/office/powerpoint/2010/main" val="3311883992"/>
+              </p:ext>
+            </p:extLst>
+          </p:nvPr>
+        </p:nvGraphicFramePr>
+        <p:xfrm>
+          <a:off x="465600" y="719666"/>
+          <a:ext cx="9961989" cy="4409440"/>
+        </p:xfrm>
+        <a:graphic>
+          <a:graphicData uri="http://schemas.openxmlformats.org/drawingml/2006/table">
+            <a:tbl>
+              <a:tblPr firstRow="1" bandRow="1">
+                <a:tableStyleId>{5C22544A-7EE6-4342-B048-85BDC9FD1C3A}</a:tableStyleId>
+              </a:tblPr>
+              <a:tblGrid>
+                <a:gridCol w="2464277">
+                  <a:extLst>
+                    <a:ext uri="{9D8B030D-6E8A-4147-A177-3AD203B41FA5}">
+                      <a16:colId xmlns:a16="http://schemas.microsoft.com/office/drawing/2014/main" val="353048072"/>
+                    </a:ext>
+                  </a:extLst>
+                </a:gridCol>
+                <a:gridCol w="1393513">
+                  <a:extLst>
+                    <a:ext uri="{9D8B030D-6E8A-4147-A177-3AD203B41FA5}">
+                      <a16:colId xmlns:a16="http://schemas.microsoft.com/office/drawing/2014/main" val="4154142423"/>
+                    </a:ext>
+                  </a:extLst>
+                </a:gridCol>
+                <a:gridCol w="2246409">
+                  <a:extLst>
+                    <a:ext uri="{9D8B030D-6E8A-4147-A177-3AD203B41FA5}">
+                      <a16:colId xmlns:a16="http://schemas.microsoft.com/office/drawing/2014/main" val="1173315652"/>
+                    </a:ext>
+                  </a:extLst>
+                </a:gridCol>
+                <a:gridCol w="1928895">
+                  <a:extLst>
+                    <a:ext uri="{9D8B030D-6E8A-4147-A177-3AD203B41FA5}">
+                      <a16:colId xmlns:a16="http://schemas.microsoft.com/office/drawing/2014/main" val="1685941792"/>
+                    </a:ext>
+                  </a:extLst>
+                </a:gridCol>
+                <a:gridCol w="1928895">
+                  <a:extLst>
+                    <a:ext uri="{9D8B030D-6E8A-4147-A177-3AD203B41FA5}">
+                      <a16:colId xmlns:a16="http://schemas.microsoft.com/office/drawing/2014/main" val="2931450649"/>
+                    </a:ext>
+                  </a:extLst>
+                </a:gridCol>
+              </a:tblGrid>
+              <a:tr h="370840">
+                <a:tc>
+                  <a:txBody>
+                    <a:bodyPr/>
+                    <a:lstStyle/>
+                    <a:p>
+                      <a:endParaRPr lang="de-DE" dirty="0"/>
+                    </a:p>
+                  </a:txBody>
+                  <a:tcPr/>
+                </a:tc>
+                <a:tc>
+                  <a:txBody>
+                    <a:bodyPr/>
+                    <a:lstStyle/>
+                    <a:p>
+                      <a:r>
+                        <a:rPr lang="de-DE" dirty="0"/>
+                        <a:t>modeltype</a:t>
+                      </a:r>
+                    </a:p>
+                  </a:txBody>
+                  <a:tcPr/>
+                </a:tc>
+                <a:tc>
+                  <a:txBody>
+                    <a:bodyPr/>
+                    <a:lstStyle/>
+                    <a:p>
+                      <a:r>
+                        <a:rPr lang="de-DE" dirty="0"/>
+                        <a:t>Namespace</a:t>
+                      </a:r>
+                    </a:p>
+                  </a:txBody>
+                  <a:tcPr/>
+                </a:tc>
+                <a:tc>
+                  <a:txBody>
+                    <a:bodyPr/>
+                    <a:lstStyle/>
+                    <a:p>
+                      <a:r>
+                        <a:rPr lang="de-DE" dirty="0" err="1"/>
+                        <a:t>Done</a:t>
+                      </a:r>
+                      <a:r>
+                        <a:rPr lang="de-DE" dirty="0"/>
+                        <a:t>?</a:t>
+                      </a:r>
+                    </a:p>
+                  </a:txBody>
+                  <a:tcPr/>
+                </a:tc>
+                <a:tc>
+                  <a:txBody>
+                    <a:bodyPr/>
+                    <a:lstStyle/>
+                    <a:p>
+                      <a:r>
+                        <a:rPr lang="de-DE" dirty="0"/>
+                        <a:t>R^2 Score</a:t>
+                      </a:r>
+                    </a:p>
+                  </a:txBody>
+                  <a:tcPr/>
+                </a:tc>
+                <a:extLst>
+                  <a:ext uri="{0D108BD9-81ED-4DB2-BD59-A6C34878D82A}">
+                    <a16:rowId xmlns:a16="http://schemas.microsoft.com/office/drawing/2014/main" val="3500991635"/>
+                  </a:ext>
+                </a:extLst>
+              </a:tr>
+              <a:tr h="370840">
+                <a:tc>
+                  <a:txBody>
+                    <a:bodyPr/>
+                    <a:lstStyle/>
+                    <a:p>
+                      <a:r>
+                        <a:rPr lang="de-DE" dirty="0"/>
+                        <a:t>02 SARIMAX</a:t>
+                      </a:r>
+                    </a:p>
+                  </a:txBody>
+                  <a:tcPr/>
+                </a:tc>
+                <a:tc>
+                  <a:txBody>
+                    <a:bodyPr/>
+                    <a:lstStyle/>
+                    <a:p>
+                      <a:r>
+                        <a:rPr lang="de-DE" dirty="0"/>
+                        <a:t>SARIMAX</a:t>
+                      </a:r>
+                    </a:p>
+                  </a:txBody>
+                  <a:tcPr/>
+                </a:tc>
+                <a:tc>
+                  <a:txBody>
+                    <a:bodyPr/>
+                    <a:lstStyle/>
+                    <a:p>
+                      <a:r>
+                        <a:rPr lang="de-DE" dirty="0"/>
+                        <a:t>SARIMAX</a:t>
+                      </a:r>
+                    </a:p>
+                  </a:txBody>
+                  <a:tcPr/>
+                </a:tc>
+                <a:tc>
+                  <a:txBody>
+                    <a:bodyPr/>
+                    <a:lstStyle/>
+                    <a:p>
+                      <a:r>
+                        <a:rPr lang="de-DE" dirty="0"/>
+                        <a:t>Y</a:t>
+                      </a:r>
+                    </a:p>
+                  </a:txBody>
+                  <a:tcPr/>
+                </a:tc>
+                <a:tc>
+                  <a:txBody>
+                    <a:bodyPr/>
+                    <a:lstStyle/>
+                    <a:p>
+                      <a:endParaRPr lang="de-DE" dirty="0"/>
+                    </a:p>
+                  </a:txBody>
+                  <a:tcPr/>
+                </a:tc>
+                <a:extLst>
+                  <a:ext uri="{0D108BD9-81ED-4DB2-BD59-A6C34878D82A}">
+                    <a16:rowId xmlns:a16="http://schemas.microsoft.com/office/drawing/2014/main" val="2345303936"/>
+                  </a:ext>
+                </a:extLst>
+              </a:tr>
+              <a:tr h="370840">
+                <a:tc>
+                  <a:txBody>
+                    <a:bodyPr/>
+                    <a:lstStyle/>
+                    <a:p>
+                      <a:endParaRPr lang="de-DE"/>
+                    </a:p>
+                  </a:txBody>
+                  <a:tcPr/>
+                </a:tc>
+                <a:tc>
+                  <a:txBody>
+                    <a:bodyPr/>
+                    <a:lstStyle/>
+                    <a:p>
+                      <a:r>
+                        <a:rPr lang="de-DE" dirty="0"/>
+                        <a:t>SARIMAX</a:t>
+                      </a:r>
+                    </a:p>
+                  </a:txBody>
+                  <a:tcPr/>
+                </a:tc>
+                <a:tc>
+                  <a:txBody>
+                    <a:bodyPr/>
+                    <a:lstStyle/>
+                    <a:p>
+                      <a:r>
+                        <a:rPr lang="de-DE" dirty="0"/>
+                        <a:t>MS_SARIMAX</a:t>
+                      </a:r>
+                    </a:p>
+                  </a:txBody>
+                  <a:tcPr/>
+                </a:tc>
+                <a:tc>
+                  <a:txBody>
+                    <a:bodyPr/>
+                    <a:lstStyle/>
+                    <a:p>
+                      <a:r>
+                        <a:rPr lang="de-DE" dirty="0"/>
+                        <a:t>Y</a:t>
+                      </a:r>
+                    </a:p>
+                  </a:txBody>
+                  <a:tcPr/>
+                </a:tc>
+                <a:tc>
+                  <a:txBody>
+                    <a:bodyPr/>
+                    <a:lstStyle/>
+                    <a:p>
+                      <a:endParaRPr lang="de-DE" dirty="0"/>
+                    </a:p>
+                  </a:txBody>
+                  <a:tcPr/>
+                </a:tc>
+                <a:extLst>
+                  <a:ext uri="{0D108BD9-81ED-4DB2-BD59-A6C34878D82A}">
+                    <a16:rowId xmlns:a16="http://schemas.microsoft.com/office/drawing/2014/main" val="2309057353"/>
+                  </a:ext>
+                </a:extLst>
+              </a:tr>
+              <a:tr h="370840">
+                <a:tc>
+                  <a:txBody>
+                    <a:bodyPr/>
+                    <a:lstStyle/>
+                    <a:p>
+                      <a:r>
+                        <a:rPr lang="de-DE" dirty="0"/>
+                        <a:t>03_SVM</a:t>
+                      </a:r>
+                    </a:p>
+                  </a:txBody>
+                  <a:tcPr/>
+                </a:tc>
+                <a:tc>
+                  <a:txBody>
+                    <a:bodyPr/>
+                    <a:lstStyle/>
+                    <a:p>
+                      <a:r>
+                        <a:rPr lang="de-DE" dirty="0"/>
+                        <a:t>SVR</a:t>
+                      </a:r>
+                    </a:p>
+                  </a:txBody>
+                  <a:tcPr/>
+                </a:tc>
+                <a:tc>
+                  <a:txBody>
+                    <a:bodyPr/>
+                    <a:lstStyle/>
+                    <a:p>
+                      <a:r>
+                        <a:rPr lang="de-DE" dirty="0"/>
+                        <a:t>SVR</a:t>
+                      </a:r>
+                    </a:p>
+                  </a:txBody>
+                  <a:tcPr/>
+                </a:tc>
+                <a:tc>
+                  <a:txBody>
+                    <a:bodyPr/>
+                    <a:lstStyle/>
+                    <a:p>
+                      <a:r>
+                        <a:rPr lang="de-DE" dirty="0"/>
+                        <a:t>Y</a:t>
+                      </a:r>
+                    </a:p>
+                  </a:txBody>
+                  <a:tcPr/>
+                </a:tc>
+                <a:tc>
+                  <a:txBody>
+                    <a:bodyPr/>
+                    <a:lstStyle/>
+                    <a:p>
+                      <a:endParaRPr lang="de-DE" dirty="0"/>
+                    </a:p>
+                  </a:txBody>
+                  <a:tcPr/>
+                </a:tc>
+                <a:extLst>
+                  <a:ext uri="{0D108BD9-81ED-4DB2-BD59-A6C34878D82A}">
+                    <a16:rowId xmlns:a16="http://schemas.microsoft.com/office/drawing/2014/main" val="3791644966"/>
+                  </a:ext>
+                </a:extLst>
+              </a:tr>
+              <a:tr h="232374">
+                <a:tc>
+                  <a:txBody>
+                    <a:bodyPr/>
+                    <a:lstStyle/>
+                    <a:p>
+                      <a:endParaRPr lang="de-DE"/>
+                    </a:p>
+                  </a:txBody>
+                  <a:tcPr/>
+                </a:tc>
+                <a:tc>
+                  <a:txBody>
+                    <a:bodyPr/>
+                    <a:lstStyle/>
+                    <a:p>
+                      <a:r>
+                        <a:rPr lang="de-DE" dirty="0"/>
+                        <a:t>SVR</a:t>
+                      </a:r>
+                    </a:p>
+                  </a:txBody>
+                  <a:tcPr/>
+                </a:tc>
+                <a:tc>
+                  <a:txBody>
+                    <a:bodyPr/>
+                    <a:lstStyle/>
+                    <a:p>
+                      <a:r>
+                        <a:rPr lang="de-DE" dirty="0"/>
+                        <a:t>MS_SVR</a:t>
+                      </a:r>
+                    </a:p>
+                  </a:txBody>
+                  <a:tcPr/>
+                </a:tc>
+                <a:tc>
+                  <a:txBody>
+                    <a:bodyPr/>
+                    <a:lstStyle/>
+                    <a:p>
+                      <a:r>
+                        <a:rPr lang="de-DE" dirty="0"/>
+                        <a:t>Y</a:t>
+                      </a:r>
+                    </a:p>
+                  </a:txBody>
+                  <a:tcPr/>
+                </a:tc>
+                <a:tc>
+                  <a:txBody>
+                    <a:bodyPr/>
+                    <a:lstStyle/>
+                    <a:p>
+                      <a:endParaRPr lang="de-DE" dirty="0"/>
+                    </a:p>
+                  </a:txBody>
+                  <a:tcPr/>
+                </a:tc>
+                <a:extLst>
+                  <a:ext uri="{0D108BD9-81ED-4DB2-BD59-A6C34878D82A}">
+                    <a16:rowId xmlns:a16="http://schemas.microsoft.com/office/drawing/2014/main" val="984695646"/>
+                  </a:ext>
+                </a:extLst>
+              </a:tr>
+              <a:tr h="192734">
+                <a:tc>
+                  <a:txBody>
+                    <a:bodyPr/>
+                    <a:lstStyle/>
+                    <a:p>
+                      <a:r>
+                        <a:rPr lang="de-DE" dirty="0"/>
+                        <a:t>04_NN</a:t>
+                      </a:r>
+                    </a:p>
+                  </a:txBody>
+                  <a:tcPr/>
+                </a:tc>
+                <a:tc>
+                  <a:txBody>
+                    <a:bodyPr/>
+                    <a:lstStyle/>
+                    <a:p>
+                      <a:r>
+                        <a:rPr lang="de-DE" dirty="0"/>
+                        <a:t>NN</a:t>
+                      </a:r>
+                    </a:p>
+                  </a:txBody>
+                  <a:tcPr/>
+                </a:tc>
+                <a:tc>
+                  <a:txBody>
+                    <a:bodyPr/>
+                    <a:lstStyle/>
+                    <a:p>
+                      <a:r>
+                        <a:rPr lang="de-DE" dirty="0"/>
+                        <a:t>NN</a:t>
+                      </a:r>
+                    </a:p>
+                  </a:txBody>
+                  <a:tcPr/>
+                </a:tc>
+                <a:tc>
+                  <a:txBody>
+                    <a:bodyPr/>
+                    <a:lstStyle/>
+                    <a:p>
+                      <a:r>
+                        <a:rPr lang="de-DE" dirty="0"/>
+                        <a:t>Y</a:t>
+                      </a:r>
+                    </a:p>
+                  </a:txBody>
+                  <a:tcPr/>
+                </a:tc>
+                <a:tc>
+                  <a:txBody>
+                    <a:bodyPr/>
+                    <a:lstStyle/>
+                    <a:p>
+                      <a:endParaRPr lang="de-DE" dirty="0"/>
+                    </a:p>
+                  </a:txBody>
+                  <a:tcPr/>
+                </a:tc>
+                <a:extLst>
+                  <a:ext uri="{0D108BD9-81ED-4DB2-BD59-A6C34878D82A}">
+                    <a16:rowId xmlns:a16="http://schemas.microsoft.com/office/drawing/2014/main" val="2121374170"/>
+                  </a:ext>
+                </a:extLst>
+              </a:tr>
+              <a:tr h="0">
+                <a:tc>
+                  <a:txBody>
+                    <a:bodyPr/>
+                    <a:lstStyle/>
+                    <a:p>
+                      <a:r>
+                        <a:rPr lang="de-DE" dirty="0"/>
+                        <a:t>05_RNN</a:t>
+                      </a:r>
+                    </a:p>
+                  </a:txBody>
+                  <a:tcPr/>
+                </a:tc>
+                <a:tc>
+                  <a:txBody>
+                    <a:bodyPr/>
+                    <a:lstStyle/>
+                    <a:p>
+                      <a:r>
+                        <a:rPr lang="de-DE" dirty="0"/>
+                        <a:t>RNN</a:t>
+                      </a:r>
+                    </a:p>
+                  </a:txBody>
+                  <a:tcPr/>
+                </a:tc>
+                <a:tc>
+                  <a:txBody>
+                    <a:bodyPr/>
+                    <a:lstStyle/>
+                    <a:p>
+                      <a:r>
+                        <a:rPr lang="de-DE" dirty="0"/>
+                        <a:t>RNN</a:t>
+                      </a:r>
+                    </a:p>
+                  </a:txBody>
+                  <a:tcPr/>
+                </a:tc>
+                <a:tc>
+                  <a:txBody>
+                    <a:bodyPr/>
+                    <a:lstStyle/>
+                    <a:p>
+                      <a:r>
+                        <a:rPr lang="de-DE" dirty="0"/>
+                        <a:t>Y</a:t>
+                      </a:r>
+                    </a:p>
+                  </a:txBody>
+                  <a:tcPr/>
+                </a:tc>
+                <a:tc>
+                  <a:txBody>
+                    <a:bodyPr/>
+                    <a:lstStyle/>
+                    <a:p>
+                      <a:endParaRPr lang="de-DE" dirty="0"/>
+                    </a:p>
+                  </a:txBody>
+                  <a:tcPr/>
+                </a:tc>
+                <a:extLst>
+                  <a:ext uri="{0D108BD9-81ED-4DB2-BD59-A6C34878D82A}">
+                    <a16:rowId xmlns:a16="http://schemas.microsoft.com/office/drawing/2014/main" val="4194800166"/>
+                  </a:ext>
+                </a:extLst>
+              </a:tr>
+              <a:tr h="0">
+                <a:tc>
+                  <a:txBody>
+                    <a:bodyPr/>
+                    <a:lstStyle/>
+                    <a:p>
+                      <a:r>
+                        <a:rPr lang="de-DE" dirty="0"/>
+                        <a:t>06_LSTM</a:t>
+                      </a:r>
+                    </a:p>
+                  </a:txBody>
+                  <a:tcPr/>
+                </a:tc>
+                <a:tc>
+                  <a:txBody>
+                    <a:bodyPr/>
+                    <a:lstStyle/>
+                    <a:p>
+                      <a:r>
+                        <a:rPr lang="de-DE" dirty="0"/>
+                        <a:t>LSTM</a:t>
+                      </a:r>
+                    </a:p>
+                  </a:txBody>
+                  <a:tcPr/>
+                </a:tc>
+                <a:tc>
+                  <a:txBody>
+                    <a:bodyPr/>
+                    <a:lstStyle/>
+                    <a:p>
+                      <a:r>
+                        <a:rPr lang="de-DE" dirty="0"/>
+                        <a:t>LSTM</a:t>
+                      </a:r>
+                    </a:p>
+                  </a:txBody>
+                  <a:tcPr/>
+                </a:tc>
+                <a:tc>
+                  <a:txBody>
+                    <a:bodyPr/>
+                    <a:lstStyle/>
+                    <a:p>
+                      <a:r>
+                        <a:rPr lang="de-DE" dirty="0"/>
+                        <a:t>Y</a:t>
+                      </a:r>
+                    </a:p>
+                  </a:txBody>
+                  <a:tcPr/>
+                </a:tc>
+                <a:tc>
+                  <a:txBody>
+                    <a:bodyPr/>
+                    <a:lstStyle/>
+                    <a:p>
+                      <a:endParaRPr lang="de-DE" dirty="0"/>
+                    </a:p>
+                  </a:txBody>
+                  <a:tcPr/>
+                </a:tc>
+                <a:extLst>
+                  <a:ext uri="{0D108BD9-81ED-4DB2-BD59-A6C34878D82A}">
+                    <a16:rowId xmlns:a16="http://schemas.microsoft.com/office/drawing/2014/main" val="2673006100"/>
+                  </a:ext>
+                </a:extLst>
+              </a:tr>
+              <a:tr h="0">
+                <a:tc>
+                  <a:txBody>
+                    <a:bodyPr/>
+                    <a:lstStyle/>
+                    <a:p>
+                      <a:endParaRPr lang="de-DE" dirty="0"/>
+                    </a:p>
+                  </a:txBody>
+                  <a:tcPr/>
+                </a:tc>
+                <a:tc>
+                  <a:txBody>
+                    <a:bodyPr/>
+                    <a:lstStyle/>
+                    <a:p>
+                      <a:r>
+                        <a:rPr lang="de-DE" dirty="0"/>
+                        <a:t>LSTM</a:t>
+                      </a:r>
+                    </a:p>
+                  </a:txBody>
+                  <a:tcPr/>
+                </a:tc>
+                <a:tc>
+                  <a:txBody>
+                    <a:bodyPr/>
+                    <a:lstStyle/>
+                    <a:p>
+                      <a:r>
+                        <a:rPr lang="de-DE" dirty="0"/>
+                        <a:t>MS_LSTM</a:t>
+                      </a:r>
+                    </a:p>
+                  </a:txBody>
+                  <a:tcPr/>
+                </a:tc>
+                <a:tc>
+                  <a:txBody>
+                    <a:bodyPr/>
+                    <a:lstStyle/>
+                    <a:p>
+                      <a:r>
+                        <a:rPr lang="de-DE" dirty="0"/>
+                        <a:t>Y</a:t>
+                      </a:r>
+                    </a:p>
+                  </a:txBody>
+                  <a:tcPr/>
+                </a:tc>
+                <a:tc>
+                  <a:txBody>
+                    <a:bodyPr/>
+                    <a:lstStyle/>
+                    <a:p>
+                      <a:r>
+                        <a:rPr lang="de-DE" dirty="0"/>
+                        <a:t>0,77</a:t>
+                      </a:r>
+                    </a:p>
+                  </a:txBody>
+                  <a:tcPr/>
+                </a:tc>
+                <a:extLst>
+                  <a:ext uri="{0D108BD9-81ED-4DB2-BD59-A6C34878D82A}">
+                    <a16:rowId xmlns:a16="http://schemas.microsoft.com/office/drawing/2014/main" val="1081194975"/>
+                  </a:ext>
+                </a:extLst>
+              </a:tr>
+              <a:tr h="0">
+                <a:tc>
+                  <a:txBody>
+                    <a:bodyPr/>
+                    <a:lstStyle/>
+                    <a:p>
+                      <a:r>
+                        <a:rPr lang="de-DE" dirty="0"/>
+                        <a:t>07_EDLSTM</a:t>
+                      </a:r>
+                    </a:p>
+                  </a:txBody>
+                  <a:tcPr/>
+                </a:tc>
+                <a:tc>
+                  <a:txBody>
+                    <a:bodyPr/>
+                    <a:lstStyle/>
+                    <a:p>
+                      <a:r>
+                        <a:rPr lang="de-DE" dirty="0"/>
+                        <a:t>EDLSTM</a:t>
+                      </a:r>
+                    </a:p>
+                  </a:txBody>
+                  <a:tcPr/>
+                </a:tc>
+                <a:tc>
+                  <a:txBody>
+                    <a:bodyPr/>
+                    <a:lstStyle/>
+                    <a:p>
+                      <a:r>
+                        <a:rPr lang="de-DE" dirty="0"/>
+                        <a:t>MS_EDLSTM</a:t>
+                      </a:r>
+                    </a:p>
+                  </a:txBody>
+                  <a:tcPr/>
+                </a:tc>
+                <a:tc>
+                  <a:txBody>
+                    <a:bodyPr/>
+                    <a:lstStyle/>
+                    <a:p>
+                      <a:r>
+                        <a:rPr lang="de-DE" dirty="0"/>
+                        <a:t>Y</a:t>
+                      </a:r>
+                    </a:p>
+                  </a:txBody>
+                  <a:tcPr/>
+                </a:tc>
+                <a:tc>
+                  <a:txBody>
+                    <a:bodyPr/>
+                    <a:lstStyle/>
+                    <a:p>
+                      <a:r>
+                        <a:rPr lang="de-DE" dirty="0"/>
+                        <a:t>0,56</a:t>
+                      </a:r>
+                    </a:p>
+                  </a:txBody>
+                  <a:tcPr/>
+                </a:tc>
+                <a:extLst>
+                  <a:ext uri="{0D108BD9-81ED-4DB2-BD59-A6C34878D82A}">
+                    <a16:rowId xmlns:a16="http://schemas.microsoft.com/office/drawing/2014/main" val="4014538829"/>
+                  </a:ext>
+                </a:extLst>
+              </a:tr>
+              <a:tr h="0">
+                <a:tc>
+                  <a:txBody>
+                    <a:bodyPr/>
+                    <a:lstStyle/>
+                    <a:p>
+                      <a:r>
+                        <a:rPr lang="de-DE" dirty="0"/>
+                        <a:t>08_LSTM_HPT</a:t>
+                      </a:r>
+                    </a:p>
+                  </a:txBody>
+                  <a:tcPr/>
+                </a:tc>
+                <a:tc>
+                  <a:txBody>
+                    <a:bodyPr/>
+                    <a:lstStyle/>
+                    <a:p>
+                      <a:r>
+                        <a:rPr lang="de-DE" dirty="0"/>
+                        <a:t>LSTM</a:t>
+                      </a:r>
+                    </a:p>
+                  </a:txBody>
+                  <a:tcPr/>
+                </a:tc>
+                <a:tc>
+                  <a:txBody>
+                    <a:bodyPr/>
+                    <a:lstStyle/>
+                    <a:p>
+                      <a:r>
+                        <a:rPr lang="de-DE" dirty="0"/>
+                        <a:t>MS_LSTM_HPT</a:t>
+                      </a:r>
+                    </a:p>
+                  </a:txBody>
+                  <a:tcPr/>
+                </a:tc>
+                <a:tc>
+                  <a:txBody>
+                    <a:bodyPr/>
+                    <a:lstStyle/>
+                    <a:p>
+                      <a:endParaRPr lang="de-DE" dirty="0"/>
+                    </a:p>
+                  </a:txBody>
+                  <a:tcPr/>
+                </a:tc>
+                <a:tc>
+                  <a:txBody>
+                    <a:bodyPr/>
+                    <a:lstStyle/>
+                    <a:p>
+                      <a:r>
+                        <a:rPr lang="de-DE" dirty="0"/>
+                        <a:t>0,22</a:t>
+                      </a:r>
+                    </a:p>
+                  </a:txBody>
+                  <a:tcPr/>
+                </a:tc>
+                <a:extLst>
+                  <a:ext uri="{0D108BD9-81ED-4DB2-BD59-A6C34878D82A}">
+                    <a16:rowId xmlns:a16="http://schemas.microsoft.com/office/drawing/2014/main" val="4029173210"/>
+                  </a:ext>
+                </a:extLst>
+              </a:tr>
+              <a:tr h="0">
+                <a:tc>
+                  <a:txBody>
+                    <a:bodyPr/>
+                    <a:lstStyle/>
+                    <a:p>
+                      <a:r>
+                        <a:rPr lang="de-DE" dirty="0"/>
+                        <a:t>09_ED_LSTM_HPT</a:t>
+                      </a:r>
+                    </a:p>
+                  </a:txBody>
+                  <a:tcPr/>
+                </a:tc>
+                <a:tc>
+                  <a:txBody>
+                    <a:bodyPr/>
+                    <a:lstStyle/>
+                    <a:p>
+                      <a:r>
+                        <a:rPr lang="de-DE" dirty="0"/>
+                        <a:t>EDLSTM</a:t>
+                      </a:r>
+                    </a:p>
+                  </a:txBody>
+                  <a:tcPr/>
+                </a:tc>
+                <a:tc>
+                  <a:txBody>
+                    <a:bodyPr/>
+                    <a:lstStyle/>
+                    <a:p>
+                      <a:r>
+                        <a:rPr lang="de-DE" dirty="0"/>
+                        <a:t>MS_EDLSTM_HPT</a:t>
+                      </a:r>
+                    </a:p>
+                  </a:txBody>
+                  <a:tcPr/>
+                </a:tc>
+                <a:tc>
+                  <a:txBody>
+                    <a:bodyPr/>
+                    <a:lstStyle/>
+                    <a:p>
+                      <a:endParaRPr lang="de-DE" dirty="0"/>
+                    </a:p>
+                  </a:txBody>
+                  <a:tcPr/>
+                </a:tc>
+                <a:tc>
+                  <a:txBody>
+                    <a:bodyPr/>
+                    <a:lstStyle/>
+                    <a:p>
+                      <a:r>
+                        <a:rPr lang="de-DE" dirty="0"/>
+                        <a:t>0,64</a:t>
+                      </a:r>
+                    </a:p>
+                  </a:txBody>
+                  <a:tcPr/>
+                </a:tc>
+                <a:extLst>
+                  <a:ext uri="{0D108BD9-81ED-4DB2-BD59-A6C34878D82A}">
+                    <a16:rowId xmlns:a16="http://schemas.microsoft.com/office/drawing/2014/main" val="1289963371"/>
+                  </a:ext>
+                </a:extLst>
+              </a:tr>
+            </a:tbl>
+          </a:graphicData>
+        </a:graphic>
+      </p:graphicFrame>
     </p:spTree>
     <p:extLst>
       <p:ext uri="{BB962C8B-B14F-4D97-AF65-F5344CB8AC3E}">
@@ -3497,7 +4350,7 @@
         </p:blipFill>
         <p:spPr>
           <a:xfrm>
-            <a:off x="7917600" y="1366895"/>
+            <a:off x="7917600" y="1380770"/>
             <a:ext cx="3974400" cy="2649600"/>
           </a:xfrm>
         </p:spPr>
@@ -3574,10 +4427,796 @@
           </a:prstGeom>
         </p:spPr>
       </p:pic>
+      <p:pic>
+        <p:nvPicPr>
+          <p:cNvPr id="4" name="Picture 3" descr="Chart, bar chart&#10;&#10;Description automatically generated">
+            <a:extLst>
+              <a:ext uri="{FF2B5EF4-FFF2-40B4-BE49-F238E27FC236}">
+                <a16:creationId xmlns:a16="http://schemas.microsoft.com/office/drawing/2014/main" id="{BB8A0F11-2588-492E-91BF-49C0AB6EEFFC}"/>
+              </a:ext>
+            </a:extLst>
+          </p:cNvPr>
+          <p:cNvPicPr>
+            <a:picLocks noChangeAspect="1"/>
+          </p:cNvPicPr>
+          <p:nvPr/>
+        </p:nvPicPr>
+        <p:blipFill>
+          <a:blip r:embed="rId5">
+            <a:extLst>
+              <a:ext uri="{28A0092B-C50C-407E-A947-70E740481C1C}">
+                <a14:useLocalDpi xmlns:a14="http://schemas.microsoft.com/office/drawing/2010/main" val="0"/>
+              </a:ext>
+            </a:extLst>
+          </a:blip>
+          <a:stretch>
+            <a:fillRect/>
+          </a:stretch>
+        </p:blipFill>
+        <p:spPr>
+          <a:xfrm>
+            <a:off x="-54900" y="4208400"/>
+            <a:ext cx="3974400" cy="2649600"/>
+          </a:xfrm>
+          <a:prstGeom prst="rect">
+            <a:avLst/>
+          </a:prstGeom>
+        </p:spPr>
+      </p:pic>
+      <p:pic>
+        <p:nvPicPr>
+          <p:cNvPr id="8" name="Picture 7" descr="Chart&#10;&#10;Description automatically generated">
+            <a:extLst>
+              <a:ext uri="{FF2B5EF4-FFF2-40B4-BE49-F238E27FC236}">
+                <a16:creationId xmlns:a16="http://schemas.microsoft.com/office/drawing/2014/main" id="{B47699E6-53C5-4754-8A17-A79499810B5A}"/>
+              </a:ext>
+            </a:extLst>
+          </p:cNvPr>
+          <p:cNvPicPr>
+            <a:picLocks noChangeAspect="1"/>
+          </p:cNvPicPr>
+          <p:nvPr/>
+        </p:nvPicPr>
+        <p:blipFill>
+          <a:blip r:embed="rId6">
+            <a:extLst>
+              <a:ext uri="{28A0092B-C50C-407E-A947-70E740481C1C}">
+                <a14:useLocalDpi xmlns:a14="http://schemas.microsoft.com/office/drawing/2010/main" val="0"/>
+              </a:ext>
+            </a:extLst>
+          </a:blip>
+          <a:stretch>
+            <a:fillRect/>
+          </a:stretch>
+        </p:blipFill>
+        <p:spPr>
+          <a:xfrm>
+            <a:off x="7917599" y="4149429"/>
+            <a:ext cx="3974401" cy="2649601"/>
+          </a:xfrm>
+          <a:prstGeom prst="rect">
+            <a:avLst/>
+          </a:prstGeom>
+        </p:spPr>
+      </p:pic>
+      <p:pic>
+        <p:nvPicPr>
+          <p:cNvPr id="11" name="Picture 10" descr="Chart, scatter chart&#10;&#10;Description automatically generated">
+            <a:extLst>
+              <a:ext uri="{FF2B5EF4-FFF2-40B4-BE49-F238E27FC236}">
+                <a16:creationId xmlns:a16="http://schemas.microsoft.com/office/drawing/2014/main" id="{BD09E41D-0F84-4C72-A5A8-70D8A50355B4}"/>
+              </a:ext>
+            </a:extLst>
+          </p:cNvPr>
+          <p:cNvPicPr>
+            <a:picLocks noChangeAspect="1"/>
+          </p:cNvPicPr>
+          <p:nvPr/>
+        </p:nvPicPr>
+        <p:blipFill>
+          <a:blip r:embed="rId7">
+            <a:extLst>
+              <a:ext uri="{28A0092B-C50C-407E-A947-70E740481C1C}">
+                <a14:useLocalDpi xmlns:a14="http://schemas.microsoft.com/office/drawing/2010/main" val="0"/>
+              </a:ext>
+            </a:extLst>
+          </a:blip>
+          <a:stretch>
+            <a:fillRect/>
+          </a:stretch>
+        </p:blipFill>
+        <p:spPr>
+          <a:xfrm>
+            <a:off x="3943200" y="4208400"/>
+            <a:ext cx="3974400" cy="2649600"/>
+          </a:xfrm>
+          <a:prstGeom prst="rect">
+            <a:avLst/>
+          </a:prstGeom>
+        </p:spPr>
+      </p:pic>
     </p:spTree>
     <p:extLst>
       <p:ext uri="{BB962C8B-B14F-4D97-AF65-F5344CB8AC3E}">
         <p14:creationId xmlns:p14="http://schemas.microsoft.com/office/powerpoint/2010/main" val="3134885709"/>
+      </p:ext>
+    </p:extLst>
+  </p:cSld>
+  <p:clrMapOvr>
+    <a:masterClrMapping/>
+  </p:clrMapOvr>
+</p:sld>
+</file>
+
+<file path=ppt/slides/slide3.xml><?xml version="1.0" encoding="utf-8"?>
+<p:sld xmlns:a="http://schemas.openxmlformats.org/drawingml/2006/main" xmlns:r="http://schemas.openxmlformats.org/officeDocument/2006/relationships" xmlns:p="http://schemas.openxmlformats.org/presentationml/2006/main">
+  <p:cSld>
+    <p:spTree>
+      <p:nvGrpSpPr>
+        <p:cNvPr id="1" name=""/>
+        <p:cNvGrpSpPr/>
+        <p:nvPr/>
+      </p:nvGrpSpPr>
+      <p:grpSpPr>
+        <a:xfrm>
+          <a:off x="0" y="0"/>
+          <a:ext cx="0" cy="0"/>
+          <a:chOff x="0" y="0"/>
+          <a:chExt cx="0" cy="0"/>
+        </a:xfrm>
+      </p:grpSpPr>
+      <p:sp>
+        <p:nvSpPr>
+          <p:cNvPr id="2" name="Title 1">
+            <a:extLst>
+              <a:ext uri="{FF2B5EF4-FFF2-40B4-BE49-F238E27FC236}">
+                <a16:creationId xmlns:a16="http://schemas.microsoft.com/office/drawing/2014/main" id="{E038D4C9-F9C1-410B-935A-0A4A634BC779}"/>
+              </a:ext>
+            </a:extLst>
+          </p:cNvPr>
+          <p:cNvSpPr>
+            <a:spLocks noGrp="1"/>
+          </p:cNvSpPr>
+          <p:nvPr>
+            <p:ph type="title"/>
+          </p:nvPr>
+        </p:nvSpPr>
+        <p:spPr/>
+        <p:txBody>
+          <a:bodyPr/>
+          <a:lstStyle/>
+          <a:p>
+            <a:r>
+              <a:rPr lang="de-DE" dirty="0"/>
+              <a:t>SVM</a:t>
+            </a:r>
+          </a:p>
+        </p:txBody>
+      </p:sp>
+      <p:pic>
+        <p:nvPicPr>
+          <p:cNvPr id="12" name="Picture 11" descr="Chart, line chart&#10;&#10;Description automatically generated">
+            <a:extLst>
+              <a:ext uri="{FF2B5EF4-FFF2-40B4-BE49-F238E27FC236}">
+                <a16:creationId xmlns:a16="http://schemas.microsoft.com/office/drawing/2014/main" id="{F7733C81-02A6-4635-8CB2-B18A21AC35E5}"/>
+              </a:ext>
+            </a:extLst>
+          </p:cNvPr>
+          <p:cNvPicPr>
+            <a:picLocks noChangeAspect="1"/>
+          </p:cNvPicPr>
+          <p:nvPr/>
+        </p:nvPicPr>
+        <p:blipFill>
+          <a:blip r:embed="rId2">
+            <a:extLst>
+              <a:ext uri="{28A0092B-C50C-407E-A947-70E740481C1C}">
+                <a14:useLocalDpi xmlns:a14="http://schemas.microsoft.com/office/drawing/2010/main" val="0"/>
+              </a:ext>
+            </a:extLst>
+          </a:blip>
+          <a:stretch>
+            <a:fillRect/>
+          </a:stretch>
+        </p:blipFill>
+        <p:spPr>
+          <a:xfrm>
+            <a:off x="8217600" y="1461185"/>
+            <a:ext cx="3974400" cy="2649600"/>
+          </a:xfrm>
+          <a:prstGeom prst="rect">
+            <a:avLst/>
+          </a:prstGeom>
+        </p:spPr>
+      </p:pic>
+      <p:pic>
+        <p:nvPicPr>
+          <p:cNvPr id="14" name="Picture 13" descr="A picture containing polygon&#10;&#10;Description automatically generated">
+            <a:extLst>
+              <a:ext uri="{FF2B5EF4-FFF2-40B4-BE49-F238E27FC236}">
+                <a16:creationId xmlns:a16="http://schemas.microsoft.com/office/drawing/2014/main" id="{7E9DB5D6-C468-44F5-8E4D-617FDFBD1065}"/>
+              </a:ext>
+            </a:extLst>
+          </p:cNvPr>
+          <p:cNvPicPr>
+            <a:picLocks noChangeAspect="1"/>
+          </p:cNvPicPr>
+          <p:nvPr/>
+        </p:nvPicPr>
+        <p:blipFill>
+          <a:blip r:embed="rId3">
+            <a:extLst>
+              <a:ext uri="{28A0092B-C50C-407E-A947-70E740481C1C}">
+                <a14:useLocalDpi xmlns:a14="http://schemas.microsoft.com/office/drawing/2010/main" val="0"/>
+              </a:ext>
+            </a:extLst>
+          </a:blip>
+          <a:stretch>
+            <a:fillRect/>
+          </a:stretch>
+        </p:blipFill>
+        <p:spPr>
+          <a:xfrm>
+            <a:off x="4243200" y="1458637"/>
+            <a:ext cx="3974400" cy="2649600"/>
+          </a:xfrm>
+          <a:prstGeom prst="rect">
+            <a:avLst/>
+          </a:prstGeom>
+        </p:spPr>
+      </p:pic>
+      <p:pic>
+        <p:nvPicPr>
+          <p:cNvPr id="16" name="Picture 15" descr="Chart, histogram&#10;&#10;Description automatically generated">
+            <a:extLst>
+              <a:ext uri="{FF2B5EF4-FFF2-40B4-BE49-F238E27FC236}">
+                <a16:creationId xmlns:a16="http://schemas.microsoft.com/office/drawing/2014/main" id="{28A121B8-4DD6-4FF1-B4E0-C443B601020F}"/>
+              </a:ext>
+            </a:extLst>
+          </p:cNvPr>
+          <p:cNvPicPr>
+            <a:picLocks noChangeAspect="1"/>
+          </p:cNvPicPr>
+          <p:nvPr/>
+        </p:nvPicPr>
+        <p:blipFill>
+          <a:blip r:embed="rId4">
+            <a:extLst>
+              <a:ext uri="{28A0092B-C50C-407E-A947-70E740481C1C}">
+                <a14:useLocalDpi xmlns:a14="http://schemas.microsoft.com/office/drawing/2010/main" val="0"/>
+              </a:ext>
+            </a:extLst>
+          </a:blip>
+          <a:stretch>
+            <a:fillRect/>
+          </a:stretch>
+        </p:blipFill>
+        <p:spPr>
+          <a:xfrm>
+            <a:off x="268800" y="1458637"/>
+            <a:ext cx="3974400" cy="2649600"/>
+          </a:xfrm>
+          <a:prstGeom prst="rect">
+            <a:avLst/>
+          </a:prstGeom>
+        </p:spPr>
+      </p:pic>
+      <p:pic>
+        <p:nvPicPr>
+          <p:cNvPr id="18" name="Picture 17" descr="Chart, scatter chart&#10;&#10;Description automatically generated">
+            <a:extLst>
+              <a:ext uri="{FF2B5EF4-FFF2-40B4-BE49-F238E27FC236}">
+                <a16:creationId xmlns:a16="http://schemas.microsoft.com/office/drawing/2014/main" id="{DC476E0E-BABE-4F83-9E0F-39D9E2193342}"/>
+              </a:ext>
+            </a:extLst>
+          </p:cNvPr>
+          <p:cNvPicPr>
+            <a:picLocks noChangeAspect="1"/>
+          </p:cNvPicPr>
+          <p:nvPr/>
+        </p:nvPicPr>
+        <p:blipFill>
+          <a:blip r:embed="rId5">
+            <a:extLst>
+              <a:ext uri="{28A0092B-C50C-407E-A947-70E740481C1C}">
+                <a14:useLocalDpi xmlns:a14="http://schemas.microsoft.com/office/drawing/2010/main" val="0"/>
+              </a:ext>
+            </a:extLst>
+          </a:blip>
+          <a:stretch>
+            <a:fillRect/>
+          </a:stretch>
+        </p:blipFill>
+        <p:spPr>
+          <a:xfrm>
+            <a:off x="4217800" y="4108237"/>
+            <a:ext cx="3974400" cy="2649600"/>
+          </a:xfrm>
+          <a:prstGeom prst="rect">
+            <a:avLst/>
+          </a:prstGeom>
+        </p:spPr>
+      </p:pic>
+      <p:pic>
+        <p:nvPicPr>
+          <p:cNvPr id="20" name="Picture 19" descr="Chart, histogram&#10;&#10;Description automatically generated">
+            <a:extLst>
+              <a:ext uri="{FF2B5EF4-FFF2-40B4-BE49-F238E27FC236}">
+                <a16:creationId xmlns:a16="http://schemas.microsoft.com/office/drawing/2014/main" id="{84AC2BF5-E442-4115-8B40-FC56E90AC970}"/>
+              </a:ext>
+            </a:extLst>
+          </p:cNvPr>
+          <p:cNvPicPr>
+            <a:picLocks noChangeAspect="1"/>
+          </p:cNvPicPr>
+          <p:nvPr/>
+        </p:nvPicPr>
+        <p:blipFill>
+          <a:blip r:embed="rId6">
+            <a:extLst>
+              <a:ext uri="{28A0092B-C50C-407E-A947-70E740481C1C}">
+                <a14:useLocalDpi xmlns:a14="http://schemas.microsoft.com/office/drawing/2010/main" val="0"/>
+              </a:ext>
+            </a:extLst>
+          </a:blip>
+          <a:stretch>
+            <a:fillRect/>
+          </a:stretch>
+        </p:blipFill>
+        <p:spPr>
+          <a:xfrm>
+            <a:off x="268800" y="4108237"/>
+            <a:ext cx="3974400" cy="2649600"/>
+          </a:xfrm>
+          <a:prstGeom prst="rect">
+            <a:avLst/>
+          </a:prstGeom>
+        </p:spPr>
+      </p:pic>
+      <p:pic>
+        <p:nvPicPr>
+          <p:cNvPr id="22" name="Picture 21" descr="A picture containing chart&#10;&#10;Description automatically generated">
+            <a:extLst>
+              <a:ext uri="{FF2B5EF4-FFF2-40B4-BE49-F238E27FC236}">
+                <a16:creationId xmlns:a16="http://schemas.microsoft.com/office/drawing/2014/main" id="{B8A6571F-BDE7-4169-A31C-06F6CB9C1471}"/>
+              </a:ext>
+            </a:extLst>
+          </p:cNvPr>
+          <p:cNvPicPr>
+            <a:picLocks noChangeAspect="1"/>
+          </p:cNvPicPr>
+          <p:nvPr/>
+        </p:nvPicPr>
+        <p:blipFill>
+          <a:blip r:embed="rId7">
+            <a:extLst>
+              <a:ext uri="{28A0092B-C50C-407E-A947-70E740481C1C}">
+                <a14:useLocalDpi xmlns:a14="http://schemas.microsoft.com/office/drawing/2010/main" val="0"/>
+              </a:ext>
+            </a:extLst>
+          </a:blip>
+          <a:stretch>
+            <a:fillRect/>
+          </a:stretch>
+        </p:blipFill>
+        <p:spPr>
+          <a:xfrm>
+            <a:off x="8217600" y="4108237"/>
+            <a:ext cx="3974400" cy="2649600"/>
+          </a:xfrm>
+          <a:prstGeom prst="rect">
+            <a:avLst/>
+          </a:prstGeom>
+        </p:spPr>
+      </p:pic>
+    </p:spTree>
+    <p:extLst>
+      <p:ext uri="{BB962C8B-B14F-4D97-AF65-F5344CB8AC3E}">
+        <p14:creationId xmlns:p14="http://schemas.microsoft.com/office/powerpoint/2010/main" val="1801652871"/>
+      </p:ext>
+    </p:extLst>
+  </p:cSld>
+  <p:clrMapOvr>
+    <a:masterClrMapping/>
+  </p:clrMapOvr>
+</p:sld>
+</file>
+
+<file path=ppt/slides/slide4.xml><?xml version="1.0" encoding="utf-8"?>
+<p:sld xmlns:a="http://schemas.openxmlformats.org/drawingml/2006/main" xmlns:r="http://schemas.openxmlformats.org/officeDocument/2006/relationships" xmlns:p="http://schemas.openxmlformats.org/presentationml/2006/main">
+  <p:cSld>
+    <p:spTree>
+      <p:nvGrpSpPr>
+        <p:cNvPr id="1" name=""/>
+        <p:cNvGrpSpPr/>
+        <p:nvPr/>
+      </p:nvGrpSpPr>
+      <p:grpSpPr>
+        <a:xfrm>
+          <a:off x="0" y="0"/>
+          <a:ext cx="0" cy="0"/>
+          <a:chOff x="0" y="0"/>
+          <a:chExt cx="0" cy="0"/>
+        </a:xfrm>
+      </p:grpSpPr>
+      <p:sp>
+        <p:nvSpPr>
+          <p:cNvPr id="2" name="Title 1">
+            <a:extLst>
+              <a:ext uri="{FF2B5EF4-FFF2-40B4-BE49-F238E27FC236}">
+                <a16:creationId xmlns:a16="http://schemas.microsoft.com/office/drawing/2014/main" id="{E038D4C9-F9C1-410B-935A-0A4A634BC779}"/>
+              </a:ext>
+            </a:extLst>
+          </p:cNvPr>
+          <p:cNvSpPr>
+            <a:spLocks noGrp="1"/>
+          </p:cNvSpPr>
+          <p:nvPr>
+            <p:ph type="title"/>
+          </p:nvPr>
+        </p:nvSpPr>
+        <p:spPr/>
+        <p:txBody>
+          <a:bodyPr/>
+          <a:lstStyle/>
+          <a:p>
+            <a:r>
+              <a:rPr lang="de-DE" dirty="0"/>
+              <a:t>NN</a:t>
+            </a:r>
+          </a:p>
+        </p:txBody>
+      </p:sp>
+      <p:pic>
+        <p:nvPicPr>
+          <p:cNvPr id="4" name="Picture 3" descr="A picture containing diagram&#10;&#10;Description automatically generated">
+            <a:extLst>
+              <a:ext uri="{FF2B5EF4-FFF2-40B4-BE49-F238E27FC236}">
+                <a16:creationId xmlns:a16="http://schemas.microsoft.com/office/drawing/2014/main" id="{B8460B85-9B12-48E5-BD27-3D2F2747E9FC}"/>
+              </a:ext>
+            </a:extLst>
+          </p:cNvPr>
+          <p:cNvPicPr>
+            <a:picLocks noChangeAspect="1"/>
+          </p:cNvPicPr>
+          <p:nvPr/>
+        </p:nvPicPr>
+        <p:blipFill>
+          <a:blip r:embed="rId2">
+            <a:extLst>
+              <a:ext uri="{28A0092B-C50C-407E-A947-70E740481C1C}">
+                <a14:useLocalDpi xmlns:a14="http://schemas.microsoft.com/office/drawing/2010/main" val="0"/>
+              </a:ext>
+            </a:extLst>
+          </a:blip>
+          <a:stretch>
+            <a:fillRect/>
+          </a:stretch>
+        </p:blipFill>
+        <p:spPr>
+          <a:xfrm>
+            <a:off x="8044225" y="3269747"/>
+            <a:ext cx="3835800" cy="3835800"/>
+          </a:xfrm>
+          <a:prstGeom prst="rect">
+            <a:avLst/>
+          </a:prstGeom>
+        </p:spPr>
+      </p:pic>
+      <p:pic>
+        <p:nvPicPr>
+          <p:cNvPr id="6" name="Picture 5" descr="A picture containing icon&#10;&#10;Description automatically generated">
+            <a:extLst>
+              <a:ext uri="{FF2B5EF4-FFF2-40B4-BE49-F238E27FC236}">
+                <a16:creationId xmlns:a16="http://schemas.microsoft.com/office/drawing/2014/main" id="{AEFF7BFD-5E97-4CC5-8F18-555B02292BAD}"/>
+              </a:ext>
+            </a:extLst>
+          </p:cNvPr>
+          <p:cNvPicPr>
+            <a:picLocks noChangeAspect="1"/>
+          </p:cNvPicPr>
+          <p:nvPr/>
+        </p:nvPicPr>
+        <p:blipFill>
+          <a:blip r:embed="rId3">
+            <a:extLst>
+              <a:ext uri="{28A0092B-C50C-407E-A947-70E740481C1C}">
+                <a14:useLocalDpi xmlns:a14="http://schemas.microsoft.com/office/drawing/2010/main" val="0"/>
+              </a:ext>
+            </a:extLst>
+          </a:blip>
+          <a:stretch>
+            <a:fillRect/>
+          </a:stretch>
+        </p:blipFill>
+        <p:spPr>
+          <a:xfrm>
+            <a:off x="7967725" y="-227212"/>
+            <a:ext cx="3835800" cy="3835800"/>
+          </a:xfrm>
+          <a:prstGeom prst="rect">
+            <a:avLst/>
+          </a:prstGeom>
+        </p:spPr>
+      </p:pic>
+      <p:pic>
+        <p:nvPicPr>
+          <p:cNvPr id="8" name="Picture 7" descr="Chart, histogram&#10;&#10;Description automatically generated">
+            <a:extLst>
+              <a:ext uri="{FF2B5EF4-FFF2-40B4-BE49-F238E27FC236}">
+                <a16:creationId xmlns:a16="http://schemas.microsoft.com/office/drawing/2014/main" id="{68CFA352-65A5-4035-BE95-196A147467B2}"/>
+              </a:ext>
+            </a:extLst>
+          </p:cNvPr>
+          <p:cNvPicPr>
+            <a:picLocks noChangeAspect="1"/>
+          </p:cNvPicPr>
+          <p:nvPr/>
+        </p:nvPicPr>
+        <p:blipFill>
+          <a:blip r:embed="rId4">
+            <a:extLst>
+              <a:ext uri="{28A0092B-C50C-407E-A947-70E740481C1C}">
+                <a14:useLocalDpi xmlns:a14="http://schemas.microsoft.com/office/drawing/2010/main" val="0"/>
+              </a:ext>
+            </a:extLst>
+          </a:blip>
+          <a:stretch>
+            <a:fillRect/>
+          </a:stretch>
+        </p:blipFill>
+        <p:spPr>
+          <a:xfrm>
+            <a:off x="4131925" y="-227212"/>
+            <a:ext cx="3835800" cy="3835800"/>
+          </a:xfrm>
+          <a:prstGeom prst="rect">
+            <a:avLst/>
+          </a:prstGeom>
+        </p:spPr>
+      </p:pic>
+      <p:pic>
+        <p:nvPicPr>
+          <p:cNvPr id="10" name="Picture 9" descr="A picture containing text, screenshot&#10;&#10;Description automatically generated">
+            <a:extLst>
+              <a:ext uri="{FF2B5EF4-FFF2-40B4-BE49-F238E27FC236}">
+                <a16:creationId xmlns:a16="http://schemas.microsoft.com/office/drawing/2014/main" id="{C89B9872-D15C-4F23-BC07-94DA730513B9}"/>
+              </a:ext>
+            </a:extLst>
+          </p:cNvPr>
+          <p:cNvPicPr>
+            <a:picLocks noChangeAspect="1"/>
+          </p:cNvPicPr>
+          <p:nvPr/>
+        </p:nvPicPr>
+        <p:blipFill>
+          <a:blip r:embed="rId5">
+            <a:extLst>
+              <a:ext uri="{28A0092B-C50C-407E-A947-70E740481C1C}">
+                <a14:useLocalDpi xmlns:a14="http://schemas.microsoft.com/office/drawing/2010/main" val="0"/>
+              </a:ext>
+            </a:extLst>
+          </a:blip>
+          <a:stretch>
+            <a:fillRect/>
+          </a:stretch>
+        </p:blipFill>
+        <p:spPr>
+          <a:xfrm>
+            <a:off x="4131925" y="3269747"/>
+            <a:ext cx="3835800" cy="3835800"/>
+          </a:xfrm>
+          <a:prstGeom prst="rect">
+            <a:avLst/>
+          </a:prstGeom>
+        </p:spPr>
+      </p:pic>
+    </p:spTree>
+    <p:extLst>
+      <p:ext uri="{BB962C8B-B14F-4D97-AF65-F5344CB8AC3E}">
+        <p14:creationId xmlns:p14="http://schemas.microsoft.com/office/powerpoint/2010/main" val="1830962951"/>
+      </p:ext>
+    </p:extLst>
+  </p:cSld>
+  <p:clrMapOvr>
+    <a:masterClrMapping/>
+  </p:clrMapOvr>
+</p:sld>
+</file>
+
+<file path=ppt/slides/slide5.xml><?xml version="1.0" encoding="utf-8"?>
+<p:sld xmlns:a="http://schemas.openxmlformats.org/drawingml/2006/main" xmlns:r="http://schemas.openxmlformats.org/officeDocument/2006/relationships" xmlns:p="http://schemas.openxmlformats.org/presentationml/2006/main">
+  <p:cSld>
+    <p:spTree>
+      <p:nvGrpSpPr>
+        <p:cNvPr id="1" name=""/>
+        <p:cNvGrpSpPr/>
+        <p:nvPr/>
+      </p:nvGrpSpPr>
+      <p:grpSpPr>
+        <a:xfrm>
+          <a:off x="0" y="0"/>
+          <a:ext cx="0" cy="0"/>
+          <a:chOff x="0" y="0"/>
+          <a:chExt cx="0" cy="0"/>
+        </a:xfrm>
+      </p:grpSpPr>
+      <p:sp>
+        <p:nvSpPr>
+          <p:cNvPr id="2" name="Title 1">
+            <a:extLst>
+              <a:ext uri="{FF2B5EF4-FFF2-40B4-BE49-F238E27FC236}">
+                <a16:creationId xmlns:a16="http://schemas.microsoft.com/office/drawing/2014/main" id="{E038D4C9-F9C1-410B-935A-0A4A634BC779}"/>
+              </a:ext>
+            </a:extLst>
+          </p:cNvPr>
+          <p:cNvSpPr>
+            <a:spLocks noGrp="1"/>
+          </p:cNvSpPr>
+          <p:nvPr>
+            <p:ph type="title"/>
+          </p:nvPr>
+        </p:nvSpPr>
+        <p:spPr/>
+        <p:txBody>
+          <a:bodyPr/>
+          <a:lstStyle/>
+          <a:p>
+            <a:r>
+              <a:rPr lang="de-DE" dirty="0"/>
+              <a:t>RNN</a:t>
+            </a:r>
+          </a:p>
+        </p:txBody>
+      </p:sp>
+      <p:pic>
+        <p:nvPicPr>
+          <p:cNvPr id="5" name="Picture 4" descr="A picture containing shape&#10;&#10;Description automatically generated">
+            <a:extLst>
+              <a:ext uri="{FF2B5EF4-FFF2-40B4-BE49-F238E27FC236}">
+                <a16:creationId xmlns:a16="http://schemas.microsoft.com/office/drawing/2014/main" id="{CF099783-6965-40FC-87BB-DFB4E3B83489}"/>
+              </a:ext>
+            </a:extLst>
+          </p:cNvPr>
+          <p:cNvPicPr>
+            <a:picLocks noChangeAspect="1"/>
+          </p:cNvPicPr>
+          <p:nvPr/>
+        </p:nvPicPr>
+        <p:blipFill>
+          <a:blip r:embed="rId2">
+            <a:extLst>
+              <a:ext uri="{28A0092B-C50C-407E-A947-70E740481C1C}">
+                <a14:useLocalDpi xmlns:a14="http://schemas.microsoft.com/office/drawing/2010/main" val="0"/>
+              </a:ext>
+            </a:extLst>
+          </a:blip>
+          <a:stretch>
+            <a:fillRect/>
+          </a:stretch>
+        </p:blipFill>
+        <p:spPr>
+          <a:xfrm>
+            <a:off x="4577712" y="3097800"/>
+            <a:ext cx="3807144" cy="3807144"/>
+          </a:xfrm>
+          <a:prstGeom prst="rect">
+            <a:avLst/>
+          </a:prstGeom>
+        </p:spPr>
+      </p:pic>
+      <p:pic>
+        <p:nvPicPr>
+          <p:cNvPr id="9" name="Picture 8" descr="Diagram&#10;&#10;Description automatically generated with low confidence">
+            <a:extLst>
+              <a:ext uri="{FF2B5EF4-FFF2-40B4-BE49-F238E27FC236}">
+                <a16:creationId xmlns:a16="http://schemas.microsoft.com/office/drawing/2014/main" id="{B9ABEDFC-6EF9-4A69-9834-34BA60EF9E8E}"/>
+              </a:ext>
+            </a:extLst>
+          </p:cNvPr>
+          <p:cNvPicPr>
+            <a:picLocks noChangeAspect="1"/>
+          </p:cNvPicPr>
+          <p:nvPr/>
+        </p:nvPicPr>
+        <p:blipFill>
+          <a:blip r:embed="rId3">
+            <a:extLst>
+              <a:ext uri="{28A0092B-C50C-407E-A947-70E740481C1C}">
+                <a14:useLocalDpi xmlns:a14="http://schemas.microsoft.com/office/drawing/2010/main" val="0"/>
+              </a:ext>
+            </a:extLst>
+          </a:blip>
+          <a:stretch>
+            <a:fillRect/>
+          </a:stretch>
+        </p:blipFill>
+        <p:spPr>
+          <a:xfrm>
+            <a:off x="8384856" y="3097800"/>
+            <a:ext cx="3807144" cy="3807144"/>
+          </a:xfrm>
+          <a:prstGeom prst="rect">
+            <a:avLst/>
+          </a:prstGeom>
+        </p:spPr>
+      </p:pic>
+      <p:pic>
+        <p:nvPicPr>
+          <p:cNvPr id="12" name="Picture 11" descr="Chart, scatter chart&#10;&#10;Description automatically generated">
+            <a:extLst>
+              <a:ext uri="{FF2B5EF4-FFF2-40B4-BE49-F238E27FC236}">
+                <a16:creationId xmlns:a16="http://schemas.microsoft.com/office/drawing/2014/main" id="{3DC7F12D-4673-4C98-990B-E384F3F83E7E}"/>
+              </a:ext>
+            </a:extLst>
+          </p:cNvPr>
+          <p:cNvPicPr>
+            <a:picLocks noChangeAspect="1"/>
+          </p:cNvPicPr>
+          <p:nvPr/>
+        </p:nvPicPr>
+        <p:blipFill>
+          <a:blip r:embed="rId4">
+            <a:extLst>
+              <a:ext uri="{28A0092B-C50C-407E-A947-70E740481C1C}">
+                <a14:useLocalDpi xmlns:a14="http://schemas.microsoft.com/office/drawing/2010/main" val="0"/>
+              </a:ext>
+            </a:extLst>
+          </a:blip>
+          <a:stretch>
+            <a:fillRect/>
+          </a:stretch>
+        </p:blipFill>
+        <p:spPr>
+          <a:xfrm>
+            <a:off x="8384856" y="-212884"/>
+            <a:ext cx="3807144" cy="3807144"/>
+          </a:xfrm>
+          <a:prstGeom prst="rect">
+            <a:avLst/>
+          </a:prstGeom>
+        </p:spPr>
+      </p:pic>
+      <p:pic>
+        <p:nvPicPr>
+          <p:cNvPr id="14" name="Picture 13" descr="Chart, histogram&#10;&#10;Description automatically generated">
+            <a:extLst>
+              <a:ext uri="{FF2B5EF4-FFF2-40B4-BE49-F238E27FC236}">
+                <a16:creationId xmlns:a16="http://schemas.microsoft.com/office/drawing/2014/main" id="{8DA5E9F2-06D4-4D71-A02F-D28A62CFE556}"/>
+              </a:ext>
+            </a:extLst>
+          </p:cNvPr>
+          <p:cNvPicPr>
+            <a:picLocks noChangeAspect="1"/>
+          </p:cNvPicPr>
+          <p:nvPr/>
+        </p:nvPicPr>
+        <p:blipFill>
+          <a:blip r:embed="rId5">
+            <a:extLst>
+              <a:ext uri="{28A0092B-C50C-407E-A947-70E740481C1C}">
+                <a14:useLocalDpi xmlns:a14="http://schemas.microsoft.com/office/drawing/2010/main" val="0"/>
+              </a:ext>
+            </a:extLst>
+          </a:blip>
+          <a:stretch>
+            <a:fillRect/>
+          </a:stretch>
+        </p:blipFill>
+        <p:spPr>
+          <a:xfrm>
+            <a:off x="4577712" y="-212884"/>
+            <a:ext cx="3807144" cy="3807144"/>
+          </a:xfrm>
+          <a:prstGeom prst="rect">
+            <a:avLst/>
+          </a:prstGeom>
+        </p:spPr>
+      </p:pic>
+    </p:spTree>
+    <p:extLst>
+      <p:ext uri="{BB962C8B-B14F-4D97-AF65-F5344CB8AC3E}">
+        <p14:creationId xmlns:p14="http://schemas.microsoft.com/office/powerpoint/2010/main" val="3197493970"/>
       </p:ext>
     </p:extLst>
   </p:cSld>

--- a/DDE_MachineLearning_Project/dde_results.pptx
+++ b/DDE_MachineLearning_Project/dde_results.pptx
@@ -276,7 +276,7 @@
           <a:p>
             <a:fld id="{888B5EAE-351F-4271-B2FC-4FD5B44EE96C}" type="datetimeFigureOut">
               <a:rPr lang="de-DE" smtClean="0"/>
-              <a:t>09.01.2022</a:t>
+              <a:t>10.01.2022</a:t>
             </a:fld>
             <a:endParaRPr lang="de-DE"/>
           </a:p>
@@ -476,7 +476,7 @@
           <a:p>
             <a:fld id="{888B5EAE-351F-4271-B2FC-4FD5B44EE96C}" type="datetimeFigureOut">
               <a:rPr lang="de-DE" smtClean="0"/>
-              <a:t>09.01.2022</a:t>
+              <a:t>10.01.2022</a:t>
             </a:fld>
             <a:endParaRPr lang="de-DE"/>
           </a:p>
@@ -686,7 +686,7 @@
           <a:p>
             <a:fld id="{888B5EAE-351F-4271-B2FC-4FD5B44EE96C}" type="datetimeFigureOut">
               <a:rPr lang="de-DE" smtClean="0"/>
-              <a:t>09.01.2022</a:t>
+              <a:t>10.01.2022</a:t>
             </a:fld>
             <a:endParaRPr lang="de-DE"/>
           </a:p>
@@ -886,7 +886,7 @@
           <a:p>
             <a:fld id="{888B5EAE-351F-4271-B2FC-4FD5B44EE96C}" type="datetimeFigureOut">
               <a:rPr lang="de-DE" smtClean="0"/>
-              <a:t>09.01.2022</a:t>
+              <a:t>10.01.2022</a:t>
             </a:fld>
             <a:endParaRPr lang="de-DE"/>
           </a:p>
@@ -1162,7 +1162,7 @@
           <a:p>
             <a:fld id="{888B5EAE-351F-4271-B2FC-4FD5B44EE96C}" type="datetimeFigureOut">
               <a:rPr lang="de-DE" smtClean="0"/>
-              <a:t>09.01.2022</a:t>
+              <a:t>10.01.2022</a:t>
             </a:fld>
             <a:endParaRPr lang="de-DE"/>
           </a:p>
@@ -1430,7 +1430,7 @@
           <a:p>
             <a:fld id="{888B5EAE-351F-4271-B2FC-4FD5B44EE96C}" type="datetimeFigureOut">
               <a:rPr lang="de-DE" smtClean="0"/>
-              <a:t>09.01.2022</a:t>
+              <a:t>10.01.2022</a:t>
             </a:fld>
             <a:endParaRPr lang="de-DE"/>
           </a:p>
@@ -1845,7 +1845,7 @@
           <a:p>
             <a:fld id="{888B5EAE-351F-4271-B2FC-4FD5B44EE96C}" type="datetimeFigureOut">
               <a:rPr lang="de-DE" smtClean="0"/>
-              <a:t>09.01.2022</a:t>
+              <a:t>10.01.2022</a:t>
             </a:fld>
             <a:endParaRPr lang="de-DE"/>
           </a:p>
@@ -1987,7 +1987,7 @@
           <a:p>
             <a:fld id="{888B5EAE-351F-4271-B2FC-4FD5B44EE96C}" type="datetimeFigureOut">
               <a:rPr lang="de-DE" smtClean="0"/>
-              <a:t>09.01.2022</a:t>
+              <a:t>10.01.2022</a:t>
             </a:fld>
             <a:endParaRPr lang="de-DE"/>
           </a:p>
@@ -2100,7 +2100,7 @@
           <a:p>
             <a:fld id="{888B5EAE-351F-4271-B2FC-4FD5B44EE96C}" type="datetimeFigureOut">
               <a:rPr lang="de-DE" smtClean="0"/>
-              <a:t>09.01.2022</a:t>
+              <a:t>10.01.2022</a:t>
             </a:fld>
             <a:endParaRPr lang="de-DE"/>
           </a:p>
@@ -2413,7 +2413,7 @@
           <a:p>
             <a:fld id="{888B5EAE-351F-4271-B2FC-4FD5B44EE96C}" type="datetimeFigureOut">
               <a:rPr lang="de-DE" smtClean="0"/>
-              <a:t>09.01.2022</a:t>
+              <a:t>10.01.2022</a:t>
             </a:fld>
             <a:endParaRPr lang="de-DE"/>
           </a:p>
@@ -2702,7 +2702,7 @@
           <a:p>
             <a:fld id="{888B5EAE-351F-4271-B2FC-4FD5B44EE96C}" type="datetimeFigureOut">
               <a:rPr lang="de-DE" smtClean="0"/>
-              <a:t>09.01.2022</a:t>
+              <a:t>10.01.2022</a:t>
             </a:fld>
             <a:endParaRPr lang="de-DE"/>
           </a:p>
@@ -2945,7 +2945,7 @@
           <a:p>
             <a:fld id="{888B5EAE-351F-4271-B2FC-4FD5B44EE96C}" type="datetimeFigureOut">
               <a:rPr lang="de-DE" smtClean="0"/>
-              <a:t>09.01.2022</a:t>
+              <a:t>10.01.2022</a:t>
             </a:fld>
             <a:endParaRPr lang="de-DE"/>
           </a:p>
@@ -3377,14 +3377,14 @@
           <p:nvPr>
             <p:extLst>
               <p:ext uri="{D42A27DB-BD31-4B8C-83A1-F6EECF244321}">
-                <p14:modId xmlns:p14="http://schemas.microsoft.com/office/powerpoint/2010/main" val="3311883992"/>
+                <p14:modId xmlns:p14="http://schemas.microsoft.com/office/powerpoint/2010/main" val="2583780123"/>
               </p:ext>
             </p:extLst>
           </p:nvPr>
         </p:nvGraphicFramePr>
         <p:xfrm>
-          <a:off x="465600" y="719666"/>
-          <a:ext cx="9961989" cy="4409440"/>
+          <a:off x="134400" y="779400"/>
+          <a:ext cx="11923200" cy="5872480"/>
         </p:xfrm>
         <a:graphic>
           <a:graphicData uri="http://schemas.openxmlformats.org/drawingml/2006/table">
@@ -3393,41 +3393,48 @@
                 <a:tableStyleId>{5C22544A-7EE6-4342-B048-85BDC9FD1C3A}</a:tableStyleId>
               </a:tblPr>
               <a:tblGrid>
-                <a:gridCol w="2464277">
+                <a:gridCol w="2672753">
                   <a:extLst>
                     <a:ext uri="{9D8B030D-6E8A-4147-A177-3AD203B41FA5}">
                       <a16:colId xmlns:a16="http://schemas.microsoft.com/office/drawing/2014/main" val="353048072"/>
                     </a:ext>
                   </a:extLst>
                 </a:gridCol>
-                <a:gridCol w="1393513">
+                <a:gridCol w="1542968">
                   <a:extLst>
                     <a:ext uri="{9D8B030D-6E8A-4147-A177-3AD203B41FA5}">
                       <a16:colId xmlns:a16="http://schemas.microsoft.com/office/drawing/2014/main" val="4154142423"/>
                     </a:ext>
                   </a:extLst>
                 </a:gridCol>
-                <a:gridCol w="2246409">
+                <a:gridCol w="2487337">
                   <a:extLst>
                     <a:ext uri="{9D8B030D-6E8A-4147-A177-3AD203B41FA5}">
                       <a16:colId xmlns:a16="http://schemas.microsoft.com/office/drawing/2014/main" val="1173315652"/>
                     </a:ext>
                   </a:extLst>
                 </a:gridCol>
-                <a:gridCol w="1928895">
+                <a:gridCol w="948602">
                   <a:extLst>
                     <a:ext uri="{9D8B030D-6E8A-4147-A177-3AD203B41FA5}">
                       <a16:colId xmlns:a16="http://schemas.microsoft.com/office/drawing/2014/main" val="1685941792"/>
                     </a:ext>
                   </a:extLst>
                 </a:gridCol>
-                <a:gridCol w="1928895">
+                <a:gridCol w="1290740">
                   <a:extLst>
                     <a:ext uri="{9D8B030D-6E8A-4147-A177-3AD203B41FA5}">
                       <a16:colId xmlns:a16="http://schemas.microsoft.com/office/drawing/2014/main" val="2931450649"/>
                     </a:ext>
                   </a:extLst>
                 </a:gridCol>
+                <a:gridCol w="2980800">
+                  <a:extLst>
+                    <a:ext uri="{9D8B030D-6E8A-4147-A177-3AD203B41FA5}">
+                      <a16:colId xmlns:a16="http://schemas.microsoft.com/office/drawing/2014/main" val="290987983"/>
+                    </a:ext>
+                  </a:extLst>
+                </a:gridCol>
               </a:tblGrid>
               <a:tr h="370840">
                 <a:tc>
@@ -3492,6 +3499,16 @@
                         <a:rPr lang="de-DE" dirty="0"/>
                         <a:t>R^2 Score</a:t>
                       </a:r>
+                    </a:p>
+                  </a:txBody>
+                  <a:tcPr/>
+                </a:tc>
+                <a:tc>
+                  <a:txBody>
+                    <a:bodyPr/>
+                    <a:lstStyle/>
+                    <a:p>
+                      <a:endParaRPr lang="de-DE" dirty="0"/>
                     </a:p>
                   </a:txBody>
                   <a:tcPr/>
@@ -3565,6 +3582,16 @@
                   </a:txBody>
                   <a:tcPr/>
                 </a:tc>
+                <a:tc>
+                  <a:txBody>
+                    <a:bodyPr/>
+                    <a:lstStyle/>
+                    <a:p>
+                      <a:endParaRPr lang="de-DE" dirty="0"/>
+                    </a:p>
+                  </a:txBody>
+                  <a:tcPr/>
+                </a:tc>
                 <a:extLst>
                   <a:ext uri="{0D108BD9-81ED-4DB2-BD59-A6C34878D82A}">
                     <a16:rowId xmlns:a16="http://schemas.microsoft.com/office/drawing/2014/main" val="2345303936"/>
@@ -3631,6 +3658,16 @@
                   </a:txBody>
                   <a:tcPr/>
                 </a:tc>
+                <a:tc>
+                  <a:txBody>
+                    <a:bodyPr/>
+                    <a:lstStyle/>
+                    <a:p>
+                      <a:endParaRPr lang="de-DE" dirty="0"/>
+                    </a:p>
+                  </a:txBody>
+                  <a:tcPr/>
+                </a:tc>
                 <a:extLst>
                   <a:ext uri="{0D108BD9-81ED-4DB2-BD59-A6C34878D82A}">
                     <a16:rowId xmlns:a16="http://schemas.microsoft.com/office/drawing/2014/main" val="2309057353"/>
@@ -3700,6 +3737,16 @@
                   </a:txBody>
                   <a:tcPr/>
                 </a:tc>
+                <a:tc>
+                  <a:txBody>
+                    <a:bodyPr/>
+                    <a:lstStyle/>
+                    <a:p>
+                      <a:endParaRPr lang="de-DE" dirty="0"/>
+                    </a:p>
+                  </a:txBody>
+                  <a:tcPr/>
+                </a:tc>
                 <a:extLst>
                   <a:ext uri="{0D108BD9-81ED-4DB2-BD59-A6C34878D82A}">
                     <a16:rowId xmlns:a16="http://schemas.microsoft.com/office/drawing/2014/main" val="3791644966"/>
@@ -3766,6 +3813,16 @@
                   </a:txBody>
                   <a:tcPr/>
                 </a:tc>
+                <a:tc>
+                  <a:txBody>
+                    <a:bodyPr/>
+                    <a:lstStyle/>
+                    <a:p>
+                      <a:endParaRPr lang="de-DE" dirty="0"/>
+                    </a:p>
+                  </a:txBody>
+                  <a:tcPr/>
+                </a:tc>
                 <a:extLst>
                   <a:ext uri="{0D108BD9-81ED-4DB2-BD59-A6C34878D82A}">
                     <a16:rowId xmlns:a16="http://schemas.microsoft.com/office/drawing/2014/main" val="984695646"/>
@@ -3835,6 +3892,16 @@
                   </a:txBody>
                   <a:tcPr/>
                 </a:tc>
+                <a:tc>
+                  <a:txBody>
+                    <a:bodyPr/>
+                    <a:lstStyle/>
+                    <a:p>
+                      <a:endParaRPr lang="de-DE" dirty="0"/>
+                    </a:p>
+                  </a:txBody>
+                  <a:tcPr/>
+                </a:tc>
                 <a:extLst>
                   <a:ext uri="{0D108BD9-81ED-4DB2-BD59-A6C34878D82A}">
                     <a16:rowId xmlns:a16="http://schemas.microsoft.com/office/drawing/2014/main" val="2121374170"/>
@@ -3904,6 +3971,16 @@
                   </a:txBody>
                   <a:tcPr/>
                 </a:tc>
+                <a:tc>
+                  <a:txBody>
+                    <a:bodyPr/>
+                    <a:lstStyle/>
+                    <a:p>
+                      <a:endParaRPr lang="de-DE" dirty="0"/>
+                    </a:p>
+                  </a:txBody>
+                  <a:tcPr/>
+                </a:tc>
                 <a:extLst>
                   <a:ext uri="{0D108BD9-81ED-4DB2-BD59-A6C34878D82A}">
                     <a16:rowId xmlns:a16="http://schemas.microsoft.com/office/drawing/2014/main" val="4194800166"/>
@@ -3973,6 +4050,16 @@
                   </a:txBody>
                   <a:tcPr/>
                 </a:tc>
+                <a:tc>
+                  <a:txBody>
+                    <a:bodyPr/>
+                    <a:lstStyle/>
+                    <a:p>
+                      <a:endParaRPr lang="de-DE" dirty="0"/>
+                    </a:p>
+                  </a:txBody>
+                  <a:tcPr/>
+                </a:tc>
                 <a:extLst>
                   <a:ext uri="{0D108BD9-81ED-4DB2-BD59-A6C34878D82A}">
                     <a16:rowId xmlns:a16="http://schemas.microsoft.com/office/drawing/2014/main" val="2673006100"/>
@@ -4042,6 +4129,16 @@
                   </a:txBody>
                   <a:tcPr/>
                 </a:tc>
+                <a:tc>
+                  <a:txBody>
+                    <a:bodyPr/>
+                    <a:lstStyle/>
+                    <a:p>
+                      <a:endParaRPr lang="de-DE" dirty="0"/>
+                    </a:p>
+                  </a:txBody>
+                  <a:tcPr/>
+                </a:tc>
                 <a:extLst>
                   <a:ext uri="{0D108BD9-81ED-4DB2-BD59-A6C34878D82A}">
                     <a16:rowId xmlns:a16="http://schemas.microsoft.com/office/drawing/2014/main" val="1081194975"/>
@@ -4114,6 +4211,16 @@
                   </a:txBody>
                   <a:tcPr/>
                 </a:tc>
+                <a:tc>
+                  <a:txBody>
+                    <a:bodyPr/>
+                    <a:lstStyle/>
+                    <a:p>
+                      <a:endParaRPr lang="de-DE" dirty="0"/>
+                    </a:p>
+                  </a:txBody>
+                  <a:tcPr/>
+                </a:tc>
                 <a:extLst>
                   <a:ext uri="{0D108BD9-81ED-4DB2-BD59-A6C34878D82A}">
                     <a16:rowId xmlns:a16="http://schemas.microsoft.com/office/drawing/2014/main" val="4014538829"/>
@@ -4183,6 +4290,16 @@
                   </a:txBody>
                   <a:tcPr/>
                 </a:tc>
+                <a:tc>
+                  <a:txBody>
+                    <a:bodyPr/>
+                    <a:lstStyle/>
+                    <a:p>
+                      <a:endParaRPr lang="de-DE" dirty="0"/>
+                    </a:p>
+                  </a:txBody>
+                  <a:tcPr/>
+                </a:tc>
                 <a:extLst>
                   <a:ext uri="{0D108BD9-81ED-4DB2-BD59-A6C34878D82A}">
                     <a16:rowId xmlns:a16="http://schemas.microsoft.com/office/drawing/2014/main" val="4029173210"/>
@@ -4246,8 +4363,18 @@
                     <a:p>
                       <a:r>
                         <a:rPr lang="de-DE" dirty="0"/>
-                        <a:t>0,64</a:t>
-                      </a:r>
+                        <a:t>0,69</a:t>
+                      </a:r>
+                    </a:p>
+                  </a:txBody>
+                  <a:tcPr/>
+                </a:tc>
+                <a:tc>
+                  <a:txBody>
+                    <a:bodyPr/>
+                    <a:lstStyle/>
+                    <a:p>
+                      <a:endParaRPr lang="de-DE" dirty="0"/>
                     </a:p>
                   </a:txBody>
                   <a:tcPr/>
@@ -4255,6 +4382,422 @@
                 <a:extLst>
                   <a:ext uri="{0D108BD9-81ED-4DB2-BD59-A6C34878D82A}">
                     <a16:rowId xmlns:a16="http://schemas.microsoft.com/office/drawing/2014/main" val="1289963371"/>
+                  </a:ext>
+                </a:extLst>
+              </a:tr>
+              <a:tr h="0">
+                <a:tc>
+                  <a:txBody>
+                    <a:bodyPr/>
+                    <a:lstStyle/>
+                    <a:p>
+                      <a:r>
+                        <a:rPr lang="de-DE" dirty="0"/>
+                        <a:t>10_ED_LSTM_WL</a:t>
+                      </a:r>
+                    </a:p>
+                  </a:txBody>
+                  <a:tcPr/>
+                </a:tc>
+                <a:tc>
+                  <a:txBody>
+                    <a:bodyPr/>
+                    <a:lstStyle/>
+                    <a:p>
+                      <a:r>
+                        <a:rPr lang="de-DE" dirty="0"/>
+                        <a:t>EDLSTM</a:t>
+                      </a:r>
+                    </a:p>
+                  </a:txBody>
+                  <a:tcPr/>
+                </a:tc>
+                <a:tc>
+                  <a:txBody>
+                    <a:bodyPr/>
+                    <a:lstStyle/>
+                    <a:p>
+                      <a:r>
+                        <a:rPr lang="de-DE" dirty="0"/>
+                        <a:t>MS_EDLSTM_WL</a:t>
+                      </a:r>
+                    </a:p>
+                  </a:txBody>
+                  <a:tcPr/>
+                </a:tc>
+                <a:tc>
+                  <a:txBody>
+                    <a:bodyPr/>
+                    <a:lstStyle/>
+                    <a:p>
+                      <a:endParaRPr lang="de-DE" dirty="0"/>
+                    </a:p>
+                  </a:txBody>
+                  <a:tcPr/>
+                </a:tc>
+                <a:tc>
+                  <a:txBody>
+                    <a:bodyPr/>
+                    <a:lstStyle/>
+                    <a:p>
+                      <a:r>
+                        <a:rPr lang="de-DE" dirty="0"/>
+                        <a:t>0,81</a:t>
+                      </a:r>
+                    </a:p>
+                  </a:txBody>
+                  <a:tcPr/>
+                </a:tc>
+                <a:tc>
+                  <a:txBody>
+                    <a:bodyPr/>
+                    <a:lstStyle/>
+                    <a:p>
+                      <a:r>
+                        <a:rPr lang="de-DE" dirty="0"/>
+                        <a:t>Additional </a:t>
+                      </a:r>
+                      <a:r>
+                        <a:rPr lang="de-DE" dirty="0" err="1"/>
+                        <a:t>Weak</a:t>
+                      </a:r>
+                      <a:r>
+                        <a:rPr lang="de-DE" dirty="0"/>
+                        <a:t> </a:t>
+                      </a:r>
+                      <a:r>
+                        <a:rPr lang="de-DE" dirty="0" err="1"/>
+                        <a:t>learners</a:t>
+                      </a:r>
+                      <a:endParaRPr lang="de-DE" dirty="0"/>
+                    </a:p>
+                  </a:txBody>
+                  <a:tcPr/>
+                </a:tc>
+                <a:extLst>
+                  <a:ext uri="{0D108BD9-81ED-4DB2-BD59-A6C34878D82A}">
+                    <a16:rowId xmlns:a16="http://schemas.microsoft.com/office/drawing/2014/main" val="802403190"/>
+                  </a:ext>
+                </a:extLst>
+              </a:tr>
+              <a:tr h="0">
+                <a:tc>
+                  <a:txBody>
+                    <a:bodyPr/>
+                    <a:lstStyle/>
+                    <a:p>
+                      <a:r>
+                        <a:rPr lang="de-DE" dirty="0"/>
+                        <a:t>10_ED_LSTM_WL2</a:t>
+                      </a:r>
+                    </a:p>
+                  </a:txBody>
+                  <a:tcPr/>
+                </a:tc>
+                <a:tc>
+                  <a:txBody>
+                    <a:bodyPr/>
+                    <a:lstStyle/>
+                    <a:p>
+                      <a:r>
+                        <a:rPr lang="de-DE" dirty="0"/>
+                        <a:t>EDLSTM</a:t>
+                      </a:r>
+                    </a:p>
+                  </a:txBody>
+                  <a:tcPr/>
+                </a:tc>
+                <a:tc>
+                  <a:txBody>
+                    <a:bodyPr/>
+                    <a:lstStyle/>
+                    <a:p>
+                      <a:r>
+                        <a:rPr lang="de-DE" dirty="0"/>
+                        <a:t>MS_EDLSTM_WL2</a:t>
+                      </a:r>
+                    </a:p>
+                  </a:txBody>
+                  <a:tcPr/>
+                </a:tc>
+                <a:tc>
+                  <a:txBody>
+                    <a:bodyPr/>
+                    <a:lstStyle/>
+                    <a:p>
+                      <a:endParaRPr lang="de-DE" dirty="0"/>
+                    </a:p>
+                  </a:txBody>
+                  <a:tcPr/>
+                </a:tc>
+                <a:tc>
+                  <a:txBody>
+                    <a:bodyPr/>
+                    <a:lstStyle/>
+                    <a:p>
+                      <a:r>
+                        <a:rPr lang="de-DE" dirty="0"/>
+                        <a:t>0,83</a:t>
+                      </a:r>
+                    </a:p>
+                  </a:txBody>
+                  <a:tcPr/>
+                </a:tc>
+                <a:tc>
+                  <a:txBody>
+                    <a:bodyPr/>
+                    <a:lstStyle/>
+                    <a:p>
+                      <a:r>
+                        <a:rPr lang="de-DE" dirty="0"/>
+                        <a:t>14 </a:t>
+                      </a:r>
+                      <a:r>
+                        <a:rPr lang="de-DE" dirty="0" err="1"/>
+                        <a:t>day</a:t>
+                      </a:r>
+                      <a:r>
+                        <a:rPr lang="de-DE" dirty="0"/>
+                        <a:t> </a:t>
+                      </a:r>
+                      <a:r>
+                        <a:rPr lang="de-DE" dirty="0" err="1"/>
+                        <a:t>data</a:t>
+                      </a:r>
+                      <a:r>
+                        <a:rPr lang="de-DE" dirty="0"/>
+                        <a:t> </a:t>
+                      </a:r>
+                      <a:r>
+                        <a:rPr lang="de-DE" dirty="0" err="1"/>
+                        <a:t>set</a:t>
+                      </a:r>
+                      <a:endParaRPr lang="de-DE" dirty="0"/>
+                    </a:p>
+                  </a:txBody>
+                  <a:tcPr/>
+                </a:tc>
+                <a:extLst>
+                  <a:ext uri="{0D108BD9-81ED-4DB2-BD59-A6C34878D82A}">
+                    <a16:rowId xmlns:a16="http://schemas.microsoft.com/office/drawing/2014/main" val="4104527560"/>
+                  </a:ext>
+                </a:extLst>
+              </a:tr>
+              <a:tr h="0">
+                <a:tc>
+                  <a:txBody>
+                    <a:bodyPr/>
+                    <a:lstStyle/>
+                    <a:p>
+                      <a:r>
+                        <a:rPr lang="de-DE" dirty="0"/>
+                        <a:t>10_ED_LSTM_WL2_1</a:t>
+                      </a:r>
+                    </a:p>
+                  </a:txBody>
+                  <a:tcPr/>
+                </a:tc>
+                <a:tc>
+                  <a:txBody>
+                    <a:bodyPr/>
+                    <a:lstStyle/>
+                    <a:p>
+                      <a:r>
+                        <a:rPr lang="de-DE" dirty="0"/>
+                        <a:t>EDLSTM</a:t>
+                      </a:r>
+                    </a:p>
+                  </a:txBody>
+                  <a:tcPr/>
+                </a:tc>
+                <a:tc>
+                  <a:txBody>
+                    <a:bodyPr/>
+                    <a:lstStyle/>
+                    <a:p>
+                      <a:pPr marL="0" marR="0" lvl="0" indent="0" algn="l" defTabSz="914400" rtl="0" eaLnBrk="1" fontAlgn="auto" latinLnBrk="0" hangingPunct="1">
+                        <a:lnSpc>
+                          <a:spcPct val="100000"/>
+                        </a:lnSpc>
+                        <a:spcBef>
+                          <a:spcPts val="0"/>
+                        </a:spcBef>
+                        <a:spcAft>
+                          <a:spcPts val="0"/>
+                        </a:spcAft>
+                        <a:buClrTx/>
+                        <a:buSzTx/>
+                        <a:buFontTx/>
+                        <a:buNone/>
+                        <a:tabLst/>
+                        <a:defRPr/>
+                      </a:pPr>
+                      <a:r>
+                        <a:rPr lang="de-DE" dirty="0"/>
+                        <a:t>MS_EDLSTM_WL2</a:t>
+                      </a:r>
+                    </a:p>
+                  </a:txBody>
+                  <a:tcPr/>
+                </a:tc>
+                <a:tc>
+                  <a:txBody>
+                    <a:bodyPr/>
+                    <a:lstStyle/>
+                    <a:p>
+                      <a:endParaRPr lang="de-DE" dirty="0"/>
+                    </a:p>
+                  </a:txBody>
+                  <a:tcPr/>
+                </a:tc>
+                <a:tc>
+                  <a:txBody>
+                    <a:bodyPr/>
+                    <a:lstStyle/>
+                    <a:p>
+                      <a:r>
+                        <a:rPr lang="de-DE" dirty="0"/>
+                        <a:t>0,81</a:t>
+                      </a:r>
+                    </a:p>
+                  </a:txBody>
+                  <a:tcPr/>
+                </a:tc>
+                <a:tc>
+                  <a:txBody>
+                    <a:bodyPr/>
+                    <a:lstStyle/>
+                    <a:p>
+                      <a:r>
+                        <a:rPr lang="de-DE" dirty="0"/>
+                        <a:t>ELU Layer </a:t>
+                      </a:r>
+                    </a:p>
+                  </a:txBody>
+                  <a:tcPr/>
+                </a:tc>
+                <a:extLst>
+                  <a:ext uri="{0D108BD9-81ED-4DB2-BD59-A6C34878D82A}">
+                    <a16:rowId xmlns:a16="http://schemas.microsoft.com/office/drawing/2014/main" val="1805830603"/>
+                  </a:ext>
+                </a:extLst>
+              </a:tr>
+              <a:tr h="0">
+                <a:tc>
+                  <a:txBody>
+                    <a:bodyPr/>
+                    <a:lstStyle/>
+                    <a:p>
+                      <a:r>
+                        <a:rPr lang="de-DE" dirty="0"/>
+                        <a:t>10_ED_LSTM_WL3</a:t>
+                      </a:r>
+                    </a:p>
+                  </a:txBody>
+                  <a:tcPr/>
+                </a:tc>
+                <a:tc>
+                  <a:txBody>
+                    <a:bodyPr/>
+                    <a:lstStyle/>
+                    <a:p>
+                      <a:r>
+                        <a:rPr lang="de-DE" dirty="0"/>
+                        <a:t>EDLSTM</a:t>
+                      </a:r>
+                    </a:p>
+                  </a:txBody>
+                  <a:tcPr/>
+                </a:tc>
+                <a:tc>
+                  <a:txBody>
+                    <a:bodyPr/>
+                    <a:lstStyle/>
+                    <a:p>
+                      <a:pPr marL="0" marR="0" lvl="0" indent="0" algn="l" defTabSz="914400" rtl="0" eaLnBrk="1" fontAlgn="auto" latinLnBrk="0" hangingPunct="1">
+                        <a:lnSpc>
+                          <a:spcPct val="100000"/>
+                        </a:lnSpc>
+                        <a:spcBef>
+                          <a:spcPts val="0"/>
+                        </a:spcBef>
+                        <a:spcAft>
+                          <a:spcPts val="0"/>
+                        </a:spcAft>
+                        <a:buClrTx/>
+                        <a:buSzTx/>
+                        <a:buFontTx/>
+                        <a:buNone/>
+                        <a:tabLst/>
+                        <a:defRPr/>
+                      </a:pPr>
+                      <a:r>
+                        <a:rPr lang="de-DE" dirty="0"/>
+                        <a:t>MS_EDLSTM_WL3</a:t>
+                      </a:r>
+                    </a:p>
+                  </a:txBody>
+                  <a:tcPr/>
+                </a:tc>
+                <a:tc>
+                  <a:txBody>
+                    <a:bodyPr/>
+                    <a:lstStyle/>
+                    <a:p>
+                      <a:endParaRPr lang="de-DE" dirty="0"/>
+                    </a:p>
+                  </a:txBody>
+                  <a:tcPr/>
+                </a:tc>
+                <a:tc>
+                  <a:txBody>
+                    <a:bodyPr/>
+                    <a:lstStyle/>
+                    <a:p>
+                      <a:r>
+                        <a:rPr lang="de-DE" dirty="0"/>
+                        <a:t>0,33</a:t>
+                      </a:r>
+                    </a:p>
+                  </a:txBody>
+                  <a:tcPr/>
+                </a:tc>
+                <a:tc>
+                  <a:txBody>
+                    <a:bodyPr/>
+                    <a:lstStyle/>
+                    <a:p>
+                      <a:r>
+                        <a:rPr lang="de-DE" dirty="0"/>
+                        <a:t>28 </a:t>
+                      </a:r>
+                      <a:r>
+                        <a:rPr lang="de-DE" dirty="0" err="1"/>
+                        <a:t>day</a:t>
+                      </a:r>
+                      <a:r>
+                        <a:rPr lang="de-DE" dirty="0"/>
+                        <a:t> </a:t>
+                      </a:r>
+                      <a:r>
+                        <a:rPr lang="de-DE" dirty="0" err="1"/>
+                        <a:t>data</a:t>
+                      </a:r>
+                      <a:r>
+                        <a:rPr lang="de-DE"/>
+                        <a:t> set</a:t>
+                      </a:r>
+                      <a:r>
+                        <a:rPr lang="de-DE" dirty="0"/>
+                        <a:t> </a:t>
+                      </a:r>
+                    </a:p>
+                  </a:txBody>
+                  <a:tcPr/>
+                </a:tc>
+                <a:extLst>
+                  <a:ext uri="{0D108BD9-81ED-4DB2-BD59-A6C34878D82A}">
+                    <a16:rowId xmlns:a16="http://schemas.microsoft.com/office/drawing/2014/main" val="872387024"/>
                   </a:ext>
                 </a:extLst>
               </a:tr>

--- a/DDE_MachineLearning_Project/dde_results.pptx
+++ b/DDE_MachineLearning_Project/dde_results.pptx
@@ -6,10 +6,12 @@
   </p:sldMasterIdLst>
   <p:sldIdLst>
     <p:sldId id="256" r:id="rId2"/>
-    <p:sldId id="257" r:id="rId3"/>
-    <p:sldId id="258" r:id="rId4"/>
-    <p:sldId id="259" r:id="rId5"/>
-    <p:sldId id="260" r:id="rId6"/>
+    <p:sldId id="261" r:id="rId3"/>
+    <p:sldId id="262" r:id="rId4"/>
+    <p:sldId id="257" r:id="rId5"/>
+    <p:sldId id="258" r:id="rId6"/>
+    <p:sldId id="259" r:id="rId7"/>
+    <p:sldId id="260" r:id="rId8"/>
   </p:sldIdLst>
   <p:sldSz cx="12192000" cy="6858000"/>
   <p:notesSz cx="6858000" cy="9144000"/>
@@ -276,7 +278,7 @@
           <a:p>
             <a:fld id="{888B5EAE-351F-4271-B2FC-4FD5B44EE96C}" type="datetimeFigureOut">
               <a:rPr lang="de-DE" smtClean="0"/>
-              <a:t>10.01.2022</a:t>
+              <a:t>11.01.2022</a:t>
             </a:fld>
             <a:endParaRPr lang="de-DE"/>
           </a:p>
@@ -476,7 +478,7 @@
           <a:p>
             <a:fld id="{888B5EAE-351F-4271-B2FC-4FD5B44EE96C}" type="datetimeFigureOut">
               <a:rPr lang="de-DE" smtClean="0"/>
-              <a:t>10.01.2022</a:t>
+              <a:t>11.01.2022</a:t>
             </a:fld>
             <a:endParaRPr lang="de-DE"/>
           </a:p>
@@ -686,7 +688,7 @@
           <a:p>
             <a:fld id="{888B5EAE-351F-4271-B2FC-4FD5B44EE96C}" type="datetimeFigureOut">
               <a:rPr lang="de-DE" smtClean="0"/>
-              <a:t>10.01.2022</a:t>
+              <a:t>11.01.2022</a:t>
             </a:fld>
             <a:endParaRPr lang="de-DE"/>
           </a:p>
@@ -886,7 +888,7 @@
           <a:p>
             <a:fld id="{888B5EAE-351F-4271-B2FC-4FD5B44EE96C}" type="datetimeFigureOut">
               <a:rPr lang="de-DE" smtClean="0"/>
-              <a:t>10.01.2022</a:t>
+              <a:t>11.01.2022</a:t>
             </a:fld>
             <a:endParaRPr lang="de-DE"/>
           </a:p>
@@ -1162,7 +1164,7 @@
           <a:p>
             <a:fld id="{888B5EAE-351F-4271-B2FC-4FD5B44EE96C}" type="datetimeFigureOut">
               <a:rPr lang="de-DE" smtClean="0"/>
-              <a:t>10.01.2022</a:t>
+              <a:t>11.01.2022</a:t>
             </a:fld>
             <a:endParaRPr lang="de-DE"/>
           </a:p>
@@ -1430,7 +1432,7 @@
           <a:p>
             <a:fld id="{888B5EAE-351F-4271-B2FC-4FD5B44EE96C}" type="datetimeFigureOut">
               <a:rPr lang="de-DE" smtClean="0"/>
-              <a:t>10.01.2022</a:t>
+              <a:t>11.01.2022</a:t>
             </a:fld>
             <a:endParaRPr lang="de-DE"/>
           </a:p>
@@ -1845,7 +1847,7 @@
           <a:p>
             <a:fld id="{888B5EAE-351F-4271-B2FC-4FD5B44EE96C}" type="datetimeFigureOut">
               <a:rPr lang="de-DE" smtClean="0"/>
-              <a:t>10.01.2022</a:t>
+              <a:t>11.01.2022</a:t>
             </a:fld>
             <a:endParaRPr lang="de-DE"/>
           </a:p>
@@ -1987,7 +1989,7 @@
           <a:p>
             <a:fld id="{888B5EAE-351F-4271-B2FC-4FD5B44EE96C}" type="datetimeFigureOut">
               <a:rPr lang="de-DE" smtClean="0"/>
-              <a:t>10.01.2022</a:t>
+              <a:t>11.01.2022</a:t>
             </a:fld>
             <a:endParaRPr lang="de-DE"/>
           </a:p>
@@ -2100,7 +2102,7 @@
           <a:p>
             <a:fld id="{888B5EAE-351F-4271-B2FC-4FD5B44EE96C}" type="datetimeFigureOut">
               <a:rPr lang="de-DE" smtClean="0"/>
-              <a:t>10.01.2022</a:t>
+              <a:t>11.01.2022</a:t>
             </a:fld>
             <a:endParaRPr lang="de-DE"/>
           </a:p>
@@ -2413,7 +2415,7 @@
           <a:p>
             <a:fld id="{888B5EAE-351F-4271-B2FC-4FD5B44EE96C}" type="datetimeFigureOut">
               <a:rPr lang="de-DE" smtClean="0"/>
-              <a:t>10.01.2022</a:t>
+              <a:t>11.01.2022</a:t>
             </a:fld>
             <a:endParaRPr lang="de-DE"/>
           </a:p>
@@ -2702,7 +2704,7 @@
           <a:p>
             <a:fld id="{888B5EAE-351F-4271-B2FC-4FD5B44EE96C}" type="datetimeFigureOut">
               <a:rPr lang="de-DE" smtClean="0"/>
-              <a:t>10.01.2022</a:t>
+              <a:t>11.01.2022</a:t>
             </a:fld>
             <a:endParaRPr lang="de-DE"/>
           </a:p>
@@ -2945,7 +2947,7 @@
           <a:p>
             <a:fld id="{888B5EAE-351F-4271-B2FC-4FD5B44EE96C}" type="datetimeFigureOut">
               <a:rPr lang="de-DE" smtClean="0"/>
-              <a:t>10.01.2022</a:t>
+              <a:t>11.01.2022</a:t>
             </a:fld>
             <a:endParaRPr lang="de-DE"/>
           </a:p>
@@ -3377,14 +3379,14 @@
           <p:nvPr>
             <p:extLst>
               <p:ext uri="{D42A27DB-BD31-4B8C-83A1-F6EECF244321}">
-                <p14:modId xmlns:p14="http://schemas.microsoft.com/office/powerpoint/2010/main" val="2583780123"/>
+                <p14:modId xmlns:p14="http://schemas.microsoft.com/office/powerpoint/2010/main" val="3373985993"/>
               </p:ext>
             </p:extLst>
           </p:nvPr>
         </p:nvGraphicFramePr>
         <p:xfrm>
           <a:off x="134400" y="779400"/>
-          <a:ext cx="11923200" cy="5872480"/>
+          <a:ext cx="11923200" cy="4409440"/>
         </p:xfrm>
         <a:graphic>
           <a:graphicData uri="http://schemas.openxmlformats.org/drawingml/2006/table">
@@ -4284,7 +4286,7 @@
                     <a:p>
                       <a:r>
                         <a:rPr lang="de-DE" dirty="0"/>
-                        <a:t>0,22</a:t>
+                        <a:t>0,61</a:t>
                       </a:r>
                     </a:p>
                   </a:txBody>
@@ -4382,422 +4384,6 @@
                 <a:extLst>
                   <a:ext uri="{0D108BD9-81ED-4DB2-BD59-A6C34878D82A}">
                     <a16:rowId xmlns:a16="http://schemas.microsoft.com/office/drawing/2014/main" val="1289963371"/>
-                  </a:ext>
-                </a:extLst>
-              </a:tr>
-              <a:tr h="0">
-                <a:tc>
-                  <a:txBody>
-                    <a:bodyPr/>
-                    <a:lstStyle/>
-                    <a:p>
-                      <a:r>
-                        <a:rPr lang="de-DE" dirty="0"/>
-                        <a:t>10_ED_LSTM_WL</a:t>
-                      </a:r>
-                    </a:p>
-                  </a:txBody>
-                  <a:tcPr/>
-                </a:tc>
-                <a:tc>
-                  <a:txBody>
-                    <a:bodyPr/>
-                    <a:lstStyle/>
-                    <a:p>
-                      <a:r>
-                        <a:rPr lang="de-DE" dirty="0"/>
-                        <a:t>EDLSTM</a:t>
-                      </a:r>
-                    </a:p>
-                  </a:txBody>
-                  <a:tcPr/>
-                </a:tc>
-                <a:tc>
-                  <a:txBody>
-                    <a:bodyPr/>
-                    <a:lstStyle/>
-                    <a:p>
-                      <a:r>
-                        <a:rPr lang="de-DE" dirty="0"/>
-                        <a:t>MS_EDLSTM_WL</a:t>
-                      </a:r>
-                    </a:p>
-                  </a:txBody>
-                  <a:tcPr/>
-                </a:tc>
-                <a:tc>
-                  <a:txBody>
-                    <a:bodyPr/>
-                    <a:lstStyle/>
-                    <a:p>
-                      <a:endParaRPr lang="de-DE" dirty="0"/>
-                    </a:p>
-                  </a:txBody>
-                  <a:tcPr/>
-                </a:tc>
-                <a:tc>
-                  <a:txBody>
-                    <a:bodyPr/>
-                    <a:lstStyle/>
-                    <a:p>
-                      <a:r>
-                        <a:rPr lang="de-DE" dirty="0"/>
-                        <a:t>0,81</a:t>
-                      </a:r>
-                    </a:p>
-                  </a:txBody>
-                  <a:tcPr/>
-                </a:tc>
-                <a:tc>
-                  <a:txBody>
-                    <a:bodyPr/>
-                    <a:lstStyle/>
-                    <a:p>
-                      <a:r>
-                        <a:rPr lang="de-DE" dirty="0"/>
-                        <a:t>Additional </a:t>
-                      </a:r>
-                      <a:r>
-                        <a:rPr lang="de-DE" dirty="0" err="1"/>
-                        <a:t>Weak</a:t>
-                      </a:r>
-                      <a:r>
-                        <a:rPr lang="de-DE" dirty="0"/>
-                        <a:t> </a:t>
-                      </a:r>
-                      <a:r>
-                        <a:rPr lang="de-DE" dirty="0" err="1"/>
-                        <a:t>learners</a:t>
-                      </a:r>
-                      <a:endParaRPr lang="de-DE" dirty="0"/>
-                    </a:p>
-                  </a:txBody>
-                  <a:tcPr/>
-                </a:tc>
-                <a:extLst>
-                  <a:ext uri="{0D108BD9-81ED-4DB2-BD59-A6C34878D82A}">
-                    <a16:rowId xmlns:a16="http://schemas.microsoft.com/office/drawing/2014/main" val="802403190"/>
-                  </a:ext>
-                </a:extLst>
-              </a:tr>
-              <a:tr h="0">
-                <a:tc>
-                  <a:txBody>
-                    <a:bodyPr/>
-                    <a:lstStyle/>
-                    <a:p>
-                      <a:r>
-                        <a:rPr lang="de-DE" dirty="0"/>
-                        <a:t>10_ED_LSTM_WL2</a:t>
-                      </a:r>
-                    </a:p>
-                  </a:txBody>
-                  <a:tcPr/>
-                </a:tc>
-                <a:tc>
-                  <a:txBody>
-                    <a:bodyPr/>
-                    <a:lstStyle/>
-                    <a:p>
-                      <a:r>
-                        <a:rPr lang="de-DE" dirty="0"/>
-                        <a:t>EDLSTM</a:t>
-                      </a:r>
-                    </a:p>
-                  </a:txBody>
-                  <a:tcPr/>
-                </a:tc>
-                <a:tc>
-                  <a:txBody>
-                    <a:bodyPr/>
-                    <a:lstStyle/>
-                    <a:p>
-                      <a:r>
-                        <a:rPr lang="de-DE" dirty="0"/>
-                        <a:t>MS_EDLSTM_WL2</a:t>
-                      </a:r>
-                    </a:p>
-                  </a:txBody>
-                  <a:tcPr/>
-                </a:tc>
-                <a:tc>
-                  <a:txBody>
-                    <a:bodyPr/>
-                    <a:lstStyle/>
-                    <a:p>
-                      <a:endParaRPr lang="de-DE" dirty="0"/>
-                    </a:p>
-                  </a:txBody>
-                  <a:tcPr/>
-                </a:tc>
-                <a:tc>
-                  <a:txBody>
-                    <a:bodyPr/>
-                    <a:lstStyle/>
-                    <a:p>
-                      <a:r>
-                        <a:rPr lang="de-DE" dirty="0"/>
-                        <a:t>0,83</a:t>
-                      </a:r>
-                    </a:p>
-                  </a:txBody>
-                  <a:tcPr/>
-                </a:tc>
-                <a:tc>
-                  <a:txBody>
-                    <a:bodyPr/>
-                    <a:lstStyle/>
-                    <a:p>
-                      <a:r>
-                        <a:rPr lang="de-DE" dirty="0"/>
-                        <a:t>14 </a:t>
-                      </a:r>
-                      <a:r>
-                        <a:rPr lang="de-DE" dirty="0" err="1"/>
-                        <a:t>day</a:t>
-                      </a:r>
-                      <a:r>
-                        <a:rPr lang="de-DE" dirty="0"/>
-                        <a:t> </a:t>
-                      </a:r>
-                      <a:r>
-                        <a:rPr lang="de-DE" dirty="0" err="1"/>
-                        <a:t>data</a:t>
-                      </a:r>
-                      <a:r>
-                        <a:rPr lang="de-DE" dirty="0"/>
-                        <a:t> </a:t>
-                      </a:r>
-                      <a:r>
-                        <a:rPr lang="de-DE" dirty="0" err="1"/>
-                        <a:t>set</a:t>
-                      </a:r>
-                      <a:endParaRPr lang="de-DE" dirty="0"/>
-                    </a:p>
-                  </a:txBody>
-                  <a:tcPr/>
-                </a:tc>
-                <a:extLst>
-                  <a:ext uri="{0D108BD9-81ED-4DB2-BD59-A6C34878D82A}">
-                    <a16:rowId xmlns:a16="http://schemas.microsoft.com/office/drawing/2014/main" val="4104527560"/>
-                  </a:ext>
-                </a:extLst>
-              </a:tr>
-              <a:tr h="0">
-                <a:tc>
-                  <a:txBody>
-                    <a:bodyPr/>
-                    <a:lstStyle/>
-                    <a:p>
-                      <a:r>
-                        <a:rPr lang="de-DE" dirty="0"/>
-                        <a:t>10_ED_LSTM_WL2_1</a:t>
-                      </a:r>
-                    </a:p>
-                  </a:txBody>
-                  <a:tcPr/>
-                </a:tc>
-                <a:tc>
-                  <a:txBody>
-                    <a:bodyPr/>
-                    <a:lstStyle/>
-                    <a:p>
-                      <a:r>
-                        <a:rPr lang="de-DE" dirty="0"/>
-                        <a:t>EDLSTM</a:t>
-                      </a:r>
-                    </a:p>
-                  </a:txBody>
-                  <a:tcPr/>
-                </a:tc>
-                <a:tc>
-                  <a:txBody>
-                    <a:bodyPr/>
-                    <a:lstStyle/>
-                    <a:p>
-                      <a:pPr marL="0" marR="0" lvl="0" indent="0" algn="l" defTabSz="914400" rtl="0" eaLnBrk="1" fontAlgn="auto" latinLnBrk="0" hangingPunct="1">
-                        <a:lnSpc>
-                          <a:spcPct val="100000"/>
-                        </a:lnSpc>
-                        <a:spcBef>
-                          <a:spcPts val="0"/>
-                        </a:spcBef>
-                        <a:spcAft>
-                          <a:spcPts val="0"/>
-                        </a:spcAft>
-                        <a:buClrTx/>
-                        <a:buSzTx/>
-                        <a:buFontTx/>
-                        <a:buNone/>
-                        <a:tabLst/>
-                        <a:defRPr/>
-                      </a:pPr>
-                      <a:r>
-                        <a:rPr lang="de-DE" dirty="0"/>
-                        <a:t>MS_EDLSTM_WL2</a:t>
-                      </a:r>
-                    </a:p>
-                  </a:txBody>
-                  <a:tcPr/>
-                </a:tc>
-                <a:tc>
-                  <a:txBody>
-                    <a:bodyPr/>
-                    <a:lstStyle/>
-                    <a:p>
-                      <a:endParaRPr lang="de-DE" dirty="0"/>
-                    </a:p>
-                  </a:txBody>
-                  <a:tcPr/>
-                </a:tc>
-                <a:tc>
-                  <a:txBody>
-                    <a:bodyPr/>
-                    <a:lstStyle/>
-                    <a:p>
-                      <a:r>
-                        <a:rPr lang="de-DE" dirty="0"/>
-                        <a:t>0,81</a:t>
-                      </a:r>
-                    </a:p>
-                  </a:txBody>
-                  <a:tcPr/>
-                </a:tc>
-                <a:tc>
-                  <a:txBody>
-                    <a:bodyPr/>
-                    <a:lstStyle/>
-                    <a:p>
-                      <a:r>
-                        <a:rPr lang="de-DE" dirty="0"/>
-                        <a:t>ELU Layer </a:t>
-                      </a:r>
-                    </a:p>
-                  </a:txBody>
-                  <a:tcPr/>
-                </a:tc>
-                <a:extLst>
-                  <a:ext uri="{0D108BD9-81ED-4DB2-BD59-A6C34878D82A}">
-                    <a16:rowId xmlns:a16="http://schemas.microsoft.com/office/drawing/2014/main" val="1805830603"/>
-                  </a:ext>
-                </a:extLst>
-              </a:tr>
-              <a:tr h="0">
-                <a:tc>
-                  <a:txBody>
-                    <a:bodyPr/>
-                    <a:lstStyle/>
-                    <a:p>
-                      <a:r>
-                        <a:rPr lang="de-DE" dirty="0"/>
-                        <a:t>10_ED_LSTM_WL3</a:t>
-                      </a:r>
-                    </a:p>
-                  </a:txBody>
-                  <a:tcPr/>
-                </a:tc>
-                <a:tc>
-                  <a:txBody>
-                    <a:bodyPr/>
-                    <a:lstStyle/>
-                    <a:p>
-                      <a:r>
-                        <a:rPr lang="de-DE" dirty="0"/>
-                        <a:t>EDLSTM</a:t>
-                      </a:r>
-                    </a:p>
-                  </a:txBody>
-                  <a:tcPr/>
-                </a:tc>
-                <a:tc>
-                  <a:txBody>
-                    <a:bodyPr/>
-                    <a:lstStyle/>
-                    <a:p>
-                      <a:pPr marL="0" marR="0" lvl="0" indent="0" algn="l" defTabSz="914400" rtl="0" eaLnBrk="1" fontAlgn="auto" latinLnBrk="0" hangingPunct="1">
-                        <a:lnSpc>
-                          <a:spcPct val="100000"/>
-                        </a:lnSpc>
-                        <a:spcBef>
-                          <a:spcPts val="0"/>
-                        </a:spcBef>
-                        <a:spcAft>
-                          <a:spcPts val="0"/>
-                        </a:spcAft>
-                        <a:buClrTx/>
-                        <a:buSzTx/>
-                        <a:buFontTx/>
-                        <a:buNone/>
-                        <a:tabLst/>
-                        <a:defRPr/>
-                      </a:pPr>
-                      <a:r>
-                        <a:rPr lang="de-DE" dirty="0"/>
-                        <a:t>MS_EDLSTM_WL3</a:t>
-                      </a:r>
-                    </a:p>
-                  </a:txBody>
-                  <a:tcPr/>
-                </a:tc>
-                <a:tc>
-                  <a:txBody>
-                    <a:bodyPr/>
-                    <a:lstStyle/>
-                    <a:p>
-                      <a:endParaRPr lang="de-DE" dirty="0"/>
-                    </a:p>
-                  </a:txBody>
-                  <a:tcPr/>
-                </a:tc>
-                <a:tc>
-                  <a:txBody>
-                    <a:bodyPr/>
-                    <a:lstStyle/>
-                    <a:p>
-                      <a:r>
-                        <a:rPr lang="de-DE" dirty="0"/>
-                        <a:t>0,33</a:t>
-                      </a:r>
-                    </a:p>
-                  </a:txBody>
-                  <a:tcPr/>
-                </a:tc>
-                <a:tc>
-                  <a:txBody>
-                    <a:bodyPr/>
-                    <a:lstStyle/>
-                    <a:p>
-                      <a:r>
-                        <a:rPr lang="de-DE" dirty="0"/>
-                        <a:t>28 </a:t>
-                      </a:r>
-                      <a:r>
-                        <a:rPr lang="de-DE" dirty="0" err="1"/>
-                        <a:t>day</a:t>
-                      </a:r>
-                      <a:r>
-                        <a:rPr lang="de-DE" dirty="0"/>
-                        <a:t> </a:t>
-                      </a:r>
-                      <a:r>
-                        <a:rPr lang="de-DE" dirty="0" err="1"/>
-                        <a:t>data</a:t>
-                      </a:r>
-                      <a:r>
-                        <a:rPr lang="de-DE"/>
-                        <a:t> set</a:t>
-                      </a:r>
-                      <a:r>
-                        <a:rPr lang="de-DE" dirty="0"/>
-                        <a:t> </a:t>
-                      </a:r>
-                    </a:p>
-                  </a:txBody>
-                  <a:tcPr/>
-                </a:tc>
-                <a:extLst>
-                  <a:ext uri="{0D108BD9-81ED-4DB2-BD59-A6C34878D82A}">
-                    <a16:rowId xmlns:a16="http://schemas.microsoft.com/office/drawing/2014/main" val="872387024"/>
                   </a:ext>
                 </a:extLst>
               </a:tr>
@@ -4835,253 +4421,1185 @@
           <a:chExt cx="0" cy="0"/>
         </a:xfrm>
       </p:grpSpPr>
-      <p:sp>
-        <p:nvSpPr>
-          <p:cNvPr id="2" name="Title 1">
-            <a:extLst>
-              <a:ext uri="{FF2B5EF4-FFF2-40B4-BE49-F238E27FC236}">
-                <a16:creationId xmlns:a16="http://schemas.microsoft.com/office/drawing/2014/main" id="{E038D4C9-F9C1-410B-935A-0A4A634BC779}"/>
-              </a:ext>
-            </a:extLst>
-          </p:cNvPr>
-          <p:cNvSpPr>
-            <a:spLocks noGrp="1"/>
-          </p:cNvSpPr>
+      <p:graphicFrame>
+        <p:nvGraphicFramePr>
+          <p:cNvPr id="4" name="Table 4">
+            <a:extLst>
+              <a:ext uri="{FF2B5EF4-FFF2-40B4-BE49-F238E27FC236}">
+                <a16:creationId xmlns:a16="http://schemas.microsoft.com/office/drawing/2014/main" id="{CD48B14F-9DEA-4230-ABD4-6EA50E8A337C}"/>
+              </a:ext>
+            </a:extLst>
+          </p:cNvPr>
+          <p:cNvGraphicFramePr>
+            <a:graphicFrameLocks noGrp="1"/>
+          </p:cNvGraphicFramePr>
           <p:nvPr>
-            <p:ph type="title"/>
+            <p:extLst>
+              <p:ext uri="{D42A27DB-BD31-4B8C-83A1-F6EECF244321}">
+                <p14:modId xmlns:p14="http://schemas.microsoft.com/office/powerpoint/2010/main" val="1183342256"/>
+              </p:ext>
+            </p:extLst>
           </p:nvPr>
-        </p:nvSpPr>
-        <p:spPr/>
-        <p:txBody>
-          <a:bodyPr/>
-          <a:lstStyle/>
-          <a:p>
-            <a:r>
-              <a:rPr lang="de-DE" dirty="0"/>
-              <a:t>SARIMAX</a:t>
-            </a:r>
-          </a:p>
-        </p:txBody>
-      </p:sp>
-      <p:pic>
-        <p:nvPicPr>
-          <p:cNvPr id="5" name="Content Placeholder 4" descr="Chart&#10;&#10;Description automatically generated">
-            <a:extLst>
-              <a:ext uri="{FF2B5EF4-FFF2-40B4-BE49-F238E27FC236}">
-                <a16:creationId xmlns:a16="http://schemas.microsoft.com/office/drawing/2014/main" id="{09B6CD2F-D871-4AC9-B4A3-AE5F5D53580A}"/>
-              </a:ext>
-            </a:extLst>
-          </p:cNvPr>
-          <p:cNvPicPr>
-            <a:picLocks noGrp="1" noChangeAspect="1"/>
-          </p:cNvPicPr>
-          <p:nvPr>
-            <p:ph idx="1"/>
-          </p:nvPr>
-        </p:nvPicPr>
-        <p:blipFill>
-          <a:blip r:embed="rId2">
-            <a:extLst>
-              <a:ext uri="{28A0092B-C50C-407E-A947-70E740481C1C}">
-                <a14:useLocalDpi xmlns:a14="http://schemas.microsoft.com/office/drawing/2010/main" val="0"/>
-              </a:ext>
-            </a:extLst>
-          </a:blip>
-          <a:stretch>
-            <a:fillRect/>
-          </a:stretch>
-        </p:blipFill>
-        <p:spPr>
-          <a:xfrm>
-            <a:off x="7917600" y="1380770"/>
-            <a:ext cx="3974400" cy="2649600"/>
-          </a:xfrm>
-        </p:spPr>
-      </p:pic>
-      <p:pic>
-        <p:nvPicPr>
-          <p:cNvPr id="7" name="Picture 6" descr="Chart, scatter chart&#10;&#10;Description automatically generated">
-            <a:extLst>
-              <a:ext uri="{FF2B5EF4-FFF2-40B4-BE49-F238E27FC236}">
-                <a16:creationId xmlns:a16="http://schemas.microsoft.com/office/drawing/2014/main" id="{2C8D6F27-4EE1-46C2-A0C5-11DD293A4EA6}"/>
-              </a:ext>
-            </a:extLst>
-          </p:cNvPr>
-          <p:cNvPicPr>
-            <a:picLocks noChangeAspect="1"/>
-          </p:cNvPicPr>
-          <p:nvPr/>
-        </p:nvPicPr>
-        <p:blipFill>
-          <a:blip r:embed="rId3">
-            <a:extLst>
-              <a:ext uri="{28A0092B-C50C-407E-A947-70E740481C1C}">
-                <a14:useLocalDpi xmlns:a14="http://schemas.microsoft.com/office/drawing/2010/main" val="0"/>
-              </a:ext>
-            </a:extLst>
-          </a:blip>
-          <a:stretch>
-            <a:fillRect/>
-          </a:stretch>
-        </p:blipFill>
-        <p:spPr>
-          <a:xfrm>
-            <a:off x="3943200" y="1383770"/>
-            <a:ext cx="3974400" cy="2649600"/>
-          </a:xfrm>
-          <a:prstGeom prst="rect">
-            <a:avLst/>
-          </a:prstGeom>
-        </p:spPr>
-      </p:pic>
-      <p:pic>
-        <p:nvPicPr>
-          <p:cNvPr id="9" name="Picture 8" descr="Chart, bar chart&#10;&#10;Description automatically generated">
-            <a:extLst>
-              <a:ext uri="{FF2B5EF4-FFF2-40B4-BE49-F238E27FC236}">
-                <a16:creationId xmlns:a16="http://schemas.microsoft.com/office/drawing/2014/main" id="{BB584EBB-AC4D-4DFD-9773-E79DFA9A878C}"/>
-              </a:ext>
-            </a:extLst>
-          </p:cNvPr>
-          <p:cNvPicPr>
-            <a:picLocks noChangeAspect="1"/>
-          </p:cNvPicPr>
-          <p:nvPr/>
-        </p:nvPicPr>
-        <p:blipFill>
-          <a:blip r:embed="rId4">
-            <a:extLst>
-              <a:ext uri="{28A0092B-C50C-407E-A947-70E740481C1C}">
-                <a14:useLocalDpi xmlns:a14="http://schemas.microsoft.com/office/drawing/2010/main" val="0"/>
-              </a:ext>
-            </a:extLst>
-          </a:blip>
-          <a:stretch>
-            <a:fillRect/>
-          </a:stretch>
-        </p:blipFill>
-        <p:spPr>
-          <a:xfrm>
-            <a:off x="-31200" y="1400645"/>
-            <a:ext cx="3974400" cy="2649600"/>
-          </a:xfrm>
-          <a:prstGeom prst="rect">
-            <a:avLst/>
-          </a:prstGeom>
-        </p:spPr>
-      </p:pic>
-      <p:pic>
-        <p:nvPicPr>
-          <p:cNvPr id="4" name="Picture 3" descr="Chart, bar chart&#10;&#10;Description automatically generated">
-            <a:extLst>
-              <a:ext uri="{FF2B5EF4-FFF2-40B4-BE49-F238E27FC236}">
-                <a16:creationId xmlns:a16="http://schemas.microsoft.com/office/drawing/2014/main" id="{BB8A0F11-2588-492E-91BF-49C0AB6EEFFC}"/>
-              </a:ext>
-            </a:extLst>
-          </p:cNvPr>
-          <p:cNvPicPr>
-            <a:picLocks noChangeAspect="1"/>
-          </p:cNvPicPr>
-          <p:nvPr/>
-        </p:nvPicPr>
-        <p:blipFill>
-          <a:blip r:embed="rId5">
-            <a:extLst>
-              <a:ext uri="{28A0092B-C50C-407E-A947-70E740481C1C}">
-                <a14:useLocalDpi xmlns:a14="http://schemas.microsoft.com/office/drawing/2010/main" val="0"/>
-              </a:ext>
-            </a:extLst>
-          </a:blip>
-          <a:stretch>
-            <a:fillRect/>
-          </a:stretch>
-        </p:blipFill>
-        <p:spPr>
-          <a:xfrm>
-            <a:off x="-54900" y="4208400"/>
-            <a:ext cx="3974400" cy="2649600"/>
-          </a:xfrm>
-          <a:prstGeom prst="rect">
-            <a:avLst/>
-          </a:prstGeom>
-        </p:spPr>
-      </p:pic>
-      <p:pic>
-        <p:nvPicPr>
-          <p:cNvPr id="8" name="Picture 7" descr="Chart&#10;&#10;Description automatically generated">
-            <a:extLst>
-              <a:ext uri="{FF2B5EF4-FFF2-40B4-BE49-F238E27FC236}">
-                <a16:creationId xmlns:a16="http://schemas.microsoft.com/office/drawing/2014/main" id="{B47699E6-53C5-4754-8A17-A79499810B5A}"/>
-              </a:ext>
-            </a:extLst>
-          </p:cNvPr>
-          <p:cNvPicPr>
-            <a:picLocks noChangeAspect="1"/>
-          </p:cNvPicPr>
-          <p:nvPr/>
-        </p:nvPicPr>
-        <p:blipFill>
-          <a:blip r:embed="rId6">
-            <a:extLst>
-              <a:ext uri="{28A0092B-C50C-407E-A947-70E740481C1C}">
-                <a14:useLocalDpi xmlns:a14="http://schemas.microsoft.com/office/drawing/2010/main" val="0"/>
-              </a:ext>
-            </a:extLst>
-          </a:blip>
-          <a:stretch>
-            <a:fillRect/>
-          </a:stretch>
-        </p:blipFill>
-        <p:spPr>
-          <a:xfrm>
-            <a:off x="7917599" y="4149429"/>
-            <a:ext cx="3974401" cy="2649601"/>
-          </a:xfrm>
-          <a:prstGeom prst="rect">
-            <a:avLst/>
-          </a:prstGeom>
-        </p:spPr>
-      </p:pic>
-      <p:pic>
-        <p:nvPicPr>
-          <p:cNvPr id="11" name="Picture 10" descr="Chart, scatter chart&#10;&#10;Description automatically generated">
-            <a:extLst>
-              <a:ext uri="{FF2B5EF4-FFF2-40B4-BE49-F238E27FC236}">
-                <a16:creationId xmlns:a16="http://schemas.microsoft.com/office/drawing/2014/main" id="{BD09E41D-0F84-4C72-A5A8-70D8A50355B4}"/>
-              </a:ext>
-            </a:extLst>
-          </p:cNvPr>
-          <p:cNvPicPr>
-            <a:picLocks noChangeAspect="1"/>
-          </p:cNvPicPr>
-          <p:nvPr/>
-        </p:nvPicPr>
-        <p:blipFill>
-          <a:blip r:embed="rId7">
-            <a:extLst>
-              <a:ext uri="{28A0092B-C50C-407E-A947-70E740481C1C}">
-                <a14:useLocalDpi xmlns:a14="http://schemas.microsoft.com/office/drawing/2010/main" val="0"/>
-              </a:ext>
-            </a:extLst>
-          </a:blip>
-          <a:stretch>
-            <a:fillRect/>
-          </a:stretch>
-        </p:blipFill>
-        <p:spPr>
-          <a:xfrm>
-            <a:off x="3943200" y="4208400"/>
-            <a:ext cx="3974400" cy="2649600"/>
-          </a:xfrm>
-          <a:prstGeom prst="rect">
-            <a:avLst/>
-          </a:prstGeom>
-        </p:spPr>
-      </p:pic>
+        </p:nvGraphicFramePr>
+        <p:xfrm>
+          <a:off x="134400" y="779400"/>
+          <a:ext cx="11923200" cy="4414134"/>
+        </p:xfrm>
+        <a:graphic>
+          <a:graphicData uri="http://schemas.openxmlformats.org/drawingml/2006/table">
+            <a:tbl>
+              <a:tblPr firstRow="1" bandRow="1">
+                <a:tableStyleId>{5C22544A-7EE6-4342-B048-85BDC9FD1C3A}</a:tableStyleId>
+              </a:tblPr>
+              <a:tblGrid>
+                <a:gridCol w="2672753">
+                  <a:extLst>
+                    <a:ext uri="{9D8B030D-6E8A-4147-A177-3AD203B41FA5}">
+                      <a16:colId xmlns:a16="http://schemas.microsoft.com/office/drawing/2014/main" val="353048072"/>
+                    </a:ext>
+                  </a:extLst>
+                </a:gridCol>
+                <a:gridCol w="1542968">
+                  <a:extLst>
+                    <a:ext uri="{9D8B030D-6E8A-4147-A177-3AD203B41FA5}">
+                      <a16:colId xmlns:a16="http://schemas.microsoft.com/office/drawing/2014/main" val="4154142423"/>
+                    </a:ext>
+                  </a:extLst>
+                </a:gridCol>
+                <a:gridCol w="2487337">
+                  <a:extLst>
+                    <a:ext uri="{9D8B030D-6E8A-4147-A177-3AD203B41FA5}">
+                      <a16:colId xmlns:a16="http://schemas.microsoft.com/office/drawing/2014/main" val="1173315652"/>
+                    </a:ext>
+                  </a:extLst>
+                </a:gridCol>
+                <a:gridCol w="948602">
+                  <a:extLst>
+                    <a:ext uri="{9D8B030D-6E8A-4147-A177-3AD203B41FA5}">
+                      <a16:colId xmlns:a16="http://schemas.microsoft.com/office/drawing/2014/main" val="1685941792"/>
+                    </a:ext>
+                  </a:extLst>
+                </a:gridCol>
+                <a:gridCol w="1290740">
+                  <a:extLst>
+                    <a:ext uri="{9D8B030D-6E8A-4147-A177-3AD203B41FA5}">
+                      <a16:colId xmlns:a16="http://schemas.microsoft.com/office/drawing/2014/main" val="2931450649"/>
+                    </a:ext>
+                  </a:extLst>
+                </a:gridCol>
+                <a:gridCol w="2980800">
+                  <a:extLst>
+                    <a:ext uri="{9D8B030D-6E8A-4147-A177-3AD203B41FA5}">
+                      <a16:colId xmlns:a16="http://schemas.microsoft.com/office/drawing/2014/main" val="290987983"/>
+                    </a:ext>
+                  </a:extLst>
+                </a:gridCol>
+              </a:tblGrid>
+              <a:tr h="370840">
+                <a:tc>
+                  <a:txBody>
+                    <a:bodyPr/>
+                    <a:lstStyle/>
+                    <a:p>
+                      <a:endParaRPr lang="de-DE" dirty="0"/>
+                    </a:p>
+                  </a:txBody>
+                  <a:tcPr/>
+                </a:tc>
+                <a:tc>
+                  <a:txBody>
+                    <a:bodyPr/>
+                    <a:lstStyle/>
+                    <a:p>
+                      <a:r>
+                        <a:rPr lang="de-DE"/>
+                        <a:t>modeltype</a:t>
+                      </a:r>
+                      <a:endParaRPr lang="de-DE" dirty="0"/>
+                    </a:p>
+                  </a:txBody>
+                  <a:tcPr/>
+                </a:tc>
+                <a:tc>
+                  <a:txBody>
+                    <a:bodyPr/>
+                    <a:lstStyle/>
+                    <a:p>
+                      <a:r>
+                        <a:rPr lang="de-DE"/>
+                        <a:t>Namespace</a:t>
+                      </a:r>
+                      <a:endParaRPr lang="de-DE" dirty="0"/>
+                    </a:p>
+                  </a:txBody>
+                  <a:tcPr/>
+                </a:tc>
+                <a:tc>
+                  <a:txBody>
+                    <a:bodyPr/>
+                    <a:lstStyle/>
+                    <a:p>
+                      <a:r>
+                        <a:rPr lang="de-DE"/>
+                        <a:t>Done?</a:t>
+                      </a:r>
+                      <a:endParaRPr lang="de-DE" dirty="0"/>
+                    </a:p>
+                  </a:txBody>
+                  <a:tcPr/>
+                </a:tc>
+                <a:tc>
+                  <a:txBody>
+                    <a:bodyPr/>
+                    <a:lstStyle/>
+                    <a:p>
+                      <a:r>
+                        <a:rPr lang="de-DE"/>
+                        <a:t>R^2 Score</a:t>
+                      </a:r>
+                      <a:endParaRPr lang="de-DE" dirty="0"/>
+                    </a:p>
+                  </a:txBody>
+                  <a:tcPr/>
+                </a:tc>
+                <a:tc>
+                  <a:txBody>
+                    <a:bodyPr/>
+                    <a:lstStyle/>
+                    <a:p>
+                      <a:endParaRPr lang="de-DE" dirty="0"/>
+                    </a:p>
+                  </a:txBody>
+                  <a:tcPr/>
+                </a:tc>
+                <a:extLst>
+                  <a:ext uri="{0D108BD9-81ED-4DB2-BD59-A6C34878D82A}">
+                    <a16:rowId xmlns:a16="http://schemas.microsoft.com/office/drawing/2014/main" val="3500991635"/>
+                  </a:ext>
+                </a:extLst>
+              </a:tr>
+              <a:tr h="370840">
+                <a:tc>
+                  <a:txBody>
+                    <a:bodyPr/>
+                    <a:lstStyle/>
+                    <a:p>
+                      <a:r>
+                        <a:rPr lang="de-DE" dirty="0"/>
+                        <a:t>10_ED_LSTM_WL</a:t>
+                      </a:r>
+                    </a:p>
+                  </a:txBody>
+                  <a:tcPr/>
+                </a:tc>
+                <a:tc>
+                  <a:txBody>
+                    <a:bodyPr/>
+                    <a:lstStyle/>
+                    <a:p>
+                      <a:r>
+                        <a:rPr lang="de-DE" dirty="0"/>
+                        <a:t>EDLSTM</a:t>
+                      </a:r>
+                    </a:p>
+                  </a:txBody>
+                  <a:tcPr/>
+                </a:tc>
+                <a:tc>
+                  <a:txBody>
+                    <a:bodyPr/>
+                    <a:lstStyle/>
+                    <a:p>
+                      <a:r>
+                        <a:rPr lang="de-DE" dirty="0"/>
+                        <a:t>MS_EDLSTM_WL</a:t>
+                      </a:r>
+                    </a:p>
+                  </a:txBody>
+                  <a:tcPr/>
+                </a:tc>
+                <a:tc>
+                  <a:txBody>
+                    <a:bodyPr/>
+                    <a:lstStyle/>
+                    <a:p>
+                      <a:endParaRPr lang="de-DE" dirty="0"/>
+                    </a:p>
+                  </a:txBody>
+                  <a:tcPr/>
+                </a:tc>
+                <a:tc>
+                  <a:txBody>
+                    <a:bodyPr/>
+                    <a:lstStyle/>
+                    <a:p>
+                      <a:r>
+                        <a:rPr lang="de-DE" dirty="0"/>
+                        <a:t>0,81</a:t>
+                      </a:r>
+                    </a:p>
+                  </a:txBody>
+                  <a:tcPr/>
+                </a:tc>
+                <a:tc>
+                  <a:txBody>
+                    <a:bodyPr/>
+                    <a:lstStyle/>
+                    <a:p>
+                      <a:r>
+                        <a:rPr lang="de-DE" dirty="0"/>
+                        <a:t>Additional </a:t>
+                      </a:r>
+                      <a:r>
+                        <a:rPr lang="de-DE" dirty="0" err="1"/>
+                        <a:t>Weak</a:t>
+                      </a:r>
+                      <a:r>
+                        <a:rPr lang="de-DE" dirty="0"/>
+                        <a:t> </a:t>
+                      </a:r>
+                      <a:r>
+                        <a:rPr lang="de-DE" dirty="0" err="1"/>
+                        <a:t>learners</a:t>
+                      </a:r>
+                      <a:endParaRPr lang="de-DE" dirty="0"/>
+                    </a:p>
+                  </a:txBody>
+                  <a:tcPr/>
+                </a:tc>
+                <a:extLst>
+                  <a:ext uri="{0D108BD9-81ED-4DB2-BD59-A6C34878D82A}">
+                    <a16:rowId xmlns:a16="http://schemas.microsoft.com/office/drawing/2014/main" val="2345303936"/>
+                  </a:ext>
+                </a:extLst>
+              </a:tr>
+              <a:tr h="370840">
+                <a:tc>
+                  <a:txBody>
+                    <a:bodyPr/>
+                    <a:lstStyle/>
+                    <a:p>
+                      <a:r>
+                        <a:rPr lang="de-DE" dirty="0"/>
+                        <a:t>10_ED_LSTM_WL2</a:t>
+                      </a:r>
+                    </a:p>
+                  </a:txBody>
+                  <a:tcPr/>
+                </a:tc>
+                <a:tc>
+                  <a:txBody>
+                    <a:bodyPr/>
+                    <a:lstStyle/>
+                    <a:p>
+                      <a:r>
+                        <a:rPr lang="de-DE" dirty="0"/>
+                        <a:t>EDLSTM</a:t>
+                      </a:r>
+                    </a:p>
+                  </a:txBody>
+                  <a:tcPr/>
+                </a:tc>
+                <a:tc>
+                  <a:txBody>
+                    <a:bodyPr/>
+                    <a:lstStyle/>
+                    <a:p>
+                      <a:r>
+                        <a:rPr lang="de-DE" dirty="0"/>
+                        <a:t>MS_EDLSTM_WL2</a:t>
+                      </a:r>
+                    </a:p>
+                  </a:txBody>
+                  <a:tcPr/>
+                </a:tc>
+                <a:tc>
+                  <a:txBody>
+                    <a:bodyPr/>
+                    <a:lstStyle/>
+                    <a:p>
+                      <a:endParaRPr lang="de-DE" dirty="0"/>
+                    </a:p>
+                  </a:txBody>
+                  <a:tcPr/>
+                </a:tc>
+                <a:tc>
+                  <a:txBody>
+                    <a:bodyPr/>
+                    <a:lstStyle/>
+                    <a:p>
+                      <a:r>
+                        <a:rPr lang="de-DE" dirty="0"/>
+                        <a:t>0,83</a:t>
+                      </a:r>
+                    </a:p>
+                  </a:txBody>
+                  <a:tcPr/>
+                </a:tc>
+                <a:tc>
+                  <a:txBody>
+                    <a:bodyPr/>
+                    <a:lstStyle/>
+                    <a:p>
+                      <a:r>
+                        <a:rPr lang="de-DE" dirty="0"/>
+                        <a:t>14 </a:t>
+                      </a:r>
+                      <a:r>
+                        <a:rPr lang="de-DE" dirty="0" err="1"/>
+                        <a:t>day</a:t>
+                      </a:r>
+                      <a:r>
+                        <a:rPr lang="de-DE" dirty="0"/>
+                        <a:t> </a:t>
+                      </a:r>
+                      <a:r>
+                        <a:rPr lang="de-DE" dirty="0" err="1"/>
+                        <a:t>data</a:t>
+                      </a:r>
+                      <a:r>
+                        <a:rPr lang="de-DE" dirty="0"/>
+                        <a:t> </a:t>
+                      </a:r>
+                      <a:r>
+                        <a:rPr lang="de-DE" dirty="0" err="1"/>
+                        <a:t>set</a:t>
+                      </a:r>
+                      <a:endParaRPr lang="de-DE" dirty="0"/>
+                    </a:p>
+                  </a:txBody>
+                  <a:tcPr/>
+                </a:tc>
+                <a:extLst>
+                  <a:ext uri="{0D108BD9-81ED-4DB2-BD59-A6C34878D82A}">
+                    <a16:rowId xmlns:a16="http://schemas.microsoft.com/office/drawing/2014/main" val="2309057353"/>
+                  </a:ext>
+                </a:extLst>
+              </a:tr>
+              <a:tr h="370840">
+                <a:tc>
+                  <a:txBody>
+                    <a:bodyPr/>
+                    <a:lstStyle/>
+                    <a:p>
+                      <a:r>
+                        <a:rPr lang="de-DE" dirty="0"/>
+                        <a:t>10_ED_LSTM_WL2_1</a:t>
+                      </a:r>
+                    </a:p>
+                  </a:txBody>
+                  <a:tcPr/>
+                </a:tc>
+                <a:tc>
+                  <a:txBody>
+                    <a:bodyPr/>
+                    <a:lstStyle/>
+                    <a:p>
+                      <a:r>
+                        <a:rPr lang="de-DE" dirty="0"/>
+                        <a:t>EDLSTM</a:t>
+                      </a:r>
+                    </a:p>
+                  </a:txBody>
+                  <a:tcPr/>
+                </a:tc>
+                <a:tc>
+                  <a:txBody>
+                    <a:bodyPr/>
+                    <a:lstStyle/>
+                    <a:p>
+                      <a:pPr marL="0" marR="0" lvl="0" indent="0" algn="l" defTabSz="914400" rtl="0" eaLnBrk="1" fontAlgn="auto" latinLnBrk="0" hangingPunct="1">
+                        <a:lnSpc>
+                          <a:spcPct val="100000"/>
+                        </a:lnSpc>
+                        <a:spcBef>
+                          <a:spcPts val="0"/>
+                        </a:spcBef>
+                        <a:spcAft>
+                          <a:spcPts val="0"/>
+                        </a:spcAft>
+                        <a:buClrTx/>
+                        <a:buSzTx/>
+                        <a:buFontTx/>
+                        <a:buNone/>
+                        <a:tabLst/>
+                        <a:defRPr/>
+                      </a:pPr>
+                      <a:r>
+                        <a:rPr lang="de-DE" dirty="0"/>
+                        <a:t>MS_EDLSTM_WL2</a:t>
+                      </a:r>
+                    </a:p>
+                  </a:txBody>
+                  <a:tcPr/>
+                </a:tc>
+                <a:tc>
+                  <a:txBody>
+                    <a:bodyPr/>
+                    <a:lstStyle/>
+                    <a:p>
+                      <a:endParaRPr lang="de-DE" dirty="0"/>
+                    </a:p>
+                  </a:txBody>
+                  <a:tcPr/>
+                </a:tc>
+                <a:tc>
+                  <a:txBody>
+                    <a:bodyPr/>
+                    <a:lstStyle/>
+                    <a:p>
+                      <a:r>
+                        <a:rPr lang="de-DE" dirty="0"/>
+                        <a:t>0,81</a:t>
+                      </a:r>
+                    </a:p>
+                  </a:txBody>
+                  <a:tcPr/>
+                </a:tc>
+                <a:tc>
+                  <a:txBody>
+                    <a:bodyPr/>
+                    <a:lstStyle/>
+                    <a:p>
+                      <a:r>
+                        <a:rPr lang="de-DE" dirty="0"/>
+                        <a:t>ELU Layer </a:t>
+                      </a:r>
+                    </a:p>
+                  </a:txBody>
+                  <a:tcPr/>
+                </a:tc>
+                <a:extLst>
+                  <a:ext uri="{0D108BD9-81ED-4DB2-BD59-A6C34878D82A}">
+                    <a16:rowId xmlns:a16="http://schemas.microsoft.com/office/drawing/2014/main" val="3791644966"/>
+                  </a:ext>
+                </a:extLst>
+              </a:tr>
+              <a:tr h="370454">
+                <a:tc>
+                  <a:txBody>
+                    <a:bodyPr/>
+                    <a:lstStyle/>
+                    <a:p>
+                      <a:r>
+                        <a:rPr lang="de-DE" dirty="0"/>
+                        <a:t>10_ED_LSTM_WL3</a:t>
+                      </a:r>
+                    </a:p>
+                  </a:txBody>
+                  <a:tcPr/>
+                </a:tc>
+                <a:tc>
+                  <a:txBody>
+                    <a:bodyPr/>
+                    <a:lstStyle/>
+                    <a:p>
+                      <a:r>
+                        <a:rPr lang="de-DE" dirty="0"/>
+                        <a:t>EDLSTM</a:t>
+                      </a:r>
+                    </a:p>
+                  </a:txBody>
+                  <a:tcPr/>
+                </a:tc>
+                <a:tc>
+                  <a:txBody>
+                    <a:bodyPr/>
+                    <a:lstStyle/>
+                    <a:p>
+                      <a:pPr marL="0" marR="0" lvl="0" indent="0" algn="l" defTabSz="914400" rtl="0" eaLnBrk="1" fontAlgn="auto" latinLnBrk="0" hangingPunct="1">
+                        <a:lnSpc>
+                          <a:spcPct val="100000"/>
+                        </a:lnSpc>
+                        <a:spcBef>
+                          <a:spcPts val="0"/>
+                        </a:spcBef>
+                        <a:spcAft>
+                          <a:spcPts val="0"/>
+                        </a:spcAft>
+                        <a:buClrTx/>
+                        <a:buSzTx/>
+                        <a:buFontTx/>
+                        <a:buNone/>
+                        <a:tabLst/>
+                        <a:defRPr/>
+                      </a:pPr>
+                      <a:r>
+                        <a:rPr lang="de-DE" dirty="0"/>
+                        <a:t>MS_EDLSTM_WL3</a:t>
+                      </a:r>
+                    </a:p>
+                  </a:txBody>
+                  <a:tcPr/>
+                </a:tc>
+                <a:tc>
+                  <a:txBody>
+                    <a:bodyPr/>
+                    <a:lstStyle/>
+                    <a:p>
+                      <a:endParaRPr lang="de-DE" dirty="0"/>
+                    </a:p>
+                  </a:txBody>
+                  <a:tcPr/>
+                </a:tc>
+                <a:tc>
+                  <a:txBody>
+                    <a:bodyPr/>
+                    <a:lstStyle/>
+                    <a:p>
+                      <a:r>
+                        <a:rPr lang="de-DE" dirty="0"/>
+                        <a:t>0,33</a:t>
+                      </a:r>
+                    </a:p>
+                  </a:txBody>
+                  <a:tcPr/>
+                </a:tc>
+                <a:tc>
+                  <a:txBody>
+                    <a:bodyPr/>
+                    <a:lstStyle/>
+                    <a:p>
+                      <a:r>
+                        <a:rPr lang="de-DE" dirty="0"/>
+                        <a:t>28 </a:t>
+                      </a:r>
+                      <a:r>
+                        <a:rPr lang="de-DE" dirty="0" err="1"/>
+                        <a:t>day</a:t>
+                      </a:r>
+                      <a:r>
+                        <a:rPr lang="de-DE" dirty="0"/>
+                        <a:t> </a:t>
+                      </a:r>
+                      <a:r>
+                        <a:rPr lang="de-DE" dirty="0" err="1"/>
+                        <a:t>data</a:t>
+                      </a:r>
+                      <a:r>
+                        <a:rPr lang="de-DE" dirty="0"/>
+                        <a:t> </a:t>
+                      </a:r>
+                      <a:r>
+                        <a:rPr lang="de-DE" dirty="0" err="1"/>
+                        <a:t>set</a:t>
+                      </a:r>
+                      <a:r>
+                        <a:rPr lang="de-DE" dirty="0"/>
+                        <a:t> </a:t>
+                      </a:r>
+                    </a:p>
+                  </a:txBody>
+                  <a:tcPr/>
+                </a:tc>
+                <a:extLst>
+                  <a:ext uri="{0D108BD9-81ED-4DB2-BD59-A6C34878D82A}">
+                    <a16:rowId xmlns:a16="http://schemas.microsoft.com/office/drawing/2014/main" val="984695646"/>
+                  </a:ext>
+                </a:extLst>
+              </a:tr>
+              <a:tr h="192734">
+                <a:tc>
+                  <a:txBody>
+                    <a:bodyPr/>
+                    <a:lstStyle/>
+                    <a:p>
+                      <a:r>
+                        <a:rPr lang="de-DE" dirty="0"/>
+                        <a:t>10_ED_LSTM_WL4</a:t>
+                      </a:r>
+                    </a:p>
+                  </a:txBody>
+                  <a:tcPr/>
+                </a:tc>
+                <a:tc>
+                  <a:txBody>
+                    <a:bodyPr/>
+                    <a:lstStyle/>
+                    <a:p>
+                      <a:r>
+                        <a:rPr lang="de-DE" dirty="0"/>
+                        <a:t>EDLSTM</a:t>
+                      </a:r>
+                    </a:p>
+                  </a:txBody>
+                  <a:tcPr/>
+                </a:tc>
+                <a:tc>
+                  <a:txBody>
+                    <a:bodyPr/>
+                    <a:lstStyle/>
+                    <a:p>
+                      <a:pPr marL="0" marR="0" lvl="0" indent="0" algn="l" defTabSz="914400" rtl="0" eaLnBrk="1" fontAlgn="auto" latinLnBrk="0" hangingPunct="1">
+                        <a:lnSpc>
+                          <a:spcPct val="100000"/>
+                        </a:lnSpc>
+                        <a:spcBef>
+                          <a:spcPts val="0"/>
+                        </a:spcBef>
+                        <a:spcAft>
+                          <a:spcPts val="0"/>
+                        </a:spcAft>
+                        <a:buClrTx/>
+                        <a:buSzTx/>
+                        <a:buFontTx/>
+                        <a:buNone/>
+                        <a:tabLst/>
+                        <a:defRPr/>
+                      </a:pPr>
+                      <a:r>
+                        <a:rPr lang="de-DE" dirty="0"/>
+                        <a:t>MS_EDLSTM_WL4</a:t>
+                      </a:r>
+                    </a:p>
+                  </a:txBody>
+                  <a:tcPr/>
+                </a:tc>
+                <a:tc>
+                  <a:txBody>
+                    <a:bodyPr/>
+                    <a:lstStyle/>
+                    <a:p>
+                      <a:endParaRPr lang="de-DE" dirty="0"/>
+                    </a:p>
+                  </a:txBody>
+                  <a:tcPr/>
+                </a:tc>
+                <a:tc>
+                  <a:txBody>
+                    <a:bodyPr/>
+                    <a:lstStyle/>
+                    <a:p>
+                      <a:r>
+                        <a:rPr lang="de-DE" dirty="0"/>
+                        <a:t>0,85</a:t>
+                      </a:r>
+                    </a:p>
+                  </a:txBody>
+                  <a:tcPr/>
+                </a:tc>
+                <a:tc>
+                  <a:txBody>
+                    <a:bodyPr/>
+                    <a:lstStyle/>
+                    <a:p>
+                      <a:r>
+                        <a:rPr lang="de-DE" dirty="0" err="1"/>
+                        <a:t>extended</a:t>
+                      </a:r>
+                      <a:r>
+                        <a:rPr lang="de-DE" dirty="0"/>
+                        <a:t> </a:t>
+                      </a:r>
+                      <a:r>
+                        <a:rPr lang="de-DE" dirty="0" err="1"/>
+                        <a:t>data</a:t>
+                      </a:r>
+                      <a:r>
+                        <a:rPr lang="de-DE" dirty="0"/>
+                        <a:t> </a:t>
+                      </a:r>
+                      <a:r>
+                        <a:rPr lang="de-DE" dirty="0" err="1"/>
+                        <a:t>set</a:t>
+                      </a:r>
+                      <a:r>
+                        <a:rPr lang="de-DE" dirty="0"/>
+                        <a:t> </a:t>
+                      </a:r>
+                    </a:p>
+                  </a:txBody>
+                  <a:tcPr/>
+                </a:tc>
+                <a:extLst>
+                  <a:ext uri="{0D108BD9-81ED-4DB2-BD59-A6C34878D82A}">
+                    <a16:rowId xmlns:a16="http://schemas.microsoft.com/office/drawing/2014/main" val="2121374170"/>
+                  </a:ext>
+                </a:extLst>
+              </a:tr>
+              <a:tr h="0">
+                <a:tc>
+                  <a:txBody>
+                    <a:bodyPr/>
+                    <a:lstStyle/>
+                    <a:p>
+                      <a:r>
+                        <a:rPr lang="de-DE" dirty="0"/>
+                        <a:t>10_ED_LSTM_WL5</a:t>
+                      </a:r>
+                    </a:p>
+                  </a:txBody>
+                  <a:tcPr/>
+                </a:tc>
+                <a:tc>
+                  <a:txBody>
+                    <a:bodyPr/>
+                    <a:lstStyle/>
+                    <a:p>
+                      <a:r>
+                        <a:rPr lang="de-DE" dirty="0"/>
+                        <a:t>EDLSTM</a:t>
+                      </a:r>
+                    </a:p>
+                  </a:txBody>
+                  <a:tcPr/>
+                </a:tc>
+                <a:tc>
+                  <a:txBody>
+                    <a:bodyPr/>
+                    <a:lstStyle/>
+                    <a:p>
+                      <a:pPr marL="0" marR="0" lvl="0" indent="0" algn="l" defTabSz="914400" rtl="0" eaLnBrk="1" fontAlgn="auto" latinLnBrk="0" hangingPunct="1">
+                        <a:lnSpc>
+                          <a:spcPct val="100000"/>
+                        </a:lnSpc>
+                        <a:spcBef>
+                          <a:spcPts val="0"/>
+                        </a:spcBef>
+                        <a:spcAft>
+                          <a:spcPts val="0"/>
+                        </a:spcAft>
+                        <a:buClrTx/>
+                        <a:buSzTx/>
+                        <a:buFontTx/>
+                        <a:buNone/>
+                        <a:tabLst/>
+                        <a:defRPr/>
+                      </a:pPr>
+                      <a:r>
+                        <a:rPr lang="de-DE" dirty="0"/>
+                        <a:t>MS_EDLSTM_WL5</a:t>
+                      </a:r>
+                    </a:p>
+                  </a:txBody>
+                  <a:tcPr/>
+                </a:tc>
+                <a:tc>
+                  <a:txBody>
+                    <a:bodyPr/>
+                    <a:lstStyle/>
+                    <a:p>
+                      <a:endParaRPr lang="de-DE" dirty="0"/>
+                    </a:p>
+                  </a:txBody>
+                  <a:tcPr/>
+                </a:tc>
+                <a:tc>
+                  <a:txBody>
+                    <a:bodyPr/>
+                    <a:lstStyle/>
+                    <a:p>
+                      <a:r>
+                        <a:rPr lang="de-DE" dirty="0"/>
+                        <a:t>0,9</a:t>
+                      </a:r>
+                    </a:p>
+                  </a:txBody>
+                  <a:tcPr/>
+                </a:tc>
+                <a:tc>
+                  <a:txBody>
+                    <a:bodyPr/>
+                    <a:lstStyle/>
+                    <a:p>
+                      <a:r>
+                        <a:rPr lang="de-DE" dirty="0"/>
+                        <a:t>HPT </a:t>
+                      </a:r>
+                    </a:p>
+                  </a:txBody>
+                  <a:tcPr/>
+                </a:tc>
+                <a:extLst>
+                  <a:ext uri="{0D108BD9-81ED-4DB2-BD59-A6C34878D82A}">
+                    <a16:rowId xmlns:a16="http://schemas.microsoft.com/office/drawing/2014/main" val="4194800166"/>
+                  </a:ext>
+                </a:extLst>
+              </a:tr>
+              <a:tr h="0">
+                <a:tc>
+                  <a:txBody>
+                    <a:bodyPr/>
+                    <a:lstStyle/>
+                    <a:p>
+                      <a:r>
+                        <a:rPr lang="de-DE" dirty="0"/>
+                        <a:t>10_ED_LSTM_WL6</a:t>
+                      </a:r>
+                    </a:p>
+                  </a:txBody>
+                  <a:tcPr/>
+                </a:tc>
+                <a:tc>
+                  <a:txBody>
+                    <a:bodyPr/>
+                    <a:lstStyle/>
+                    <a:p>
+                      <a:r>
+                        <a:rPr lang="de-DE" dirty="0"/>
+                        <a:t>EDLSTM</a:t>
+                      </a:r>
+                    </a:p>
+                  </a:txBody>
+                  <a:tcPr/>
+                </a:tc>
+                <a:tc>
+                  <a:txBody>
+                    <a:bodyPr/>
+                    <a:lstStyle/>
+                    <a:p>
+                      <a:pPr marL="0" marR="0" lvl="0" indent="0" algn="l" defTabSz="914400" rtl="0" eaLnBrk="1" fontAlgn="auto" latinLnBrk="0" hangingPunct="1">
+                        <a:lnSpc>
+                          <a:spcPct val="100000"/>
+                        </a:lnSpc>
+                        <a:spcBef>
+                          <a:spcPts val="0"/>
+                        </a:spcBef>
+                        <a:spcAft>
+                          <a:spcPts val="0"/>
+                        </a:spcAft>
+                        <a:buClrTx/>
+                        <a:buSzTx/>
+                        <a:buFontTx/>
+                        <a:buNone/>
+                        <a:tabLst/>
+                        <a:defRPr/>
+                      </a:pPr>
+                      <a:r>
+                        <a:rPr lang="de-DE" dirty="0"/>
+                        <a:t>MS_EDLSTM_WL6</a:t>
+                      </a:r>
+                    </a:p>
+                  </a:txBody>
+                  <a:tcPr/>
+                </a:tc>
+                <a:tc>
+                  <a:txBody>
+                    <a:bodyPr/>
+                    <a:lstStyle/>
+                    <a:p>
+                      <a:endParaRPr lang="de-DE" dirty="0"/>
+                    </a:p>
+                  </a:txBody>
+                  <a:tcPr/>
+                </a:tc>
+                <a:tc>
+                  <a:txBody>
+                    <a:bodyPr/>
+                    <a:lstStyle/>
+                    <a:p>
+                      <a:endParaRPr lang="de-DE" dirty="0"/>
+                    </a:p>
+                  </a:txBody>
+                  <a:tcPr/>
+                </a:tc>
+                <a:tc>
+                  <a:txBody>
+                    <a:bodyPr/>
+                    <a:lstStyle/>
+                    <a:p>
+                      <a:r>
+                        <a:rPr lang="de-DE" dirty="0" err="1"/>
+                        <a:t>Differencing</a:t>
+                      </a:r>
+                      <a:r>
+                        <a:rPr lang="de-DE" dirty="0"/>
+                        <a:t>, </a:t>
+                      </a:r>
+                      <a:r>
+                        <a:rPr lang="de-DE" dirty="0" err="1"/>
+                        <a:t>Smaller</a:t>
+                      </a:r>
+                      <a:r>
+                        <a:rPr lang="de-DE" dirty="0"/>
+                        <a:t> NN</a:t>
+                      </a:r>
+                    </a:p>
+                  </a:txBody>
+                  <a:tcPr/>
+                </a:tc>
+                <a:extLst>
+                  <a:ext uri="{0D108BD9-81ED-4DB2-BD59-A6C34878D82A}">
+                    <a16:rowId xmlns:a16="http://schemas.microsoft.com/office/drawing/2014/main" val="2673006100"/>
+                  </a:ext>
+                </a:extLst>
+              </a:tr>
+              <a:tr h="0">
+                <a:tc>
+                  <a:txBody>
+                    <a:bodyPr/>
+                    <a:lstStyle/>
+                    <a:p>
+                      <a:endParaRPr lang="de-DE" dirty="0"/>
+                    </a:p>
+                  </a:txBody>
+                  <a:tcPr/>
+                </a:tc>
+                <a:tc>
+                  <a:txBody>
+                    <a:bodyPr/>
+                    <a:lstStyle/>
+                    <a:p>
+                      <a:endParaRPr lang="de-DE" dirty="0"/>
+                    </a:p>
+                  </a:txBody>
+                  <a:tcPr/>
+                </a:tc>
+                <a:tc>
+                  <a:txBody>
+                    <a:bodyPr/>
+                    <a:lstStyle/>
+                    <a:p>
+                      <a:endParaRPr lang="de-DE" dirty="0"/>
+                    </a:p>
+                  </a:txBody>
+                  <a:tcPr/>
+                </a:tc>
+                <a:tc>
+                  <a:txBody>
+                    <a:bodyPr/>
+                    <a:lstStyle/>
+                    <a:p>
+                      <a:endParaRPr lang="de-DE" dirty="0"/>
+                    </a:p>
+                  </a:txBody>
+                  <a:tcPr/>
+                </a:tc>
+                <a:tc>
+                  <a:txBody>
+                    <a:bodyPr/>
+                    <a:lstStyle/>
+                    <a:p>
+                      <a:endParaRPr lang="de-DE" dirty="0"/>
+                    </a:p>
+                  </a:txBody>
+                  <a:tcPr/>
+                </a:tc>
+                <a:tc>
+                  <a:txBody>
+                    <a:bodyPr/>
+                    <a:lstStyle/>
+                    <a:p>
+                      <a:endParaRPr lang="de-DE" dirty="0"/>
+                    </a:p>
+                  </a:txBody>
+                  <a:tcPr/>
+                </a:tc>
+                <a:extLst>
+                  <a:ext uri="{0D108BD9-81ED-4DB2-BD59-A6C34878D82A}">
+                    <a16:rowId xmlns:a16="http://schemas.microsoft.com/office/drawing/2014/main" val="1081194975"/>
+                  </a:ext>
+                </a:extLst>
+              </a:tr>
+              <a:tr h="0">
+                <a:tc>
+                  <a:txBody>
+                    <a:bodyPr/>
+                    <a:lstStyle/>
+                    <a:p>
+                      <a:endParaRPr lang="de-DE" dirty="0"/>
+                    </a:p>
+                  </a:txBody>
+                  <a:tcPr/>
+                </a:tc>
+                <a:tc>
+                  <a:txBody>
+                    <a:bodyPr/>
+                    <a:lstStyle/>
+                    <a:p>
+                      <a:endParaRPr lang="de-DE" dirty="0"/>
+                    </a:p>
+                  </a:txBody>
+                  <a:tcPr/>
+                </a:tc>
+                <a:tc>
+                  <a:txBody>
+                    <a:bodyPr/>
+                    <a:lstStyle/>
+                    <a:p>
+                      <a:endParaRPr lang="de-DE" dirty="0"/>
+                    </a:p>
+                  </a:txBody>
+                  <a:tcPr/>
+                </a:tc>
+                <a:tc>
+                  <a:txBody>
+                    <a:bodyPr/>
+                    <a:lstStyle/>
+                    <a:p>
+                      <a:endParaRPr lang="de-DE" dirty="0"/>
+                    </a:p>
+                  </a:txBody>
+                  <a:tcPr/>
+                </a:tc>
+                <a:tc>
+                  <a:txBody>
+                    <a:bodyPr/>
+                    <a:lstStyle/>
+                    <a:p>
+                      <a:endParaRPr lang="de-DE" dirty="0"/>
+                    </a:p>
+                  </a:txBody>
+                  <a:tcPr/>
+                </a:tc>
+                <a:tc>
+                  <a:txBody>
+                    <a:bodyPr/>
+                    <a:lstStyle/>
+                    <a:p>
+                      <a:endParaRPr lang="de-DE" dirty="0"/>
+                    </a:p>
+                  </a:txBody>
+                  <a:tcPr/>
+                </a:tc>
+                <a:extLst>
+                  <a:ext uri="{0D108BD9-81ED-4DB2-BD59-A6C34878D82A}">
+                    <a16:rowId xmlns:a16="http://schemas.microsoft.com/office/drawing/2014/main" val="4014538829"/>
+                  </a:ext>
+                </a:extLst>
+              </a:tr>
+              <a:tr h="0">
+                <a:tc>
+                  <a:txBody>
+                    <a:bodyPr/>
+                    <a:lstStyle/>
+                    <a:p>
+                      <a:endParaRPr lang="de-DE" dirty="0"/>
+                    </a:p>
+                  </a:txBody>
+                  <a:tcPr/>
+                </a:tc>
+                <a:tc>
+                  <a:txBody>
+                    <a:bodyPr/>
+                    <a:lstStyle/>
+                    <a:p>
+                      <a:endParaRPr lang="de-DE" dirty="0"/>
+                    </a:p>
+                  </a:txBody>
+                  <a:tcPr/>
+                </a:tc>
+                <a:tc>
+                  <a:txBody>
+                    <a:bodyPr/>
+                    <a:lstStyle/>
+                    <a:p>
+                      <a:endParaRPr lang="de-DE" dirty="0"/>
+                    </a:p>
+                  </a:txBody>
+                  <a:tcPr/>
+                </a:tc>
+                <a:tc>
+                  <a:txBody>
+                    <a:bodyPr/>
+                    <a:lstStyle/>
+                    <a:p>
+                      <a:endParaRPr lang="de-DE" dirty="0"/>
+                    </a:p>
+                  </a:txBody>
+                  <a:tcPr/>
+                </a:tc>
+                <a:tc>
+                  <a:txBody>
+                    <a:bodyPr/>
+                    <a:lstStyle/>
+                    <a:p>
+                      <a:endParaRPr lang="de-DE" dirty="0"/>
+                    </a:p>
+                  </a:txBody>
+                  <a:tcPr/>
+                </a:tc>
+                <a:tc>
+                  <a:txBody>
+                    <a:bodyPr/>
+                    <a:lstStyle/>
+                    <a:p>
+                      <a:endParaRPr lang="de-DE" dirty="0"/>
+                    </a:p>
+                  </a:txBody>
+                  <a:tcPr/>
+                </a:tc>
+                <a:extLst>
+                  <a:ext uri="{0D108BD9-81ED-4DB2-BD59-A6C34878D82A}">
+                    <a16:rowId xmlns:a16="http://schemas.microsoft.com/office/drawing/2014/main" val="4029173210"/>
+                  </a:ext>
+                </a:extLst>
+              </a:tr>
+              <a:tr h="0">
+                <a:tc>
+                  <a:txBody>
+                    <a:bodyPr/>
+                    <a:lstStyle/>
+                    <a:p>
+                      <a:endParaRPr lang="de-DE" dirty="0"/>
+                    </a:p>
+                  </a:txBody>
+                  <a:tcPr/>
+                </a:tc>
+                <a:tc>
+                  <a:txBody>
+                    <a:bodyPr/>
+                    <a:lstStyle/>
+                    <a:p>
+                      <a:endParaRPr lang="de-DE" dirty="0"/>
+                    </a:p>
+                  </a:txBody>
+                  <a:tcPr/>
+                </a:tc>
+                <a:tc>
+                  <a:txBody>
+                    <a:bodyPr/>
+                    <a:lstStyle/>
+                    <a:p>
+                      <a:endParaRPr lang="de-DE" dirty="0"/>
+                    </a:p>
+                  </a:txBody>
+                  <a:tcPr/>
+                </a:tc>
+                <a:tc>
+                  <a:txBody>
+                    <a:bodyPr/>
+                    <a:lstStyle/>
+                    <a:p>
+                      <a:endParaRPr lang="de-DE" dirty="0"/>
+                    </a:p>
+                  </a:txBody>
+                  <a:tcPr/>
+                </a:tc>
+                <a:tc>
+                  <a:txBody>
+                    <a:bodyPr/>
+                    <a:lstStyle/>
+                    <a:p>
+                      <a:endParaRPr lang="de-DE" dirty="0"/>
+                    </a:p>
+                  </a:txBody>
+                  <a:tcPr/>
+                </a:tc>
+                <a:tc>
+                  <a:txBody>
+                    <a:bodyPr/>
+                    <a:lstStyle/>
+                    <a:p>
+                      <a:endParaRPr lang="de-DE" dirty="0"/>
+                    </a:p>
+                  </a:txBody>
+                  <a:tcPr/>
+                </a:tc>
+                <a:extLst>
+                  <a:ext uri="{0D108BD9-81ED-4DB2-BD59-A6C34878D82A}">
+                    <a16:rowId xmlns:a16="http://schemas.microsoft.com/office/drawing/2014/main" val="1289963371"/>
+                  </a:ext>
+                </a:extLst>
+              </a:tr>
+            </a:tbl>
+          </a:graphicData>
+        </a:graphic>
+      </p:graphicFrame>
     </p:spTree>
     <p:extLst>
       <p:ext uri="{BB962C8B-B14F-4D97-AF65-F5344CB8AC3E}">
-        <p14:creationId xmlns:p14="http://schemas.microsoft.com/office/powerpoint/2010/main" val="3134885709"/>
+        <p14:creationId xmlns:p14="http://schemas.microsoft.com/office/powerpoint/2010/main" val="402088511"/>
       </p:ext>
     </p:extLst>
   </p:cSld>
@@ -5113,7 +5631,7 @@
           <p:cNvPr id="2" name="Title 1">
             <a:extLst>
               <a:ext uri="{FF2B5EF4-FFF2-40B4-BE49-F238E27FC236}">
-                <a16:creationId xmlns:a16="http://schemas.microsoft.com/office/drawing/2014/main" id="{E038D4C9-F9C1-410B-935A-0A4A634BC779}"/>
+                <a16:creationId xmlns:a16="http://schemas.microsoft.com/office/drawing/2014/main" id="{4C9FE5E2-35E3-4551-9F70-DD9CAF56792F}"/>
               </a:ext>
             </a:extLst>
           </p:cNvPr>
@@ -5131,231 +5649,359 @@
           <a:p>
             <a:r>
               <a:rPr lang="de-DE" dirty="0"/>
-              <a:t>SVM</a:t>
+              <a:t>Question	</a:t>
             </a:r>
           </a:p>
         </p:txBody>
       </p:sp>
-      <p:pic>
-        <p:nvPicPr>
-          <p:cNvPr id="12" name="Picture 11" descr="Chart, line chart&#10;&#10;Description automatically generated">
-            <a:extLst>
-              <a:ext uri="{FF2B5EF4-FFF2-40B4-BE49-F238E27FC236}">
-                <a16:creationId xmlns:a16="http://schemas.microsoft.com/office/drawing/2014/main" id="{F7733C81-02A6-4635-8CB2-B18A21AC35E5}"/>
-              </a:ext>
-            </a:extLst>
-          </p:cNvPr>
-          <p:cNvPicPr>
-            <a:picLocks noChangeAspect="1"/>
-          </p:cNvPicPr>
-          <p:nvPr/>
-        </p:nvPicPr>
-        <p:blipFill>
-          <a:blip r:embed="rId2">
-            <a:extLst>
-              <a:ext uri="{28A0092B-C50C-407E-A947-70E740481C1C}">
-                <a14:useLocalDpi xmlns:a14="http://schemas.microsoft.com/office/drawing/2010/main" val="0"/>
-              </a:ext>
-            </a:extLst>
-          </a:blip>
-          <a:stretch>
-            <a:fillRect/>
-          </a:stretch>
-        </p:blipFill>
-        <p:spPr>
-          <a:xfrm>
-            <a:off x="8217600" y="1461185"/>
-            <a:ext cx="3974400" cy="2649600"/>
-          </a:xfrm>
-          <a:prstGeom prst="rect">
-            <a:avLst/>
-          </a:prstGeom>
-        </p:spPr>
-      </p:pic>
-      <p:pic>
-        <p:nvPicPr>
-          <p:cNvPr id="14" name="Picture 13" descr="A picture containing polygon&#10;&#10;Description automatically generated">
-            <a:extLst>
-              <a:ext uri="{FF2B5EF4-FFF2-40B4-BE49-F238E27FC236}">
-                <a16:creationId xmlns:a16="http://schemas.microsoft.com/office/drawing/2014/main" id="{7E9DB5D6-C468-44F5-8E4D-617FDFBD1065}"/>
-              </a:ext>
-            </a:extLst>
-          </p:cNvPr>
-          <p:cNvPicPr>
-            <a:picLocks noChangeAspect="1"/>
-          </p:cNvPicPr>
-          <p:nvPr/>
-        </p:nvPicPr>
-        <p:blipFill>
-          <a:blip r:embed="rId3">
-            <a:extLst>
-              <a:ext uri="{28A0092B-C50C-407E-A947-70E740481C1C}">
-                <a14:useLocalDpi xmlns:a14="http://schemas.microsoft.com/office/drawing/2010/main" val="0"/>
-              </a:ext>
-            </a:extLst>
-          </a:blip>
-          <a:stretch>
-            <a:fillRect/>
-          </a:stretch>
-        </p:blipFill>
-        <p:spPr>
-          <a:xfrm>
-            <a:off x="4243200" y="1458637"/>
-            <a:ext cx="3974400" cy="2649600"/>
-          </a:xfrm>
-          <a:prstGeom prst="rect">
-            <a:avLst/>
-          </a:prstGeom>
-        </p:spPr>
-      </p:pic>
-      <p:pic>
-        <p:nvPicPr>
-          <p:cNvPr id="16" name="Picture 15" descr="Chart, histogram&#10;&#10;Description automatically generated">
-            <a:extLst>
-              <a:ext uri="{FF2B5EF4-FFF2-40B4-BE49-F238E27FC236}">
-                <a16:creationId xmlns:a16="http://schemas.microsoft.com/office/drawing/2014/main" id="{28A121B8-4DD6-4FF1-B4E0-C443B601020F}"/>
-              </a:ext>
-            </a:extLst>
-          </p:cNvPr>
-          <p:cNvPicPr>
-            <a:picLocks noChangeAspect="1"/>
-          </p:cNvPicPr>
-          <p:nvPr/>
-        </p:nvPicPr>
-        <p:blipFill>
-          <a:blip r:embed="rId4">
-            <a:extLst>
-              <a:ext uri="{28A0092B-C50C-407E-A947-70E740481C1C}">
-                <a14:useLocalDpi xmlns:a14="http://schemas.microsoft.com/office/drawing/2010/main" val="0"/>
-              </a:ext>
-            </a:extLst>
-          </a:blip>
-          <a:stretch>
-            <a:fillRect/>
-          </a:stretch>
-        </p:blipFill>
-        <p:spPr>
-          <a:xfrm>
-            <a:off x="268800" y="1458637"/>
-            <a:ext cx="3974400" cy="2649600"/>
-          </a:xfrm>
-          <a:prstGeom prst="rect">
-            <a:avLst/>
-          </a:prstGeom>
-        </p:spPr>
-      </p:pic>
-      <p:pic>
-        <p:nvPicPr>
-          <p:cNvPr id="18" name="Picture 17" descr="Chart, scatter chart&#10;&#10;Description automatically generated">
-            <a:extLst>
-              <a:ext uri="{FF2B5EF4-FFF2-40B4-BE49-F238E27FC236}">
-                <a16:creationId xmlns:a16="http://schemas.microsoft.com/office/drawing/2014/main" id="{DC476E0E-BABE-4F83-9E0F-39D9E2193342}"/>
-              </a:ext>
-            </a:extLst>
-          </p:cNvPr>
-          <p:cNvPicPr>
-            <a:picLocks noChangeAspect="1"/>
-          </p:cNvPicPr>
-          <p:nvPr/>
-        </p:nvPicPr>
-        <p:blipFill>
-          <a:blip r:embed="rId5">
-            <a:extLst>
-              <a:ext uri="{28A0092B-C50C-407E-A947-70E740481C1C}">
-                <a14:useLocalDpi xmlns:a14="http://schemas.microsoft.com/office/drawing/2010/main" val="0"/>
-              </a:ext>
-            </a:extLst>
-          </a:blip>
-          <a:stretch>
-            <a:fillRect/>
-          </a:stretch>
-        </p:blipFill>
-        <p:spPr>
-          <a:xfrm>
-            <a:off x="4217800" y="4108237"/>
-            <a:ext cx="3974400" cy="2649600"/>
-          </a:xfrm>
-          <a:prstGeom prst="rect">
-            <a:avLst/>
-          </a:prstGeom>
-        </p:spPr>
-      </p:pic>
-      <p:pic>
-        <p:nvPicPr>
-          <p:cNvPr id="20" name="Picture 19" descr="Chart, histogram&#10;&#10;Description automatically generated">
-            <a:extLst>
-              <a:ext uri="{FF2B5EF4-FFF2-40B4-BE49-F238E27FC236}">
-                <a16:creationId xmlns:a16="http://schemas.microsoft.com/office/drawing/2014/main" id="{84AC2BF5-E442-4115-8B40-FC56E90AC970}"/>
-              </a:ext>
-            </a:extLst>
-          </p:cNvPr>
-          <p:cNvPicPr>
-            <a:picLocks noChangeAspect="1"/>
-          </p:cNvPicPr>
-          <p:nvPr/>
-        </p:nvPicPr>
-        <p:blipFill>
-          <a:blip r:embed="rId6">
-            <a:extLst>
-              <a:ext uri="{28A0092B-C50C-407E-A947-70E740481C1C}">
-                <a14:useLocalDpi xmlns:a14="http://schemas.microsoft.com/office/drawing/2010/main" val="0"/>
-              </a:ext>
-            </a:extLst>
-          </a:blip>
-          <a:stretch>
-            <a:fillRect/>
-          </a:stretch>
-        </p:blipFill>
-        <p:spPr>
-          <a:xfrm>
-            <a:off x="268800" y="4108237"/>
-            <a:ext cx="3974400" cy="2649600"/>
-          </a:xfrm>
-          <a:prstGeom prst="rect">
-            <a:avLst/>
-          </a:prstGeom>
-        </p:spPr>
-      </p:pic>
-      <p:pic>
-        <p:nvPicPr>
-          <p:cNvPr id="22" name="Picture 21" descr="A picture containing chart&#10;&#10;Description automatically generated">
-            <a:extLst>
-              <a:ext uri="{FF2B5EF4-FFF2-40B4-BE49-F238E27FC236}">
-                <a16:creationId xmlns:a16="http://schemas.microsoft.com/office/drawing/2014/main" id="{B8A6571F-BDE7-4169-A31C-06F6CB9C1471}"/>
-              </a:ext>
-            </a:extLst>
-          </p:cNvPr>
-          <p:cNvPicPr>
-            <a:picLocks noChangeAspect="1"/>
-          </p:cNvPicPr>
-          <p:nvPr/>
-        </p:nvPicPr>
-        <p:blipFill>
-          <a:blip r:embed="rId7">
-            <a:extLst>
-              <a:ext uri="{28A0092B-C50C-407E-A947-70E740481C1C}">
-                <a14:useLocalDpi xmlns:a14="http://schemas.microsoft.com/office/drawing/2010/main" val="0"/>
-              </a:ext>
-            </a:extLst>
-          </a:blip>
-          <a:stretch>
-            <a:fillRect/>
-          </a:stretch>
-        </p:blipFill>
-        <p:spPr>
-          <a:xfrm>
-            <a:off x="8217600" y="4108237"/>
-            <a:ext cx="3974400" cy="2649600"/>
-          </a:xfrm>
-          <a:prstGeom prst="rect">
-            <a:avLst/>
-          </a:prstGeom>
-        </p:spPr>
-      </p:pic>
+      <p:sp>
+        <p:nvSpPr>
+          <p:cNvPr id="3" name="Content Placeholder 2">
+            <a:extLst>
+              <a:ext uri="{FF2B5EF4-FFF2-40B4-BE49-F238E27FC236}">
+                <a16:creationId xmlns:a16="http://schemas.microsoft.com/office/drawing/2014/main" id="{825CEBCA-9AEB-400E-83C9-1336EE531D3F}"/>
+              </a:ext>
+            </a:extLst>
+          </p:cNvPr>
+          <p:cNvSpPr>
+            <a:spLocks noGrp="1"/>
+          </p:cNvSpPr>
+          <p:nvPr>
+            <p:ph idx="1"/>
+          </p:nvPr>
+        </p:nvSpPr>
+        <p:spPr/>
+        <p:txBody>
+          <a:bodyPr/>
+          <a:lstStyle/>
+          <a:p>
+            <a:r>
+              <a:rPr lang="de-DE" dirty="0"/>
+              <a:t>Do </a:t>
+            </a:r>
+            <a:r>
+              <a:rPr lang="de-DE" dirty="0" err="1"/>
+              <a:t>we</a:t>
+            </a:r>
+            <a:r>
+              <a:rPr lang="de-DE" dirty="0"/>
+              <a:t> </a:t>
+            </a:r>
+            <a:r>
+              <a:rPr lang="de-DE" dirty="0" err="1"/>
+              <a:t>need</a:t>
+            </a:r>
+            <a:r>
+              <a:rPr lang="de-DE" dirty="0"/>
+              <a:t> </a:t>
+            </a:r>
+            <a:r>
+              <a:rPr lang="de-DE" dirty="0" err="1"/>
+              <a:t>to</a:t>
+            </a:r>
+            <a:r>
+              <a:rPr lang="de-DE" dirty="0"/>
+              <a:t> </a:t>
+            </a:r>
+            <a:r>
+              <a:rPr lang="de-DE" dirty="0" err="1"/>
+              <a:t>submit</a:t>
+            </a:r>
+            <a:r>
+              <a:rPr lang="de-DE" dirty="0"/>
+              <a:t> </a:t>
+            </a:r>
+            <a:r>
+              <a:rPr lang="de-DE" dirty="0" err="1"/>
+              <a:t>our</a:t>
+            </a:r>
+            <a:r>
+              <a:rPr lang="de-DE" dirty="0"/>
+              <a:t> </a:t>
+            </a:r>
+            <a:r>
+              <a:rPr lang="de-DE" dirty="0" err="1"/>
+              <a:t>project</a:t>
+            </a:r>
+            <a:r>
+              <a:rPr lang="de-DE" dirty="0"/>
+              <a:t> in a </a:t>
+            </a:r>
+            <a:r>
+              <a:rPr lang="de-DE" dirty="0" err="1"/>
+              <a:t>colab</a:t>
+            </a:r>
+            <a:r>
+              <a:rPr lang="de-DE" dirty="0"/>
+              <a:t> </a:t>
+            </a:r>
+            <a:r>
+              <a:rPr lang="de-DE" dirty="0" err="1"/>
+              <a:t>notebook</a:t>
+            </a:r>
+            <a:r>
+              <a:rPr lang="de-DE" dirty="0"/>
+              <a:t>? </a:t>
+            </a:r>
+            <a:r>
+              <a:rPr lang="de-DE" dirty="0" err="1"/>
+              <a:t>Or</a:t>
+            </a:r>
+            <a:r>
+              <a:rPr lang="de-DE" dirty="0"/>
+              <a:t> </a:t>
+            </a:r>
+            <a:r>
+              <a:rPr lang="de-DE" dirty="0" err="1"/>
+              <a:t>is</a:t>
+            </a:r>
+            <a:r>
+              <a:rPr lang="de-DE" dirty="0"/>
+              <a:t> a </a:t>
+            </a:r>
+            <a:r>
+              <a:rPr lang="de-DE" dirty="0" err="1"/>
+              <a:t>github</a:t>
+            </a:r>
+            <a:r>
+              <a:rPr lang="de-DE" dirty="0"/>
+              <a:t> </a:t>
+            </a:r>
+            <a:r>
+              <a:rPr lang="de-DE" dirty="0" err="1"/>
+              <a:t>repo</a:t>
+            </a:r>
+            <a:r>
+              <a:rPr lang="de-DE" dirty="0"/>
+              <a:t> </a:t>
+            </a:r>
+            <a:r>
+              <a:rPr lang="de-DE" dirty="0" err="1"/>
+              <a:t>sufficient</a:t>
+            </a:r>
+            <a:r>
+              <a:rPr lang="de-DE" dirty="0"/>
+              <a:t>?</a:t>
+            </a:r>
+          </a:p>
+          <a:p>
+            <a:r>
+              <a:rPr lang="de-DE" dirty="0" err="1"/>
+              <a:t>Packaging</a:t>
+            </a:r>
+            <a:r>
+              <a:rPr lang="de-DE" dirty="0"/>
+              <a:t> </a:t>
+            </a:r>
+            <a:r>
+              <a:rPr lang="de-DE" dirty="0" err="1"/>
+              <a:t>functions</a:t>
+            </a:r>
+            <a:r>
+              <a:rPr lang="de-DE" dirty="0"/>
+              <a:t>?</a:t>
+            </a:r>
+          </a:p>
+          <a:p>
+            <a:r>
+              <a:rPr lang="de-DE" dirty="0" err="1"/>
+              <a:t>Documentation</a:t>
+            </a:r>
+            <a:r>
+              <a:rPr lang="de-DE" dirty="0"/>
+              <a:t> on </a:t>
+            </a:r>
+            <a:r>
+              <a:rPr lang="de-DE" dirty="0" err="1"/>
+              <a:t>Results</a:t>
+            </a:r>
+            <a:r>
+              <a:rPr lang="de-DE" dirty="0"/>
+              <a:t> </a:t>
+            </a:r>
+            <a:r>
+              <a:rPr lang="de-DE" dirty="0" err="1"/>
+              <a:t>only</a:t>
+            </a:r>
+            <a:r>
+              <a:rPr lang="de-DE" dirty="0"/>
+              <a:t>? </a:t>
+            </a:r>
+            <a:r>
+              <a:rPr lang="de-DE" dirty="0" err="1"/>
+              <a:t>Or</a:t>
+            </a:r>
+            <a:r>
+              <a:rPr lang="de-DE" dirty="0"/>
+              <a:t> </a:t>
+            </a:r>
+            <a:r>
+              <a:rPr lang="de-DE" dirty="0" err="1"/>
+              <a:t>the</a:t>
+            </a:r>
+            <a:r>
+              <a:rPr lang="de-DE" dirty="0"/>
+              <a:t> </a:t>
+            </a:r>
+            <a:r>
+              <a:rPr lang="de-DE" dirty="0" err="1"/>
+              <a:t>whole</a:t>
+            </a:r>
+            <a:r>
+              <a:rPr lang="de-DE" dirty="0"/>
+              <a:t> </a:t>
+            </a:r>
+            <a:r>
+              <a:rPr lang="de-DE" dirty="0" err="1"/>
+              <a:t>process</a:t>
+            </a:r>
+            <a:r>
+              <a:rPr lang="de-DE" dirty="0"/>
+              <a:t>?</a:t>
+            </a:r>
+          </a:p>
+          <a:p>
+            <a:r>
+              <a:rPr lang="de-DE" dirty="0" err="1"/>
+              <a:t>Prediction</a:t>
+            </a:r>
+            <a:r>
+              <a:rPr lang="de-DE" dirty="0"/>
+              <a:t> Goal? Do i </a:t>
+            </a:r>
+            <a:r>
+              <a:rPr lang="de-DE" dirty="0" err="1"/>
+              <a:t>need</a:t>
+            </a:r>
+            <a:r>
+              <a:rPr lang="de-DE" dirty="0"/>
+              <a:t> </a:t>
+            </a:r>
+            <a:r>
+              <a:rPr lang="de-DE" dirty="0" err="1"/>
+              <a:t>to</a:t>
+            </a:r>
+            <a:r>
+              <a:rPr lang="de-DE" dirty="0"/>
+              <a:t> </a:t>
+            </a:r>
+            <a:r>
+              <a:rPr lang="de-DE" dirty="0" err="1"/>
+              <a:t>predict</a:t>
+            </a:r>
+            <a:r>
+              <a:rPr lang="de-DE" dirty="0"/>
+              <a:t> </a:t>
+            </a:r>
+            <a:r>
+              <a:rPr lang="de-DE" dirty="0" err="1"/>
+              <a:t>the</a:t>
+            </a:r>
+            <a:r>
+              <a:rPr lang="de-DE" dirty="0"/>
+              <a:t> </a:t>
+            </a:r>
+            <a:r>
+              <a:rPr lang="de-DE" dirty="0" err="1"/>
+              <a:t>price</a:t>
+            </a:r>
+            <a:r>
+              <a:rPr lang="de-DE" dirty="0"/>
+              <a:t> </a:t>
+            </a:r>
+            <a:r>
+              <a:rPr lang="de-DE" dirty="0" err="1"/>
+              <a:t>or</a:t>
+            </a:r>
+            <a:r>
+              <a:rPr lang="de-DE" dirty="0"/>
+              <a:t> </a:t>
+            </a:r>
+            <a:r>
+              <a:rPr lang="de-DE" dirty="0" err="1"/>
+              <a:t>is</a:t>
+            </a:r>
+            <a:r>
+              <a:rPr lang="de-DE" dirty="0"/>
+              <a:t> Load okay</a:t>
+            </a:r>
+          </a:p>
+          <a:p>
+            <a:r>
+              <a:rPr lang="de-DE" dirty="0" err="1"/>
+              <a:t>Differencing</a:t>
+            </a:r>
+            <a:r>
+              <a:rPr lang="de-DE" dirty="0"/>
+              <a:t> vs. </a:t>
+            </a:r>
+            <a:r>
+              <a:rPr lang="de-DE" dirty="0" err="1"/>
+              <a:t>Scaling</a:t>
+            </a:r>
+            <a:r>
+              <a:rPr lang="de-DE" dirty="0"/>
+              <a:t>?</a:t>
+            </a:r>
+          </a:p>
+          <a:p>
+            <a:r>
+              <a:rPr lang="de-DE" dirty="0"/>
+              <a:t>PCA </a:t>
+            </a:r>
+            <a:r>
+              <a:rPr lang="de-DE" dirty="0" err="1"/>
+              <a:t>interpretation</a:t>
+            </a:r>
+            <a:endParaRPr lang="de-DE" dirty="0"/>
+          </a:p>
+          <a:p>
+            <a:r>
+              <a:rPr lang="de-DE" dirty="0"/>
+              <a:t>14 </a:t>
+            </a:r>
+            <a:r>
+              <a:rPr lang="de-DE" dirty="0" err="1"/>
+              <a:t>day</a:t>
+            </a:r>
+            <a:r>
+              <a:rPr lang="de-DE" dirty="0"/>
+              <a:t> </a:t>
+            </a:r>
+            <a:r>
+              <a:rPr lang="de-DE" dirty="0" err="1"/>
+              <a:t>prediction</a:t>
+            </a:r>
+            <a:r>
+              <a:rPr lang="de-DE" dirty="0"/>
+              <a:t> </a:t>
+            </a:r>
+            <a:r>
+              <a:rPr lang="de-DE" dirty="0" err="1"/>
+              <a:t>with</a:t>
+            </a:r>
+            <a:r>
+              <a:rPr lang="de-DE" dirty="0"/>
+              <a:t> </a:t>
+            </a:r>
+            <a:r>
+              <a:rPr lang="de-DE" dirty="0" err="1"/>
+              <a:t>mean</a:t>
+            </a:r>
+            <a:r>
+              <a:rPr lang="de-DE" dirty="0"/>
+              <a:t> </a:t>
+            </a:r>
+          </a:p>
+          <a:p>
+            <a:endParaRPr lang="de-DE" dirty="0"/>
+          </a:p>
+        </p:txBody>
+      </p:sp>
     </p:spTree>
     <p:extLst>
       <p:ext uri="{BB962C8B-B14F-4D97-AF65-F5344CB8AC3E}">
-        <p14:creationId xmlns:p14="http://schemas.microsoft.com/office/powerpoint/2010/main" val="1801652871"/>
+        <p14:creationId xmlns:p14="http://schemas.microsoft.com/office/powerpoint/2010/main" val="3762662077"/>
       </p:ext>
     </p:extLst>
   </p:cSld>
@@ -5405,6 +6051,553 @@
           <a:p>
             <a:r>
               <a:rPr lang="de-DE" dirty="0"/>
+              <a:t>SARIMAX</a:t>
+            </a:r>
+          </a:p>
+        </p:txBody>
+      </p:sp>
+      <p:pic>
+        <p:nvPicPr>
+          <p:cNvPr id="5" name="Content Placeholder 4" descr="Chart&#10;&#10;Description automatically generated">
+            <a:extLst>
+              <a:ext uri="{FF2B5EF4-FFF2-40B4-BE49-F238E27FC236}">
+                <a16:creationId xmlns:a16="http://schemas.microsoft.com/office/drawing/2014/main" id="{09B6CD2F-D871-4AC9-B4A3-AE5F5D53580A}"/>
+              </a:ext>
+            </a:extLst>
+          </p:cNvPr>
+          <p:cNvPicPr>
+            <a:picLocks noGrp="1" noChangeAspect="1"/>
+          </p:cNvPicPr>
+          <p:nvPr>
+            <p:ph idx="1"/>
+          </p:nvPr>
+        </p:nvPicPr>
+        <p:blipFill>
+          <a:blip r:embed="rId2">
+            <a:extLst>
+              <a:ext uri="{28A0092B-C50C-407E-A947-70E740481C1C}">
+                <a14:useLocalDpi xmlns:a14="http://schemas.microsoft.com/office/drawing/2010/main" val="0"/>
+              </a:ext>
+            </a:extLst>
+          </a:blip>
+          <a:stretch>
+            <a:fillRect/>
+          </a:stretch>
+        </p:blipFill>
+        <p:spPr>
+          <a:xfrm>
+            <a:off x="7917600" y="1380770"/>
+            <a:ext cx="3974400" cy="2649600"/>
+          </a:xfrm>
+        </p:spPr>
+      </p:pic>
+      <p:pic>
+        <p:nvPicPr>
+          <p:cNvPr id="7" name="Picture 6" descr="Chart, scatter chart&#10;&#10;Description automatically generated">
+            <a:extLst>
+              <a:ext uri="{FF2B5EF4-FFF2-40B4-BE49-F238E27FC236}">
+                <a16:creationId xmlns:a16="http://schemas.microsoft.com/office/drawing/2014/main" id="{2C8D6F27-4EE1-46C2-A0C5-11DD293A4EA6}"/>
+              </a:ext>
+            </a:extLst>
+          </p:cNvPr>
+          <p:cNvPicPr>
+            <a:picLocks noChangeAspect="1"/>
+          </p:cNvPicPr>
+          <p:nvPr/>
+        </p:nvPicPr>
+        <p:blipFill>
+          <a:blip r:embed="rId3">
+            <a:extLst>
+              <a:ext uri="{28A0092B-C50C-407E-A947-70E740481C1C}">
+                <a14:useLocalDpi xmlns:a14="http://schemas.microsoft.com/office/drawing/2010/main" val="0"/>
+              </a:ext>
+            </a:extLst>
+          </a:blip>
+          <a:stretch>
+            <a:fillRect/>
+          </a:stretch>
+        </p:blipFill>
+        <p:spPr>
+          <a:xfrm>
+            <a:off x="3943200" y="1383770"/>
+            <a:ext cx="3974400" cy="2649600"/>
+          </a:xfrm>
+          <a:prstGeom prst="rect">
+            <a:avLst/>
+          </a:prstGeom>
+        </p:spPr>
+      </p:pic>
+      <p:pic>
+        <p:nvPicPr>
+          <p:cNvPr id="9" name="Picture 8" descr="Chart, bar chart&#10;&#10;Description automatically generated">
+            <a:extLst>
+              <a:ext uri="{FF2B5EF4-FFF2-40B4-BE49-F238E27FC236}">
+                <a16:creationId xmlns:a16="http://schemas.microsoft.com/office/drawing/2014/main" id="{BB584EBB-AC4D-4DFD-9773-E79DFA9A878C}"/>
+              </a:ext>
+            </a:extLst>
+          </p:cNvPr>
+          <p:cNvPicPr>
+            <a:picLocks noChangeAspect="1"/>
+          </p:cNvPicPr>
+          <p:nvPr/>
+        </p:nvPicPr>
+        <p:blipFill>
+          <a:blip r:embed="rId4">
+            <a:extLst>
+              <a:ext uri="{28A0092B-C50C-407E-A947-70E740481C1C}">
+                <a14:useLocalDpi xmlns:a14="http://schemas.microsoft.com/office/drawing/2010/main" val="0"/>
+              </a:ext>
+            </a:extLst>
+          </a:blip>
+          <a:stretch>
+            <a:fillRect/>
+          </a:stretch>
+        </p:blipFill>
+        <p:spPr>
+          <a:xfrm>
+            <a:off x="-31200" y="1400645"/>
+            <a:ext cx="3974400" cy="2649600"/>
+          </a:xfrm>
+          <a:prstGeom prst="rect">
+            <a:avLst/>
+          </a:prstGeom>
+        </p:spPr>
+      </p:pic>
+      <p:pic>
+        <p:nvPicPr>
+          <p:cNvPr id="4" name="Picture 3" descr="Chart, bar chart&#10;&#10;Description automatically generated">
+            <a:extLst>
+              <a:ext uri="{FF2B5EF4-FFF2-40B4-BE49-F238E27FC236}">
+                <a16:creationId xmlns:a16="http://schemas.microsoft.com/office/drawing/2014/main" id="{BB8A0F11-2588-492E-91BF-49C0AB6EEFFC}"/>
+              </a:ext>
+            </a:extLst>
+          </p:cNvPr>
+          <p:cNvPicPr>
+            <a:picLocks noChangeAspect="1"/>
+          </p:cNvPicPr>
+          <p:nvPr/>
+        </p:nvPicPr>
+        <p:blipFill>
+          <a:blip r:embed="rId5">
+            <a:extLst>
+              <a:ext uri="{28A0092B-C50C-407E-A947-70E740481C1C}">
+                <a14:useLocalDpi xmlns:a14="http://schemas.microsoft.com/office/drawing/2010/main" val="0"/>
+              </a:ext>
+            </a:extLst>
+          </a:blip>
+          <a:stretch>
+            <a:fillRect/>
+          </a:stretch>
+        </p:blipFill>
+        <p:spPr>
+          <a:xfrm>
+            <a:off x="-54900" y="4208400"/>
+            <a:ext cx="3974400" cy="2649600"/>
+          </a:xfrm>
+          <a:prstGeom prst="rect">
+            <a:avLst/>
+          </a:prstGeom>
+        </p:spPr>
+      </p:pic>
+      <p:pic>
+        <p:nvPicPr>
+          <p:cNvPr id="8" name="Picture 7" descr="Chart&#10;&#10;Description automatically generated">
+            <a:extLst>
+              <a:ext uri="{FF2B5EF4-FFF2-40B4-BE49-F238E27FC236}">
+                <a16:creationId xmlns:a16="http://schemas.microsoft.com/office/drawing/2014/main" id="{B47699E6-53C5-4754-8A17-A79499810B5A}"/>
+              </a:ext>
+            </a:extLst>
+          </p:cNvPr>
+          <p:cNvPicPr>
+            <a:picLocks noChangeAspect="1"/>
+          </p:cNvPicPr>
+          <p:nvPr/>
+        </p:nvPicPr>
+        <p:blipFill>
+          <a:blip r:embed="rId6">
+            <a:extLst>
+              <a:ext uri="{28A0092B-C50C-407E-A947-70E740481C1C}">
+                <a14:useLocalDpi xmlns:a14="http://schemas.microsoft.com/office/drawing/2010/main" val="0"/>
+              </a:ext>
+            </a:extLst>
+          </a:blip>
+          <a:stretch>
+            <a:fillRect/>
+          </a:stretch>
+        </p:blipFill>
+        <p:spPr>
+          <a:xfrm>
+            <a:off x="7917599" y="4149429"/>
+            <a:ext cx="3974401" cy="2649601"/>
+          </a:xfrm>
+          <a:prstGeom prst="rect">
+            <a:avLst/>
+          </a:prstGeom>
+        </p:spPr>
+      </p:pic>
+      <p:pic>
+        <p:nvPicPr>
+          <p:cNvPr id="11" name="Picture 10" descr="Chart, scatter chart&#10;&#10;Description automatically generated">
+            <a:extLst>
+              <a:ext uri="{FF2B5EF4-FFF2-40B4-BE49-F238E27FC236}">
+                <a16:creationId xmlns:a16="http://schemas.microsoft.com/office/drawing/2014/main" id="{BD09E41D-0F84-4C72-A5A8-70D8A50355B4}"/>
+              </a:ext>
+            </a:extLst>
+          </p:cNvPr>
+          <p:cNvPicPr>
+            <a:picLocks noChangeAspect="1"/>
+          </p:cNvPicPr>
+          <p:nvPr/>
+        </p:nvPicPr>
+        <p:blipFill>
+          <a:blip r:embed="rId7">
+            <a:extLst>
+              <a:ext uri="{28A0092B-C50C-407E-A947-70E740481C1C}">
+                <a14:useLocalDpi xmlns:a14="http://schemas.microsoft.com/office/drawing/2010/main" val="0"/>
+              </a:ext>
+            </a:extLst>
+          </a:blip>
+          <a:stretch>
+            <a:fillRect/>
+          </a:stretch>
+        </p:blipFill>
+        <p:spPr>
+          <a:xfrm>
+            <a:off x="3943200" y="4208400"/>
+            <a:ext cx="3974400" cy="2649600"/>
+          </a:xfrm>
+          <a:prstGeom prst="rect">
+            <a:avLst/>
+          </a:prstGeom>
+        </p:spPr>
+      </p:pic>
+    </p:spTree>
+    <p:extLst>
+      <p:ext uri="{BB962C8B-B14F-4D97-AF65-F5344CB8AC3E}">
+        <p14:creationId xmlns:p14="http://schemas.microsoft.com/office/powerpoint/2010/main" val="3134885709"/>
+      </p:ext>
+    </p:extLst>
+  </p:cSld>
+  <p:clrMapOvr>
+    <a:masterClrMapping/>
+  </p:clrMapOvr>
+</p:sld>
+</file>
+
+<file path=ppt/slides/slide5.xml><?xml version="1.0" encoding="utf-8"?>
+<p:sld xmlns:a="http://schemas.openxmlformats.org/drawingml/2006/main" xmlns:r="http://schemas.openxmlformats.org/officeDocument/2006/relationships" xmlns:p="http://schemas.openxmlformats.org/presentationml/2006/main">
+  <p:cSld>
+    <p:spTree>
+      <p:nvGrpSpPr>
+        <p:cNvPr id="1" name=""/>
+        <p:cNvGrpSpPr/>
+        <p:nvPr/>
+      </p:nvGrpSpPr>
+      <p:grpSpPr>
+        <a:xfrm>
+          <a:off x="0" y="0"/>
+          <a:ext cx="0" cy="0"/>
+          <a:chOff x="0" y="0"/>
+          <a:chExt cx="0" cy="0"/>
+        </a:xfrm>
+      </p:grpSpPr>
+      <p:sp>
+        <p:nvSpPr>
+          <p:cNvPr id="2" name="Title 1">
+            <a:extLst>
+              <a:ext uri="{FF2B5EF4-FFF2-40B4-BE49-F238E27FC236}">
+                <a16:creationId xmlns:a16="http://schemas.microsoft.com/office/drawing/2014/main" id="{E038D4C9-F9C1-410B-935A-0A4A634BC779}"/>
+              </a:ext>
+            </a:extLst>
+          </p:cNvPr>
+          <p:cNvSpPr>
+            <a:spLocks noGrp="1"/>
+          </p:cNvSpPr>
+          <p:nvPr>
+            <p:ph type="title"/>
+          </p:nvPr>
+        </p:nvSpPr>
+        <p:spPr/>
+        <p:txBody>
+          <a:bodyPr/>
+          <a:lstStyle/>
+          <a:p>
+            <a:r>
+              <a:rPr lang="de-DE" dirty="0"/>
+              <a:t>SVM</a:t>
+            </a:r>
+          </a:p>
+        </p:txBody>
+      </p:sp>
+      <p:pic>
+        <p:nvPicPr>
+          <p:cNvPr id="12" name="Picture 11" descr="Chart, line chart&#10;&#10;Description automatically generated">
+            <a:extLst>
+              <a:ext uri="{FF2B5EF4-FFF2-40B4-BE49-F238E27FC236}">
+                <a16:creationId xmlns:a16="http://schemas.microsoft.com/office/drawing/2014/main" id="{F7733C81-02A6-4635-8CB2-B18A21AC35E5}"/>
+              </a:ext>
+            </a:extLst>
+          </p:cNvPr>
+          <p:cNvPicPr>
+            <a:picLocks noChangeAspect="1"/>
+          </p:cNvPicPr>
+          <p:nvPr/>
+        </p:nvPicPr>
+        <p:blipFill>
+          <a:blip r:embed="rId2">
+            <a:extLst>
+              <a:ext uri="{28A0092B-C50C-407E-A947-70E740481C1C}">
+                <a14:useLocalDpi xmlns:a14="http://schemas.microsoft.com/office/drawing/2010/main" val="0"/>
+              </a:ext>
+            </a:extLst>
+          </a:blip>
+          <a:stretch>
+            <a:fillRect/>
+          </a:stretch>
+        </p:blipFill>
+        <p:spPr>
+          <a:xfrm>
+            <a:off x="8217600" y="1461185"/>
+            <a:ext cx="3974400" cy="2649600"/>
+          </a:xfrm>
+          <a:prstGeom prst="rect">
+            <a:avLst/>
+          </a:prstGeom>
+        </p:spPr>
+      </p:pic>
+      <p:pic>
+        <p:nvPicPr>
+          <p:cNvPr id="14" name="Picture 13" descr="A picture containing polygon&#10;&#10;Description automatically generated">
+            <a:extLst>
+              <a:ext uri="{FF2B5EF4-FFF2-40B4-BE49-F238E27FC236}">
+                <a16:creationId xmlns:a16="http://schemas.microsoft.com/office/drawing/2014/main" id="{7E9DB5D6-C468-44F5-8E4D-617FDFBD1065}"/>
+              </a:ext>
+            </a:extLst>
+          </p:cNvPr>
+          <p:cNvPicPr>
+            <a:picLocks noChangeAspect="1"/>
+          </p:cNvPicPr>
+          <p:nvPr/>
+        </p:nvPicPr>
+        <p:blipFill>
+          <a:blip r:embed="rId3">
+            <a:extLst>
+              <a:ext uri="{28A0092B-C50C-407E-A947-70E740481C1C}">
+                <a14:useLocalDpi xmlns:a14="http://schemas.microsoft.com/office/drawing/2010/main" val="0"/>
+              </a:ext>
+            </a:extLst>
+          </a:blip>
+          <a:stretch>
+            <a:fillRect/>
+          </a:stretch>
+        </p:blipFill>
+        <p:spPr>
+          <a:xfrm>
+            <a:off x="4243200" y="1458637"/>
+            <a:ext cx="3974400" cy="2649600"/>
+          </a:xfrm>
+          <a:prstGeom prst="rect">
+            <a:avLst/>
+          </a:prstGeom>
+        </p:spPr>
+      </p:pic>
+      <p:pic>
+        <p:nvPicPr>
+          <p:cNvPr id="16" name="Picture 15" descr="Chart, histogram&#10;&#10;Description automatically generated">
+            <a:extLst>
+              <a:ext uri="{FF2B5EF4-FFF2-40B4-BE49-F238E27FC236}">
+                <a16:creationId xmlns:a16="http://schemas.microsoft.com/office/drawing/2014/main" id="{28A121B8-4DD6-4FF1-B4E0-C443B601020F}"/>
+              </a:ext>
+            </a:extLst>
+          </p:cNvPr>
+          <p:cNvPicPr>
+            <a:picLocks noChangeAspect="1"/>
+          </p:cNvPicPr>
+          <p:nvPr/>
+        </p:nvPicPr>
+        <p:blipFill>
+          <a:blip r:embed="rId4">
+            <a:extLst>
+              <a:ext uri="{28A0092B-C50C-407E-A947-70E740481C1C}">
+                <a14:useLocalDpi xmlns:a14="http://schemas.microsoft.com/office/drawing/2010/main" val="0"/>
+              </a:ext>
+            </a:extLst>
+          </a:blip>
+          <a:stretch>
+            <a:fillRect/>
+          </a:stretch>
+        </p:blipFill>
+        <p:spPr>
+          <a:xfrm>
+            <a:off x="268800" y="1458637"/>
+            <a:ext cx="3974400" cy="2649600"/>
+          </a:xfrm>
+          <a:prstGeom prst="rect">
+            <a:avLst/>
+          </a:prstGeom>
+        </p:spPr>
+      </p:pic>
+      <p:pic>
+        <p:nvPicPr>
+          <p:cNvPr id="18" name="Picture 17" descr="Chart, scatter chart&#10;&#10;Description automatically generated">
+            <a:extLst>
+              <a:ext uri="{FF2B5EF4-FFF2-40B4-BE49-F238E27FC236}">
+                <a16:creationId xmlns:a16="http://schemas.microsoft.com/office/drawing/2014/main" id="{DC476E0E-BABE-4F83-9E0F-39D9E2193342}"/>
+              </a:ext>
+            </a:extLst>
+          </p:cNvPr>
+          <p:cNvPicPr>
+            <a:picLocks noChangeAspect="1"/>
+          </p:cNvPicPr>
+          <p:nvPr/>
+        </p:nvPicPr>
+        <p:blipFill>
+          <a:blip r:embed="rId5">
+            <a:extLst>
+              <a:ext uri="{28A0092B-C50C-407E-A947-70E740481C1C}">
+                <a14:useLocalDpi xmlns:a14="http://schemas.microsoft.com/office/drawing/2010/main" val="0"/>
+              </a:ext>
+            </a:extLst>
+          </a:blip>
+          <a:stretch>
+            <a:fillRect/>
+          </a:stretch>
+        </p:blipFill>
+        <p:spPr>
+          <a:xfrm>
+            <a:off x="4217800" y="4108237"/>
+            <a:ext cx="3974400" cy="2649600"/>
+          </a:xfrm>
+          <a:prstGeom prst="rect">
+            <a:avLst/>
+          </a:prstGeom>
+        </p:spPr>
+      </p:pic>
+      <p:pic>
+        <p:nvPicPr>
+          <p:cNvPr id="20" name="Picture 19" descr="Chart, histogram&#10;&#10;Description automatically generated">
+            <a:extLst>
+              <a:ext uri="{FF2B5EF4-FFF2-40B4-BE49-F238E27FC236}">
+                <a16:creationId xmlns:a16="http://schemas.microsoft.com/office/drawing/2014/main" id="{84AC2BF5-E442-4115-8B40-FC56E90AC970}"/>
+              </a:ext>
+            </a:extLst>
+          </p:cNvPr>
+          <p:cNvPicPr>
+            <a:picLocks noChangeAspect="1"/>
+          </p:cNvPicPr>
+          <p:nvPr/>
+        </p:nvPicPr>
+        <p:blipFill>
+          <a:blip r:embed="rId6">
+            <a:extLst>
+              <a:ext uri="{28A0092B-C50C-407E-A947-70E740481C1C}">
+                <a14:useLocalDpi xmlns:a14="http://schemas.microsoft.com/office/drawing/2010/main" val="0"/>
+              </a:ext>
+            </a:extLst>
+          </a:blip>
+          <a:stretch>
+            <a:fillRect/>
+          </a:stretch>
+        </p:blipFill>
+        <p:spPr>
+          <a:xfrm>
+            <a:off x="268800" y="4108237"/>
+            <a:ext cx="3974400" cy="2649600"/>
+          </a:xfrm>
+          <a:prstGeom prst="rect">
+            <a:avLst/>
+          </a:prstGeom>
+        </p:spPr>
+      </p:pic>
+      <p:pic>
+        <p:nvPicPr>
+          <p:cNvPr id="22" name="Picture 21" descr="A picture containing chart&#10;&#10;Description automatically generated">
+            <a:extLst>
+              <a:ext uri="{FF2B5EF4-FFF2-40B4-BE49-F238E27FC236}">
+                <a16:creationId xmlns:a16="http://schemas.microsoft.com/office/drawing/2014/main" id="{B8A6571F-BDE7-4169-A31C-06F6CB9C1471}"/>
+              </a:ext>
+            </a:extLst>
+          </p:cNvPr>
+          <p:cNvPicPr>
+            <a:picLocks noChangeAspect="1"/>
+          </p:cNvPicPr>
+          <p:nvPr/>
+        </p:nvPicPr>
+        <p:blipFill>
+          <a:blip r:embed="rId7">
+            <a:extLst>
+              <a:ext uri="{28A0092B-C50C-407E-A947-70E740481C1C}">
+                <a14:useLocalDpi xmlns:a14="http://schemas.microsoft.com/office/drawing/2010/main" val="0"/>
+              </a:ext>
+            </a:extLst>
+          </a:blip>
+          <a:stretch>
+            <a:fillRect/>
+          </a:stretch>
+        </p:blipFill>
+        <p:spPr>
+          <a:xfrm>
+            <a:off x="8217600" y="4108237"/>
+            <a:ext cx="3974400" cy="2649600"/>
+          </a:xfrm>
+          <a:prstGeom prst="rect">
+            <a:avLst/>
+          </a:prstGeom>
+        </p:spPr>
+      </p:pic>
+    </p:spTree>
+    <p:extLst>
+      <p:ext uri="{BB962C8B-B14F-4D97-AF65-F5344CB8AC3E}">
+        <p14:creationId xmlns:p14="http://schemas.microsoft.com/office/powerpoint/2010/main" val="1801652871"/>
+      </p:ext>
+    </p:extLst>
+  </p:cSld>
+  <p:clrMapOvr>
+    <a:masterClrMapping/>
+  </p:clrMapOvr>
+</p:sld>
+</file>
+
+<file path=ppt/slides/slide6.xml><?xml version="1.0" encoding="utf-8"?>
+<p:sld xmlns:a="http://schemas.openxmlformats.org/drawingml/2006/main" xmlns:r="http://schemas.openxmlformats.org/officeDocument/2006/relationships" xmlns:p="http://schemas.openxmlformats.org/presentationml/2006/main">
+  <p:cSld>
+    <p:spTree>
+      <p:nvGrpSpPr>
+        <p:cNvPr id="1" name=""/>
+        <p:cNvGrpSpPr/>
+        <p:nvPr/>
+      </p:nvGrpSpPr>
+      <p:grpSpPr>
+        <a:xfrm>
+          <a:off x="0" y="0"/>
+          <a:ext cx="0" cy="0"/>
+          <a:chOff x="0" y="0"/>
+          <a:chExt cx="0" cy="0"/>
+        </a:xfrm>
+      </p:grpSpPr>
+      <p:sp>
+        <p:nvSpPr>
+          <p:cNvPr id="2" name="Title 1">
+            <a:extLst>
+              <a:ext uri="{FF2B5EF4-FFF2-40B4-BE49-F238E27FC236}">
+                <a16:creationId xmlns:a16="http://schemas.microsoft.com/office/drawing/2014/main" id="{E038D4C9-F9C1-410B-935A-0A4A634BC779}"/>
+              </a:ext>
+            </a:extLst>
+          </p:cNvPr>
+          <p:cNvSpPr>
+            <a:spLocks noGrp="1"/>
+          </p:cNvSpPr>
+          <p:nvPr>
+            <p:ph type="title"/>
+          </p:nvPr>
+        </p:nvSpPr>
+        <p:spPr/>
+        <p:txBody>
+          <a:bodyPr/>
+          <a:lstStyle/>
+          <a:p>
+            <a:r>
+              <a:rPr lang="de-DE" dirty="0"/>
               <a:t>NN</a:t>
             </a:r>
           </a:p>
@@ -5567,7 +6760,7 @@
 </p:sld>
 </file>
 
-<file path=ppt/slides/slide5.xml><?xml version="1.0" encoding="utf-8"?>
+<file path=ppt/slides/slide7.xml><?xml version="1.0" encoding="utf-8"?>
 <p:sld xmlns:a="http://schemas.openxmlformats.org/drawingml/2006/main" xmlns:r="http://schemas.openxmlformats.org/officeDocument/2006/relationships" xmlns:p="http://schemas.openxmlformats.org/presentationml/2006/main">
   <p:cSld>
     <p:spTree>

--- a/DDE_MachineLearning_Project/dde_results.pptx
+++ b/DDE_MachineLearning_Project/dde_results.pptx
@@ -12,6 +12,10 @@
     <p:sldId id="258" r:id="rId6"/>
     <p:sldId id="259" r:id="rId7"/>
     <p:sldId id="260" r:id="rId8"/>
+    <p:sldId id="263" r:id="rId9"/>
+    <p:sldId id="264" r:id="rId10"/>
+    <p:sldId id="265" r:id="rId11"/>
+    <p:sldId id="266" r:id="rId12"/>
   </p:sldIdLst>
   <p:sldSz cx="12192000" cy="6858000"/>
   <p:notesSz cx="6858000" cy="9144000"/>
@@ -278,7 +282,7 @@
           <a:p>
             <a:fld id="{888B5EAE-351F-4271-B2FC-4FD5B44EE96C}" type="datetimeFigureOut">
               <a:rPr lang="de-DE" smtClean="0"/>
-              <a:t>11.01.2022</a:t>
+              <a:t>18.01.2022</a:t>
             </a:fld>
             <a:endParaRPr lang="de-DE"/>
           </a:p>
@@ -478,7 +482,7 @@
           <a:p>
             <a:fld id="{888B5EAE-351F-4271-B2FC-4FD5B44EE96C}" type="datetimeFigureOut">
               <a:rPr lang="de-DE" smtClean="0"/>
-              <a:t>11.01.2022</a:t>
+              <a:t>18.01.2022</a:t>
             </a:fld>
             <a:endParaRPr lang="de-DE"/>
           </a:p>
@@ -688,7 +692,7 @@
           <a:p>
             <a:fld id="{888B5EAE-351F-4271-B2FC-4FD5B44EE96C}" type="datetimeFigureOut">
               <a:rPr lang="de-DE" smtClean="0"/>
-              <a:t>11.01.2022</a:t>
+              <a:t>18.01.2022</a:t>
             </a:fld>
             <a:endParaRPr lang="de-DE"/>
           </a:p>
@@ -888,7 +892,7 @@
           <a:p>
             <a:fld id="{888B5EAE-351F-4271-B2FC-4FD5B44EE96C}" type="datetimeFigureOut">
               <a:rPr lang="de-DE" smtClean="0"/>
-              <a:t>11.01.2022</a:t>
+              <a:t>18.01.2022</a:t>
             </a:fld>
             <a:endParaRPr lang="de-DE"/>
           </a:p>
@@ -1164,7 +1168,7 @@
           <a:p>
             <a:fld id="{888B5EAE-351F-4271-B2FC-4FD5B44EE96C}" type="datetimeFigureOut">
               <a:rPr lang="de-DE" smtClean="0"/>
-              <a:t>11.01.2022</a:t>
+              <a:t>18.01.2022</a:t>
             </a:fld>
             <a:endParaRPr lang="de-DE"/>
           </a:p>
@@ -1432,7 +1436,7 @@
           <a:p>
             <a:fld id="{888B5EAE-351F-4271-B2FC-4FD5B44EE96C}" type="datetimeFigureOut">
               <a:rPr lang="de-DE" smtClean="0"/>
-              <a:t>11.01.2022</a:t>
+              <a:t>18.01.2022</a:t>
             </a:fld>
             <a:endParaRPr lang="de-DE"/>
           </a:p>
@@ -1847,7 +1851,7 @@
           <a:p>
             <a:fld id="{888B5EAE-351F-4271-B2FC-4FD5B44EE96C}" type="datetimeFigureOut">
               <a:rPr lang="de-DE" smtClean="0"/>
-              <a:t>11.01.2022</a:t>
+              <a:t>18.01.2022</a:t>
             </a:fld>
             <a:endParaRPr lang="de-DE"/>
           </a:p>
@@ -1989,7 +1993,7 @@
           <a:p>
             <a:fld id="{888B5EAE-351F-4271-B2FC-4FD5B44EE96C}" type="datetimeFigureOut">
               <a:rPr lang="de-DE" smtClean="0"/>
-              <a:t>11.01.2022</a:t>
+              <a:t>18.01.2022</a:t>
             </a:fld>
             <a:endParaRPr lang="de-DE"/>
           </a:p>
@@ -2102,7 +2106,7 @@
           <a:p>
             <a:fld id="{888B5EAE-351F-4271-B2FC-4FD5B44EE96C}" type="datetimeFigureOut">
               <a:rPr lang="de-DE" smtClean="0"/>
-              <a:t>11.01.2022</a:t>
+              <a:t>18.01.2022</a:t>
             </a:fld>
             <a:endParaRPr lang="de-DE"/>
           </a:p>
@@ -2415,7 +2419,7 @@
           <a:p>
             <a:fld id="{888B5EAE-351F-4271-B2FC-4FD5B44EE96C}" type="datetimeFigureOut">
               <a:rPr lang="de-DE" smtClean="0"/>
-              <a:t>11.01.2022</a:t>
+              <a:t>18.01.2022</a:t>
             </a:fld>
             <a:endParaRPr lang="de-DE"/>
           </a:p>
@@ -2704,7 +2708,7 @@
           <a:p>
             <a:fld id="{888B5EAE-351F-4271-B2FC-4FD5B44EE96C}" type="datetimeFigureOut">
               <a:rPr lang="de-DE" smtClean="0"/>
-              <a:t>11.01.2022</a:t>
+              <a:t>18.01.2022</a:t>
             </a:fld>
             <a:endParaRPr lang="de-DE"/>
           </a:p>
@@ -2947,7 +2951,7 @@
           <a:p>
             <a:fld id="{888B5EAE-351F-4271-B2FC-4FD5B44EE96C}" type="datetimeFigureOut">
               <a:rPr lang="de-DE" smtClean="0"/>
-              <a:t>11.01.2022</a:t>
+              <a:t>18.01.2022</a:t>
             </a:fld>
             <a:endParaRPr lang="de-DE"/>
           </a:p>
@@ -4404,6 +4408,326 @@
 </p:sld>
 </file>
 
+<file path=ppt/slides/slide10.xml><?xml version="1.0" encoding="utf-8"?>
+<p:sld xmlns:a="http://schemas.openxmlformats.org/drawingml/2006/main" xmlns:r="http://schemas.openxmlformats.org/officeDocument/2006/relationships" xmlns:p="http://schemas.openxmlformats.org/presentationml/2006/main">
+  <p:cSld>
+    <p:spTree>
+      <p:nvGrpSpPr>
+        <p:cNvPr id="1" name=""/>
+        <p:cNvGrpSpPr/>
+        <p:nvPr/>
+      </p:nvGrpSpPr>
+      <p:grpSpPr>
+        <a:xfrm>
+          <a:off x="0" y="0"/>
+          <a:ext cx="0" cy="0"/>
+          <a:chOff x="0" y="0"/>
+          <a:chExt cx="0" cy="0"/>
+        </a:xfrm>
+      </p:grpSpPr>
+      <p:sp>
+        <p:nvSpPr>
+          <p:cNvPr id="9" name="Title 1">
+            <a:extLst>
+              <a:ext uri="{FF2B5EF4-FFF2-40B4-BE49-F238E27FC236}">
+                <a16:creationId xmlns:a16="http://schemas.microsoft.com/office/drawing/2014/main" id="{6090F1DA-2D9A-4133-BA4D-9720BF5A039A}"/>
+              </a:ext>
+            </a:extLst>
+          </p:cNvPr>
+          <p:cNvSpPr>
+            <a:spLocks noGrp="1"/>
+          </p:cNvSpPr>
+          <p:nvPr>
+            <p:ph type="title"/>
+          </p:nvPr>
+        </p:nvSpPr>
+        <p:spPr>
+          <a:xfrm>
+            <a:off x="465600" y="1110600"/>
+            <a:ext cx="5245507" cy="580088"/>
+          </a:xfrm>
+        </p:spPr>
+        <p:txBody>
+          <a:bodyPr>
+            <a:normAutofit/>
+          </a:bodyPr>
+          <a:lstStyle/>
+          <a:p>
+            <a:r>
+              <a:rPr lang="de-DE" sz="2400" dirty="0"/>
+              <a:t>Price </a:t>
+            </a:r>
+            <a:r>
+              <a:rPr lang="de-DE" sz="2400" dirty="0" err="1"/>
+              <a:t>change</a:t>
+            </a:r>
+            <a:r>
+              <a:rPr lang="de-DE" sz="2400" dirty="0"/>
+              <a:t> </a:t>
+            </a:r>
+            <a:r>
+              <a:rPr lang="de-DE" sz="2400" dirty="0" err="1"/>
+              <a:t>prediction</a:t>
+            </a:r>
+            <a:endParaRPr lang="de-DE" sz="2400" dirty="0"/>
+          </a:p>
+        </p:txBody>
+      </p:sp>
+      <p:pic>
+        <p:nvPicPr>
+          <p:cNvPr id="5" name="Picture 4" descr="Chart, histogram&#10;&#10;Description automatically generated">
+            <a:extLst>
+              <a:ext uri="{FF2B5EF4-FFF2-40B4-BE49-F238E27FC236}">
+                <a16:creationId xmlns:a16="http://schemas.microsoft.com/office/drawing/2014/main" id="{181AA2D8-A771-401B-A9B8-FAC46A5E9CCF}"/>
+              </a:ext>
+            </a:extLst>
+          </p:cNvPr>
+          <p:cNvPicPr>
+            <a:picLocks noChangeAspect="1"/>
+          </p:cNvPicPr>
+          <p:nvPr/>
+        </p:nvPicPr>
+        <p:blipFill>
+          <a:blip r:embed="rId2">
+            <a:extLst>
+              <a:ext uri="{28A0092B-C50C-407E-A947-70E740481C1C}">
+                <a14:useLocalDpi xmlns:a14="http://schemas.microsoft.com/office/drawing/2010/main" val="0"/>
+              </a:ext>
+            </a:extLst>
+          </a:blip>
+          <a:stretch>
+            <a:fillRect/>
+          </a:stretch>
+        </p:blipFill>
+        <p:spPr>
+          <a:xfrm>
+            <a:off x="465600" y="1690688"/>
+            <a:ext cx="5245507" cy="5102996"/>
+          </a:xfrm>
+          <a:prstGeom prst="rect">
+            <a:avLst/>
+          </a:prstGeom>
+        </p:spPr>
+      </p:pic>
+      <p:pic>
+        <p:nvPicPr>
+          <p:cNvPr id="13" name="Picture 12" descr="Chart, histogram&#10;&#10;Description automatically generated">
+            <a:extLst>
+              <a:ext uri="{FF2B5EF4-FFF2-40B4-BE49-F238E27FC236}">
+                <a16:creationId xmlns:a16="http://schemas.microsoft.com/office/drawing/2014/main" id="{A284EF99-2AF7-439B-B64F-CA004E26AADF}"/>
+              </a:ext>
+            </a:extLst>
+          </p:cNvPr>
+          <p:cNvPicPr>
+            <a:picLocks noChangeAspect="1"/>
+          </p:cNvPicPr>
+          <p:nvPr/>
+        </p:nvPicPr>
+        <p:blipFill>
+          <a:blip r:embed="rId3">
+            <a:extLst>
+              <a:ext uri="{28A0092B-C50C-407E-A947-70E740481C1C}">
+                <a14:useLocalDpi xmlns:a14="http://schemas.microsoft.com/office/drawing/2010/main" val="0"/>
+              </a:ext>
+            </a:extLst>
+          </a:blip>
+          <a:stretch>
+            <a:fillRect/>
+          </a:stretch>
+        </p:blipFill>
+        <p:spPr>
+          <a:xfrm>
+            <a:off x="6480893" y="1685345"/>
+            <a:ext cx="5245507" cy="5113682"/>
+          </a:xfrm>
+          <a:prstGeom prst="rect">
+            <a:avLst/>
+          </a:prstGeom>
+        </p:spPr>
+      </p:pic>
+      <p:sp>
+        <p:nvSpPr>
+          <p:cNvPr id="57" name="Title 1">
+            <a:extLst>
+              <a:ext uri="{FF2B5EF4-FFF2-40B4-BE49-F238E27FC236}">
+                <a16:creationId xmlns:a16="http://schemas.microsoft.com/office/drawing/2014/main" id="{E7217719-82D8-431E-90FA-313A7D0B7C08}"/>
+              </a:ext>
+            </a:extLst>
+          </p:cNvPr>
+          <p:cNvSpPr txBox="1">
+            <a:spLocks/>
+          </p:cNvSpPr>
+          <p:nvPr/>
+        </p:nvSpPr>
+        <p:spPr>
+          <a:xfrm>
+            <a:off x="6480893" y="1110600"/>
+            <a:ext cx="5245507" cy="580088"/>
+          </a:xfrm>
+          <a:prstGeom prst="rect">
+            <a:avLst/>
+          </a:prstGeom>
+        </p:spPr>
+        <p:txBody>
+          <a:bodyPr vert="horz" lIns="91440" tIns="45720" rIns="91440" bIns="45720" rtlCol="0" anchor="ctr">
+            <a:normAutofit/>
+          </a:bodyPr>
+          <a:lstStyle>
+            <a:lvl1pPr algn="l" defTabSz="914400" rtl="0" eaLnBrk="1" latinLnBrk="0" hangingPunct="1">
+              <a:lnSpc>
+                <a:spcPct val="90000"/>
+              </a:lnSpc>
+              <a:spcBef>
+                <a:spcPct val="0"/>
+              </a:spcBef>
+              <a:buNone/>
+              <a:defRPr sz="4400" kern="1200">
+                <a:solidFill>
+                  <a:schemeClr val="tx1"/>
+                </a:solidFill>
+                <a:latin typeface="+mj-lt"/>
+                <a:ea typeface="+mj-ea"/>
+                <a:cs typeface="+mj-cs"/>
+              </a:defRPr>
+            </a:lvl1pPr>
+          </a:lstStyle>
+          <a:p>
+            <a:r>
+              <a:rPr lang="de-DE" sz="2400" dirty="0" err="1"/>
+              <a:t>Actual</a:t>
+            </a:r>
+            <a:r>
+              <a:rPr lang="de-DE" sz="2400" dirty="0"/>
+              <a:t> </a:t>
+            </a:r>
+            <a:r>
+              <a:rPr lang="de-DE" sz="2400" dirty="0" err="1"/>
+              <a:t>price</a:t>
+            </a:r>
+            <a:r>
+              <a:rPr lang="de-DE" sz="2400" dirty="0"/>
+              <a:t> </a:t>
+            </a:r>
+            <a:r>
+              <a:rPr lang="de-DE" sz="2400" dirty="0" err="1"/>
+              <a:t>prediction</a:t>
+            </a:r>
+            <a:endParaRPr lang="de-DE" sz="2400" dirty="0"/>
+          </a:p>
+        </p:txBody>
+      </p:sp>
+    </p:spTree>
+    <p:extLst>
+      <p:ext uri="{BB962C8B-B14F-4D97-AF65-F5344CB8AC3E}">
+        <p14:creationId xmlns:p14="http://schemas.microsoft.com/office/powerpoint/2010/main" val="1444858414"/>
+      </p:ext>
+    </p:extLst>
+  </p:cSld>
+  <p:clrMapOvr>
+    <a:masterClrMapping/>
+  </p:clrMapOvr>
+</p:sld>
+</file>
+
+<file path=ppt/slides/slide11.xml><?xml version="1.0" encoding="utf-8"?>
+<p:sld xmlns:a="http://schemas.openxmlformats.org/drawingml/2006/main" xmlns:r="http://schemas.openxmlformats.org/officeDocument/2006/relationships" xmlns:p="http://schemas.openxmlformats.org/presentationml/2006/main">
+  <p:cSld>
+    <p:spTree>
+      <p:nvGrpSpPr>
+        <p:cNvPr id="1" name=""/>
+        <p:cNvGrpSpPr/>
+        <p:nvPr/>
+      </p:nvGrpSpPr>
+      <p:grpSpPr>
+        <a:xfrm>
+          <a:off x="0" y="0"/>
+          <a:ext cx="0" cy="0"/>
+          <a:chOff x="0" y="0"/>
+          <a:chExt cx="0" cy="0"/>
+        </a:xfrm>
+      </p:grpSpPr>
+      <p:sp>
+        <p:nvSpPr>
+          <p:cNvPr id="3" name="Title 2">
+            <a:extLst>
+              <a:ext uri="{FF2B5EF4-FFF2-40B4-BE49-F238E27FC236}">
+                <a16:creationId xmlns:a16="http://schemas.microsoft.com/office/drawing/2014/main" id="{94776DB0-CBD1-4101-A360-1E3E91812C99}"/>
+              </a:ext>
+            </a:extLst>
+          </p:cNvPr>
+          <p:cNvSpPr>
+            <a:spLocks noGrp="1"/>
+          </p:cNvSpPr>
+          <p:nvPr>
+            <p:ph type="title"/>
+          </p:nvPr>
+        </p:nvSpPr>
+        <p:spPr/>
+        <p:txBody>
+          <a:bodyPr/>
+          <a:lstStyle/>
+          <a:p>
+            <a:r>
+              <a:rPr lang="de-DE" dirty="0"/>
+              <a:t>Interim </a:t>
+            </a:r>
+            <a:r>
+              <a:rPr lang="de-DE" dirty="0" err="1"/>
+              <a:t>result</a:t>
+            </a:r>
+            <a:endParaRPr lang="de-DE" dirty="0"/>
+          </a:p>
+        </p:txBody>
+      </p:sp>
+      <p:pic>
+        <p:nvPicPr>
+          <p:cNvPr id="6" name="Picture 5" descr="Shape, arrow&#10;&#10;Description automatically generated">
+            <a:extLst>
+              <a:ext uri="{FF2B5EF4-FFF2-40B4-BE49-F238E27FC236}">
+                <a16:creationId xmlns:a16="http://schemas.microsoft.com/office/drawing/2014/main" id="{3128F2B3-9A47-45F7-9422-4FF866C1FE8D}"/>
+              </a:ext>
+            </a:extLst>
+          </p:cNvPr>
+          <p:cNvPicPr>
+            <a:picLocks noChangeAspect="1"/>
+          </p:cNvPicPr>
+          <p:nvPr/>
+        </p:nvPicPr>
+        <p:blipFill>
+          <a:blip r:embed="rId2">
+            <a:extLst>
+              <a:ext uri="{28A0092B-C50C-407E-A947-70E740481C1C}">
+                <a14:useLocalDpi xmlns:a14="http://schemas.microsoft.com/office/drawing/2010/main" val="0"/>
+              </a:ext>
+            </a:extLst>
+          </a:blip>
+          <a:stretch>
+            <a:fillRect/>
+          </a:stretch>
+        </p:blipFill>
+        <p:spPr>
+          <a:xfrm>
+            <a:off x="1408254" y="1773000"/>
+            <a:ext cx="9375492" cy="4869365"/>
+          </a:xfrm>
+          <a:prstGeom prst="rect">
+            <a:avLst/>
+          </a:prstGeom>
+        </p:spPr>
+      </p:pic>
+    </p:spTree>
+    <p:extLst>
+      <p:ext uri="{BB962C8B-B14F-4D97-AF65-F5344CB8AC3E}">
+        <p14:creationId xmlns:p14="http://schemas.microsoft.com/office/powerpoint/2010/main" val="1301179867"/>
+      </p:ext>
+    </p:extLst>
+  </p:cSld>
+  <p:clrMapOvr>
+    <a:masterClrMapping/>
+  </p:clrMapOvr>
+</p:sld>
+</file>
+
 <file path=ppt/slides/slide2.xml><?xml version="1.0" encoding="utf-8"?>
 <p:sld xmlns:a="http://schemas.openxmlformats.org/drawingml/2006/main" xmlns:r="http://schemas.openxmlformats.org/officeDocument/2006/relationships" xmlns:p="http://schemas.openxmlformats.org/presentationml/2006/main">
   <p:cSld>
@@ -6953,6 +7277,2760 @@
     <p:extLst>
       <p:ext uri="{BB962C8B-B14F-4D97-AF65-F5344CB8AC3E}">
         <p14:creationId xmlns:p14="http://schemas.microsoft.com/office/powerpoint/2010/main" val="3197493970"/>
+      </p:ext>
+    </p:extLst>
+  </p:cSld>
+  <p:clrMapOvr>
+    <a:masterClrMapping/>
+  </p:clrMapOvr>
+</p:sld>
+</file>
+
+<file path=ppt/slides/slide8.xml><?xml version="1.0" encoding="utf-8"?>
+<p:sld xmlns:a="http://schemas.openxmlformats.org/drawingml/2006/main" xmlns:r="http://schemas.openxmlformats.org/officeDocument/2006/relationships" xmlns:p="http://schemas.openxmlformats.org/presentationml/2006/main">
+  <p:cSld>
+    <p:spTree>
+      <p:nvGrpSpPr>
+        <p:cNvPr id="1" name=""/>
+        <p:cNvGrpSpPr/>
+        <p:nvPr/>
+      </p:nvGrpSpPr>
+      <p:grpSpPr>
+        <a:xfrm>
+          <a:off x="0" y="0"/>
+          <a:ext cx="0" cy="0"/>
+          <a:chOff x="0" y="0"/>
+          <a:chExt cx="0" cy="0"/>
+        </a:xfrm>
+      </p:grpSpPr>
+      <p:sp>
+        <p:nvSpPr>
+          <p:cNvPr id="9" name="Title 1">
+            <a:extLst>
+              <a:ext uri="{FF2B5EF4-FFF2-40B4-BE49-F238E27FC236}">
+                <a16:creationId xmlns:a16="http://schemas.microsoft.com/office/drawing/2014/main" id="{6090F1DA-2D9A-4133-BA4D-9720BF5A039A}"/>
+              </a:ext>
+            </a:extLst>
+          </p:cNvPr>
+          <p:cNvSpPr>
+            <a:spLocks noGrp="1"/>
+          </p:cNvSpPr>
+          <p:nvPr>
+            <p:ph type="title"/>
+          </p:nvPr>
+        </p:nvSpPr>
+        <p:spPr>
+          <a:xfrm>
+            <a:off x="838200" y="365125"/>
+            <a:ext cx="10515600" cy="1325563"/>
+          </a:xfrm>
+        </p:spPr>
+        <p:txBody>
+          <a:bodyPr/>
+          <a:lstStyle/>
+          <a:p>
+            <a:r>
+              <a:rPr lang="de-DE" dirty="0" err="1"/>
+              <a:t>Differencing</a:t>
+            </a:r>
+            <a:endParaRPr lang="de-DE" dirty="0"/>
+          </a:p>
+        </p:txBody>
+      </p:sp>
+      <p:pic>
+        <p:nvPicPr>
+          <p:cNvPr id="11" name="Picture 10" descr="Chart, line chart&#10;&#10;Description automatically generated">
+            <a:extLst>
+              <a:ext uri="{FF2B5EF4-FFF2-40B4-BE49-F238E27FC236}">
+                <a16:creationId xmlns:a16="http://schemas.microsoft.com/office/drawing/2014/main" id="{1EA78C1C-C605-4D98-B73A-DCAB36DEC1C3}"/>
+              </a:ext>
+            </a:extLst>
+          </p:cNvPr>
+          <p:cNvPicPr>
+            <a:picLocks noChangeAspect="1"/>
+          </p:cNvPicPr>
+          <p:nvPr/>
+        </p:nvPicPr>
+        <p:blipFill>
+          <a:blip r:embed="rId2">
+            <a:extLst>
+              <a:ext uri="{28A0092B-C50C-407E-A947-70E740481C1C}">
+                <a14:useLocalDpi xmlns:a14="http://schemas.microsoft.com/office/drawing/2010/main" val="0"/>
+              </a:ext>
+            </a:extLst>
+          </a:blip>
+          <a:stretch>
+            <a:fillRect/>
+          </a:stretch>
+        </p:blipFill>
+        <p:spPr>
+          <a:xfrm>
+            <a:off x="6145275" y="1690688"/>
+            <a:ext cx="6046725" cy="3374174"/>
+          </a:xfrm>
+          <a:prstGeom prst="rect">
+            <a:avLst/>
+          </a:prstGeom>
+        </p:spPr>
+      </p:pic>
+      <p:pic>
+        <p:nvPicPr>
+          <p:cNvPr id="13" name="Picture 12" descr="Chart, line chart&#10;&#10;Description automatically generated">
+            <a:extLst>
+              <a:ext uri="{FF2B5EF4-FFF2-40B4-BE49-F238E27FC236}">
+                <a16:creationId xmlns:a16="http://schemas.microsoft.com/office/drawing/2014/main" id="{92E29F0C-ED18-43D9-8463-57FABE9CAFCF}"/>
+              </a:ext>
+            </a:extLst>
+          </p:cNvPr>
+          <p:cNvPicPr>
+            <a:picLocks noChangeAspect="1"/>
+          </p:cNvPicPr>
+          <p:nvPr/>
+        </p:nvPicPr>
+        <p:blipFill>
+          <a:blip r:embed="rId3">
+            <a:extLst>
+              <a:ext uri="{28A0092B-C50C-407E-A947-70E740481C1C}">
+                <a14:useLocalDpi xmlns:a14="http://schemas.microsoft.com/office/drawing/2010/main" val="0"/>
+              </a:ext>
+            </a:extLst>
+          </a:blip>
+          <a:stretch>
+            <a:fillRect/>
+          </a:stretch>
+        </p:blipFill>
+        <p:spPr>
+          <a:xfrm>
+            <a:off x="0" y="1739792"/>
+            <a:ext cx="6046725" cy="3325070"/>
+          </a:xfrm>
+          <a:prstGeom prst="rect">
+            <a:avLst/>
+          </a:prstGeom>
+        </p:spPr>
+      </p:pic>
+    </p:spTree>
+    <p:extLst>
+      <p:ext uri="{BB962C8B-B14F-4D97-AF65-F5344CB8AC3E}">
+        <p14:creationId xmlns:p14="http://schemas.microsoft.com/office/powerpoint/2010/main" val="1854102921"/>
+      </p:ext>
+    </p:extLst>
+  </p:cSld>
+  <p:clrMapOvr>
+    <a:masterClrMapping/>
+  </p:clrMapOvr>
+</p:sld>
+</file>
+
+<file path=ppt/slides/slide9.xml><?xml version="1.0" encoding="utf-8"?>
+<p:sld xmlns:a="http://schemas.openxmlformats.org/drawingml/2006/main" xmlns:r="http://schemas.openxmlformats.org/officeDocument/2006/relationships" xmlns:p="http://schemas.openxmlformats.org/presentationml/2006/main">
+  <p:cSld>
+    <p:spTree>
+      <p:nvGrpSpPr>
+        <p:cNvPr id="1" name=""/>
+        <p:cNvGrpSpPr/>
+        <p:nvPr/>
+      </p:nvGrpSpPr>
+      <p:grpSpPr>
+        <a:xfrm>
+          <a:off x="0" y="0"/>
+          <a:ext cx="0" cy="0"/>
+          <a:chOff x="0" y="0"/>
+          <a:chExt cx="0" cy="0"/>
+        </a:xfrm>
+      </p:grpSpPr>
+      <p:sp>
+        <p:nvSpPr>
+          <p:cNvPr id="9" name="Title 1">
+            <a:extLst>
+              <a:ext uri="{FF2B5EF4-FFF2-40B4-BE49-F238E27FC236}">
+                <a16:creationId xmlns:a16="http://schemas.microsoft.com/office/drawing/2014/main" id="{6090F1DA-2D9A-4133-BA4D-9720BF5A039A}"/>
+              </a:ext>
+            </a:extLst>
+          </p:cNvPr>
+          <p:cNvSpPr>
+            <a:spLocks noGrp="1"/>
+          </p:cNvSpPr>
+          <p:nvPr>
+            <p:ph type="title"/>
+          </p:nvPr>
+        </p:nvSpPr>
+        <p:spPr>
+          <a:xfrm>
+            <a:off x="838200" y="365125"/>
+            <a:ext cx="10515600" cy="1325563"/>
+          </a:xfrm>
+        </p:spPr>
+        <p:txBody>
+          <a:bodyPr/>
+          <a:lstStyle/>
+          <a:p>
+            <a:r>
+              <a:rPr lang="de-DE" dirty="0" err="1"/>
+              <a:t>Differencing</a:t>
+            </a:r>
+            <a:endParaRPr lang="de-DE" dirty="0"/>
+          </a:p>
+        </p:txBody>
+      </p:sp>
+      <p:sp>
+        <p:nvSpPr>
+          <p:cNvPr id="2" name="Rectangle 1">
+            <a:extLst>
+              <a:ext uri="{FF2B5EF4-FFF2-40B4-BE49-F238E27FC236}">
+                <a16:creationId xmlns:a16="http://schemas.microsoft.com/office/drawing/2014/main" id="{78D8AE03-8E0D-43C3-9462-9A90FA7C202B}"/>
+              </a:ext>
+            </a:extLst>
+          </p:cNvPr>
+          <p:cNvSpPr/>
+          <p:nvPr/>
+        </p:nvSpPr>
+        <p:spPr>
+          <a:xfrm>
+            <a:off x="838200" y="2104200"/>
+            <a:ext cx="331200" cy="331200"/>
+          </a:xfrm>
+          <a:prstGeom prst="rect">
+            <a:avLst/>
+          </a:prstGeom>
+          <a:noFill/>
+          <a:ln>
+            <a:solidFill>
+              <a:schemeClr val="tx1"/>
+            </a:solidFill>
+          </a:ln>
+        </p:spPr>
+        <p:style>
+          <a:lnRef idx="2">
+            <a:schemeClr val="accent1">
+              <a:shade val="50000"/>
+            </a:schemeClr>
+          </a:lnRef>
+          <a:fillRef idx="1">
+            <a:schemeClr val="accent1"/>
+          </a:fillRef>
+          <a:effectRef idx="0">
+            <a:schemeClr val="accent1"/>
+          </a:effectRef>
+          <a:fontRef idx="minor">
+            <a:schemeClr val="lt1"/>
+          </a:fontRef>
+        </p:style>
+        <p:txBody>
+          <a:bodyPr rtlCol="0" anchor="ctr"/>
+          <a:lstStyle/>
+          <a:p>
+            <a:pPr algn="ctr"/>
+            <a:r>
+              <a:rPr lang="de-DE" sz="800" dirty="0">
+                <a:solidFill>
+                  <a:schemeClr val="tx1"/>
+                </a:solidFill>
+              </a:rPr>
+              <a:t>-48</a:t>
+            </a:r>
+          </a:p>
+        </p:txBody>
+      </p:sp>
+      <p:sp>
+        <p:nvSpPr>
+          <p:cNvPr id="6" name="Rectangle 5">
+            <a:extLst>
+              <a:ext uri="{FF2B5EF4-FFF2-40B4-BE49-F238E27FC236}">
+                <a16:creationId xmlns:a16="http://schemas.microsoft.com/office/drawing/2014/main" id="{7039B331-C1EE-4FA5-BC6A-38266B987988}"/>
+              </a:ext>
+            </a:extLst>
+          </p:cNvPr>
+          <p:cNvSpPr/>
+          <p:nvPr/>
+        </p:nvSpPr>
+        <p:spPr>
+          <a:xfrm>
+            <a:off x="1169400" y="2104200"/>
+            <a:ext cx="331200" cy="331200"/>
+          </a:xfrm>
+          <a:prstGeom prst="rect">
+            <a:avLst/>
+          </a:prstGeom>
+          <a:noFill/>
+          <a:ln>
+            <a:solidFill>
+              <a:schemeClr val="tx1"/>
+            </a:solidFill>
+          </a:ln>
+        </p:spPr>
+        <p:style>
+          <a:lnRef idx="2">
+            <a:schemeClr val="accent1">
+              <a:shade val="50000"/>
+            </a:schemeClr>
+          </a:lnRef>
+          <a:fillRef idx="1">
+            <a:schemeClr val="accent1"/>
+          </a:fillRef>
+          <a:effectRef idx="0">
+            <a:schemeClr val="accent1"/>
+          </a:effectRef>
+          <a:fontRef idx="minor">
+            <a:schemeClr val="lt1"/>
+          </a:fontRef>
+        </p:style>
+        <p:txBody>
+          <a:bodyPr rtlCol="0" anchor="ctr"/>
+          <a:lstStyle/>
+          <a:p>
+            <a:pPr algn="ctr"/>
+            <a:r>
+              <a:rPr lang="de-DE" sz="800" dirty="0">
+                <a:solidFill>
+                  <a:schemeClr val="tx1"/>
+                </a:solidFill>
+              </a:rPr>
+              <a:t>-47</a:t>
+            </a:r>
+          </a:p>
+        </p:txBody>
+      </p:sp>
+      <p:sp>
+        <p:nvSpPr>
+          <p:cNvPr id="7" name="Rectangle 6">
+            <a:extLst>
+              <a:ext uri="{FF2B5EF4-FFF2-40B4-BE49-F238E27FC236}">
+                <a16:creationId xmlns:a16="http://schemas.microsoft.com/office/drawing/2014/main" id="{366CFDD2-5E2A-4793-8DE2-186E35BE7C98}"/>
+              </a:ext>
+            </a:extLst>
+          </p:cNvPr>
+          <p:cNvSpPr/>
+          <p:nvPr/>
+        </p:nvSpPr>
+        <p:spPr>
+          <a:xfrm>
+            <a:off x="1500600" y="2104200"/>
+            <a:ext cx="331200" cy="331200"/>
+          </a:xfrm>
+          <a:prstGeom prst="rect">
+            <a:avLst/>
+          </a:prstGeom>
+          <a:noFill/>
+          <a:ln>
+            <a:solidFill>
+              <a:schemeClr val="tx1"/>
+            </a:solidFill>
+          </a:ln>
+        </p:spPr>
+        <p:style>
+          <a:lnRef idx="2">
+            <a:schemeClr val="accent1">
+              <a:shade val="50000"/>
+            </a:schemeClr>
+          </a:lnRef>
+          <a:fillRef idx="1">
+            <a:schemeClr val="accent1"/>
+          </a:fillRef>
+          <a:effectRef idx="0">
+            <a:schemeClr val="accent1"/>
+          </a:effectRef>
+          <a:fontRef idx="minor">
+            <a:schemeClr val="lt1"/>
+          </a:fontRef>
+        </p:style>
+        <p:txBody>
+          <a:bodyPr rtlCol="0" anchor="ctr"/>
+          <a:lstStyle/>
+          <a:p>
+            <a:pPr algn="ctr"/>
+            <a:r>
+              <a:rPr lang="de-DE" dirty="0">
+                <a:solidFill>
+                  <a:schemeClr val="tx1"/>
+                </a:solidFill>
+              </a:rPr>
+              <a:t>…</a:t>
+            </a:r>
+          </a:p>
+        </p:txBody>
+      </p:sp>
+      <p:sp>
+        <p:nvSpPr>
+          <p:cNvPr id="8" name="Rectangle 7">
+            <a:extLst>
+              <a:ext uri="{FF2B5EF4-FFF2-40B4-BE49-F238E27FC236}">
+                <a16:creationId xmlns:a16="http://schemas.microsoft.com/office/drawing/2014/main" id="{D83C1156-A0B3-412D-BFDF-33827F2C5DE1}"/>
+              </a:ext>
+            </a:extLst>
+          </p:cNvPr>
+          <p:cNvSpPr/>
+          <p:nvPr/>
+        </p:nvSpPr>
+        <p:spPr>
+          <a:xfrm>
+            <a:off x="1831800" y="2104200"/>
+            <a:ext cx="331200" cy="331200"/>
+          </a:xfrm>
+          <a:prstGeom prst="rect">
+            <a:avLst/>
+          </a:prstGeom>
+          <a:noFill/>
+          <a:ln>
+            <a:solidFill>
+              <a:schemeClr val="tx1"/>
+            </a:solidFill>
+          </a:ln>
+        </p:spPr>
+        <p:style>
+          <a:lnRef idx="2">
+            <a:schemeClr val="accent1">
+              <a:shade val="50000"/>
+            </a:schemeClr>
+          </a:lnRef>
+          <a:fillRef idx="1">
+            <a:schemeClr val="accent1"/>
+          </a:fillRef>
+          <a:effectRef idx="0">
+            <a:schemeClr val="accent1"/>
+          </a:effectRef>
+          <a:fontRef idx="minor">
+            <a:schemeClr val="lt1"/>
+          </a:fontRef>
+        </p:style>
+        <p:txBody>
+          <a:bodyPr rtlCol="0" anchor="ctr"/>
+          <a:lstStyle/>
+          <a:p>
+            <a:pPr algn="ctr"/>
+            <a:r>
+              <a:rPr lang="de-DE" sz="800" dirty="0">
+                <a:solidFill>
+                  <a:schemeClr val="tx1"/>
+                </a:solidFill>
+              </a:rPr>
+              <a:t>-2</a:t>
+            </a:r>
+          </a:p>
+        </p:txBody>
+      </p:sp>
+      <p:sp>
+        <p:nvSpPr>
+          <p:cNvPr id="10" name="Rectangle 9">
+            <a:extLst>
+              <a:ext uri="{FF2B5EF4-FFF2-40B4-BE49-F238E27FC236}">
+                <a16:creationId xmlns:a16="http://schemas.microsoft.com/office/drawing/2014/main" id="{FEC74591-FDF6-4E13-BFFB-1A3DE9043E87}"/>
+              </a:ext>
+            </a:extLst>
+          </p:cNvPr>
+          <p:cNvSpPr/>
+          <p:nvPr/>
+        </p:nvSpPr>
+        <p:spPr>
+          <a:xfrm>
+            <a:off x="2163000" y="2104200"/>
+            <a:ext cx="331200" cy="331200"/>
+          </a:xfrm>
+          <a:prstGeom prst="rect">
+            <a:avLst/>
+          </a:prstGeom>
+          <a:noFill/>
+          <a:ln>
+            <a:solidFill>
+              <a:schemeClr val="tx1"/>
+            </a:solidFill>
+          </a:ln>
+        </p:spPr>
+        <p:style>
+          <a:lnRef idx="2">
+            <a:schemeClr val="accent1">
+              <a:shade val="50000"/>
+            </a:schemeClr>
+          </a:lnRef>
+          <a:fillRef idx="1">
+            <a:schemeClr val="accent1"/>
+          </a:fillRef>
+          <a:effectRef idx="0">
+            <a:schemeClr val="accent1"/>
+          </a:effectRef>
+          <a:fontRef idx="minor">
+            <a:schemeClr val="lt1"/>
+          </a:fontRef>
+        </p:style>
+        <p:txBody>
+          <a:bodyPr rtlCol="0" anchor="ctr"/>
+          <a:lstStyle/>
+          <a:p>
+            <a:pPr algn="ctr"/>
+            <a:r>
+              <a:rPr lang="de-DE" sz="800" dirty="0">
+                <a:solidFill>
+                  <a:schemeClr val="tx1"/>
+                </a:solidFill>
+              </a:rPr>
+              <a:t>-1</a:t>
+            </a:r>
+          </a:p>
+        </p:txBody>
+      </p:sp>
+      <p:sp>
+        <p:nvSpPr>
+          <p:cNvPr id="12" name="Rectangle 11">
+            <a:extLst>
+              <a:ext uri="{FF2B5EF4-FFF2-40B4-BE49-F238E27FC236}">
+                <a16:creationId xmlns:a16="http://schemas.microsoft.com/office/drawing/2014/main" id="{B7766EDD-E815-4676-B178-00C154E10B53}"/>
+              </a:ext>
+            </a:extLst>
+          </p:cNvPr>
+          <p:cNvSpPr/>
+          <p:nvPr/>
+        </p:nvSpPr>
+        <p:spPr>
+          <a:xfrm>
+            <a:off x="2494200" y="2104200"/>
+            <a:ext cx="331200" cy="331200"/>
+          </a:xfrm>
+          <a:prstGeom prst="rect">
+            <a:avLst/>
+          </a:prstGeom>
+          <a:noFill/>
+          <a:ln>
+            <a:solidFill>
+              <a:srgbClr val="FF0000"/>
+            </a:solidFill>
+          </a:ln>
+        </p:spPr>
+        <p:style>
+          <a:lnRef idx="2">
+            <a:schemeClr val="accent1">
+              <a:shade val="50000"/>
+            </a:schemeClr>
+          </a:lnRef>
+          <a:fillRef idx="1">
+            <a:schemeClr val="accent1"/>
+          </a:fillRef>
+          <a:effectRef idx="0">
+            <a:schemeClr val="accent1"/>
+          </a:effectRef>
+          <a:fontRef idx="minor">
+            <a:schemeClr val="lt1"/>
+          </a:fontRef>
+        </p:style>
+        <p:txBody>
+          <a:bodyPr rtlCol="0" anchor="ctr"/>
+          <a:lstStyle/>
+          <a:p>
+            <a:pPr algn="ctr"/>
+            <a:r>
+              <a:rPr lang="de-DE" sz="800" dirty="0">
+                <a:solidFill>
+                  <a:schemeClr val="tx1"/>
+                </a:solidFill>
+              </a:rPr>
+              <a:t>0</a:t>
+            </a:r>
+          </a:p>
+        </p:txBody>
+      </p:sp>
+      <p:sp>
+        <p:nvSpPr>
+          <p:cNvPr id="14" name="Rectangle 13">
+            <a:extLst>
+              <a:ext uri="{FF2B5EF4-FFF2-40B4-BE49-F238E27FC236}">
+                <a16:creationId xmlns:a16="http://schemas.microsoft.com/office/drawing/2014/main" id="{5E2EA17F-19D7-48AB-8D05-E96711E1565F}"/>
+              </a:ext>
+            </a:extLst>
+          </p:cNvPr>
+          <p:cNvSpPr/>
+          <p:nvPr/>
+        </p:nvSpPr>
+        <p:spPr>
+          <a:xfrm>
+            <a:off x="2825400" y="2104200"/>
+            <a:ext cx="331200" cy="331200"/>
+          </a:xfrm>
+          <a:prstGeom prst="rect">
+            <a:avLst/>
+          </a:prstGeom>
+          <a:noFill/>
+          <a:ln>
+            <a:solidFill>
+              <a:srgbClr val="FF0000"/>
+            </a:solidFill>
+          </a:ln>
+        </p:spPr>
+        <p:style>
+          <a:lnRef idx="2">
+            <a:schemeClr val="accent1">
+              <a:shade val="50000"/>
+            </a:schemeClr>
+          </a:lnRef>
+          <a:fillRef idx="1">
+            <a:schemeClr val="accent1"/>
+          </a:fillRef>
+          <a:effectRef idx="0">
+            <a:schemeClr val="accent1"/>
+          </a:effectRef>
+          <a:fontRef idx="minor">
+            <a:schemeClr val="lt1"/>
+          </a:fontRef>
+        </p:style>
+        <p:txBody>
+          <a:bodyPr rtlCol="0" anchor="ctr"/>
+          <a:lstStyle/>
+          <a:p>
+            <a:pPr algn="ctr"/>
+            <a:r>
+              <a:rPr lang="de-DE" sz="800" dirty="0">
+                <a:solidFill>
+                  <a:schemeClr val="tx1"/>
+                </a:solidFill>
+              </a:rPr>
+              <a:t>1</a:t>
+            </a:r>
+          </a:p>
+        </p:txBody>
+      </p:sp>
+      <p:sp>
+        <p:nvSpPr>
+          <p:cNvPr id="15" name="Rectangle 14">
+            <a:extLst>
+              <a:ext uri="{FF2B5EF4-FFF2-40B4-BE49-F238E27FC236}">
+                <a16:creationId xmlns:a16="http://schemas.microsoft.com/office/drawing/2014/main" id="{54683E3C-48BF-49E8-8B79-C534FF8DCCE2}"/>
+              </a:ext>
+            </a:extLst>
+          </p:cNvPr>
+          <p:cNvSpPr/>
+          <p:nvPr/>
+        </p:nvSpPr>
+        <p:spPr>
+          <a:xfrm>
+            <a:off x="3156600" y="2104200"/>
+            <a:ext cx="331200" cy="331200"/>
+          </a:xfrm>
+          <a:prstGeom prst="rect">
+            <a:avLst/>
+          </a:prstGeom>
+          <a:noFill/>
+          <a:ln>
+            <a:solidFill>
+              <a:srgbClr val="FF0000"/>
+            </a:solidFill>
+          </a:ln>
+        </p:spPr>
+        <p:style>
+          <a:lnRef idx="2">
+            <a:schemeClr val="accent1">
+              <a:shade val="50000"/>
+            </a:schemeClr>
+          </a:lnRef>
+          <a:fillRef idx="1">
+            <a:schemeClr val="accent1"/>
+          </a:fillRef>
+          <a:effectRef idx="0">
+            <a:schemeClr val="accent1"/>
+          </a:effectRef>
+          <a:fontRef idx="minor">
+            <a:schemeClr val="lt1"/>
+          </a:fontRef>
+        </p:style>
+        <p:txBody>
+          <a:bodyPr rtlCol="0" anchor="ctr"/>
+          <a:lstStyle/>
+          <a:p>
+            <a:pPr algn="ctr"/>
+            <a:r>
+              <a:rPr lang="de-DE" dirty="0">
+                <a:solidFill>
+                  <a:schemeClr val="tx1"/>
+                </a:solidFill>
+              </a:rPr>
+              <a:t>…</a:t>
+            </a:r>
+          </a:p>
+        </p:txBody>
+      </p:sp>
+      <p:sp>
+        <p:nvSpPr>
+          <p:cNvPr id="16" name="Rectangle 15">
+            <a:extLst>
+              <a:ext uri="{FF2B5EF4-FFF2-40B4-BE49-F238E27FC236}">
+                <a16:creationId xmlns:a16="http://schemas.microsoft.com/office/drawing/2014/main" id="{72343DA3-1F02-4D9E-A398-FB26A39AB25C}"/>
+              </a:ext>
+            </a:extLst>
+          </p:cNvPr>
+          <p:cNvSpPr/>
+          <p:nvPr/>
+        </p:nvSpPr>
+        <p:spPr>
+          <a:xfrm>
+            <a:off x="3487800" y="2104200"/>
+            <a:ext cx="331200" cy="331200"/>
+          </a:xfrm>
+          <a:prstGeom prst="rect">
+            <a:avLst/>
+          </a:prstGeom>
+          <a:noFill/>
+          <a:ln>
+            <a:solidFill>
+              <a:srgbClr val="FF0000"/>
+            </a:solidFill>
+          </a:ln>
+        </p:spPr>
+        <p:style>
+          <a:lnRef idx="2">
+            <a:schemeClr val="accent1">
+              <a:shade val="50000"/>
+            </a:schemeClr>
+          </a:lnRef>
+          <a:fillRef idx="1">
+            <a:schemeClr val="accent1"/>
+          </a:fillRef>
+          <a:effectRef idx="0">
+            <a:schemeClr val="accent1"/>
+          </a:effectRef>
+          <a:fontRef idx="minor">
+            <a:schemeClr val="lt1"/>
+          </a:fontRef>
+        </p:style>
+        <p:txBody>
+          <a:bodyPr rtlCol="0" anchor="ctr"/>
+          <a:lstStyle/>
+          <a:p>
+            <a:pPr algn="ctr"/>
+            <a:r>
+              <a:rPr lang="de-DE" sz="800" dirty="0">
+                <a:solidFill>
+                  <a:schemeClr val="tx1"/>
+                </a:solidFill>
+              </a:rPr>
+              <a:t>22</a:t>
+            </a:r>
+          </a:p>
+        </p:txBody>
+      </p:sp>
+      <p:sp>
+        <p:nvSpPr>
+          <p:cNvPr id="17" name="Rectangle 16">
+            <a:extLst>
+              <a:ext uri="{FF2B5EF4-FFF2-40B4-BE49-F238E27FC236}">
+                <a16:creationId xmlns:a16="http://schemas.microsoft.com/office/drawing/2014/main" id="{CC873CDA-2DBB-44A0-90E5-0D7EBDFF0D77}"/>
+              </a:ext>
+            </a:extLst>
+          </p:cNvPr>
+          <p:cNvSpPr/>
+          <p:nvPr/>
+        </p:nvSpPr>
+        <p:spPr>
+          <a:xfrm>
+            <a:off x="3819000" y="2104200"/>
+            <a:ext cx="331200" cy="331200"/>
+          </a:xfrm>
+          <a:prstGeom prst="rect">
+            <a:avLst/>
+          </a:prstGeom>
+          <a:noFill/>
+          <a:ln>
+            <a:solidFill>
+              <a:srgbClr val="FF0000"/>
+            </a:solidFill>
+          </a:ln>
+        </p:spPr>
+        <p:style>
+          <a:lnRef idx="2">
+            <a:schemeClr val="accent1">
+              <a:shade val="50000"/>
+            </a:schemeClr>
+          </a:lnRef>
+          <a:fillRef idx="1">
+            <a:schemeClr val="accent1"/>
+          </a:fillRef>
+          <a:effectRef idx="0">
+            <a:schemeClr val="accent1"/>
+          </a:effectRef>
+          <a:fontRef idx="minor">
+            <a:schemeClr val="lt1"/>
+          </a:fontRef>
+        </p:style>
+        <p:txBody>
+          <a:bodyPr rtlCol="0" anchor="ctr"/>
+          <a:lstStyle/>
+          <a:p>
+            <a:pPr algn="ctr"/>
+            <a:r>
+              <a:rPr lang="de-DE" sz="800" dirty="0">
+                <a:solidFill>
+                  <a:schemeClr val="tx1"/>
+                </a:solidFill>
+              </a:rPr>
+              <a:t>23</a:t>
+            </a:r>
+          </a:p>
+        </p:txBody>
+      </p:sp>
+      <p:cxnSp>
+        <p:nvCxnSpPr>
+          <p:cNvPr id="4" name="Straight Arrow Connector 3">
+            <a:extLst>
+              <a:ext uri="{FF2B5EF4-FFF2-40B4-BE49-F238E27FC236}">
+                <a16:creationId xmlns:a16="http://schemas.microsoft.com/office/drawing/2014/main" id="{29ABC204-BC5E-437E-ADC6-08D2FD5DDC02}"/>
+              </a:ext>
+            </a:extLst>
+          </p:cNvPr>
+          <p:cNvCxnSpPr>
+            <a:cxnSpLocks/>
+          </p:cNvCxnSpPr>
+          <p:nvPr/>
+        </p:nvCxnSpPr>
+        <p:spPr>
+          <a:xfrm>
+            <a:off x="838200" y="1773000"/>
+            <a:ext cx="1656000" cy="0"/>
+          </a:xfrm>
+          <a:prstGeom prst="straightConnector1">
+            <a:avLst/>
+          </a:prstGeom>
+          <a:ln>
+            <a:solidFill>
+              <a:schemeClr val="tx1"/>
+            </a:solidFill>
+            <a:tailEnd type="triangle"/>
+          </a:ln>
+        </p:spPr>
+        <p:style>
+          <a:lnRef idx="1">
+            <a:schemeClr val="accent1"/>
+          </a:lnRef>
+          <a:fillRef idx="0">
+            <a:schemeClr val="accent1"/>
+          </a:fillRef>
+          <a:effectRef idx="0">
+            <a:schemeClr val="accent1"/>
+          </a:effectRef>
+          <a:fontRef idx="minor">
+            <a:schemeClr val="tx1"/>
+          </a:fontRef>
+        </p:style>
+      </p:cxnSp>
+      <p:cxnSp>
+        <p:nvCxnSpPr>
+          <p:cNvPr id="18" name="Straight Arrow Connector 17">
+            <a:extLst>
+              <a:ext uri="{FF2B5EF4-FFF2-40B4-BE49-F238E27FC236}">
+                <a16:creationId xmlns:a16="http://schemas.microsoft.com/office/drawing/2014/main" id="{B0BA2987-6B6F-445B-9F11-0E78D60CC536}"/>
+              </a:ext>
+            </a:extLst>
+          </p:cNvPr>
+          <p:cNvCxnSpPr>
+            <a:cxnSpLocks/>
+          </p:cNvCxnSpPr>
+          <p:nvPr/>
+        </p:nvCxnSpPr>
+        <p:spPr>
+          <a:xfrm flipH="1">
+            <a:off x="838200" y="1773000"/>
+            <a:ext cx="525000" cy="0"/>
+          </a:xfrm>
+          <a:prstGeom prst="straightConnector1">
+            <a:avLst/>
+          </a:prstGeom>
+          <a:ln>
+            <a:solidFill>
+              <a:schemeClr val="tx1"/>
+            </a:solidFill>
+            <a:tailEnd type="triangle"/>
+          </a:ln>
+        </p:spPr>
+        <p:style>
+          <a:lnRef idx="1">
+            <a:schemeClr val="accent1"/>
+          </a:lnRef>
+          <a:fillRef idx="0">
+            <a:schemeClr val="accent1"/>
+          </a:fillRef>
+          <a:effectRef idx="0">
+            <a:schemeClr val="accent1"/>
+          </a:effectRef>
+          <a:fontRef idx="minor">
+            <a:schemeClr val="tx1"/>
+          </a:fontRef>
+        </p:style>
+      </p:cxnSp>
+      <p:cxnSp>
+        <p:nvCxnSpPr>
+          <p:cNvPr id="20" name="Straight Connector 19">
+            <a:extLst>
+              <a:ext uri="{FF2B5EF4-FFF2-40B4-BE49-F238E27FC236}">
+                <a16:creationId xmlns:a16="http://schemas.microsoft.com/office/drawing/2014/main" id="{AD9C1619-80D7-435F-A31E-19F8945DFC2C}"/>
+              </a:ext>
+            </a:extLst>
+          </p:cNvPr>
+          <p:cNvCxnSpPr>
+            <a:cxnSpLocks/>
+          </p:cNvCxnSpPr>
+          <p:nvPr/>
+        </p:nvCxnSpPr>
+        <p:spPr>
+          <a:xfrm flipV="1">
+            <a:off x="2494200" y="1690688"/>
+            <a:ext cx="0" cy="413512"/>
+          </a:xfrm>
+          <a:prstGeom prst="line">
+            <a:avLst/>
+          </a:prstGeom>
+          <a:ln w="12700">
+            <a:solidFill>
+              <a:schemeClr val="tx1"/>
+            </a:solidFill>
+          </a:ln>
+        </p:spPr>
+        <p:style>
+          <a:lnRef idx="1">
+            <a:schemeClr val="accent1"/>
+          </a:lnRef>
+          <a:fillRef idx="0">
+            <a:schemeClr val="accent1"/>
+          </a:fillRef>
+          <a:effectRef idx="0">
+            <a:schemeClr val="accent1"/>
+          </a:effectRef>
+          <a:fontRef idx="minor">
+            <a:schemeClr val="tx1"/>
+          </a:fontRef>
+        </p:style>
+      </p:cxnSp>
+      <p:cxnSp>
+        <p:nvCxnSpPr>
+          <p:cNvPr id="21" name="Straight Connector 20">
+            <a:extLst>
+              <a:ext uri="{FF2B5EF4-FFF2-40B4-BE49-F238E27FC236}">
+                <a16:creationId xmlns:a16="http://schemas.microsoft.com/office/drawing/2014/main" id="{44CF9ABA-7D1A-493C-B48A-4FCD9472D450}"/>
+              </a:ext>
+            </a:extLst>
+          </p:cNvPr>
+          <p:cNvCxnSpPr>
+            <a:cxnSpLocks/>
+          </p:cNvCxnSpPr>
+          <p:nvPr/>
+        </p:nvCxnSpPr>
+        <p:spPr>
+          <a:xfrm flipV="1">
+            <a:off x="838200" y="1690688"/>
+            <a:ext cx="0" cy="413512"/>
+          </a:xfrm>
+          <a:prstGeom prst="line">
+            <a:avLst/>
+          </a:prstGeom>
+          <a:ln w="12700">
+            <a:solidFill>
+              <a:schemeClr val="tx1"/>
+            </a:solidFill>
+          </a:ln>
+        </p:spPr>
+        <p:style>
+          <a:lnRef idx="1">
+            <a:schemeClr val="accent1"/>
+          </a:lnRef>
+          <a:fillRef idx="0">
+            <a:schemeClr val="accent1"/>
+          </a:fillRef>
+          <a:effectRef idx="0">
+            <a:schemeClr val="accent1"/>
+          </a:effectRef>
+          <a:fontRef idx="minor">
+            <a:schemeClr val="tx1"/>
+          </a:fontRef>
+        </p:style>
+      </p:cxnSp>
+      <p:sp>
+        <p:nvSpPr>
+          <p:cNvPr id="22" name="TextBox 21">
+            <a:extLst>
+              <a:ext uri="{FF2B5EF4-FFF2-40B4-BE49-F238E27FC236}">
+                <a16:creationId xmlns:a16="http://schemas.microsoft.com/office/drawing/2014/main" id="{0F237F40-40BE-4BE3-86DC-69423FF16619}"/>
+              </a:ext>
+            </a:extLst>
+          </p:cNvPr>
+          <p:cNvSpPr txBox="1"/>
+          <p:nvPr/>
+        </p:nvSpPr>
+        <p:spPr>
+          <a:xfrm>
+            <a:off x="1057106" y="1524532"/>
+            <a:ext cx="1226618" cy="246221"/>
+          </a:xfrm>
+          <a:prstGeom prst="rect">
+            <a:avLst/>
+          </a:prstGeom>
+          <a:noFill/>
+        </p:spPr>
+        <p:txBody>
+          <a:bodyPr wrap="square" rtlCol="0">
+            <a:spAutoFit/>
+          </a:bodyPr>
+          <a:lstStyle/>
+          <a:p>
+            <a:r>
+              <a:rPr lang="de-DE" sz="1000" dirty="0" err="1"/>
+              <a:t>Past</a:t>
+            </a:r>
+            <a:r>
+              <a:rPr lang="de-DE" sz="1000" dirty="0"/>
+              <a:t> </a:t>
+            </a:r>
+            <a:r>
+              <a:rPr lang="de-DE" sz="1000" dirty="0" err="1"/>
+              <a:t>difference</a:t>
+            </a:r>
+            <a:r>
+              <a:rPr lang="de-DE" sz="1000" dirty="0"/>
+              <a:t> </a:t>
+            </a:r>
+            <a:r>
+              <a:rPr lang="de-DE" sz="1000" dirty="0" err="1"/>
+              <a:t>data</a:t>
+            </a:r>
+            <a:endParaRPr lang="de-DE" sz="1000" dirty="0"/>
+          </a:p>
+        </p:txBody>
+      </p:sp>
+      <p:cxnSp>
+        <p:nvCxnSpPr>
+          <p:cNvPr id="23" name="Straight Arrow Connector 22">
+            <a:extLst>
+              <a:ext uri="{FF2B5EF4-FFF2-40B4-BE49-F238E27FC236}">
+                <a16:creationId xmlns:a16="http://schemas.microsoft.com/office/drawing/2014/main" id="{81EC9AEB-056D-4844-A898-68D2F914F12B}"/>
+              </a:ext>
+            </a:extLst>
+          </p:cNvPr>
+          <p:cNvCxnSpPr>
+            <a:cxnSpLocks/>
+          </p:cNvCxnSpPr>
+          <p:nvPr/>
+        </p:nvCxnSpPr>
+        <p:spPr>
+          <a:xfrm>
+            <a:off x="2493936" y="1775248"/>
+            <a:ext cx="1656000" cy="0"/>
+          </a:xfrm>
+          <a:prstGeom prst="straightConnector1">
+            <a:avLst/>
+          </a:prstGeom>
+          <a:ln>
+            <a:solidFill>
+              <a:schemeClr val="tx1"/>
+            </a:solidFill>
+            <a:tailEnd type="triangle"/>
+          </a:ln>
+        </p:spPr>
+        <p:style>
+          <a:lnRef idx="1">
+            <a:schemeClr val="accent1"/>
+          </a:lnRef>
+          <a:fillRef idx="0">
+            <a:schemeClr val="accent1"/>
+          </a:fillRef>
+          <a:effectRef idx="0">
+            <a:schemeClr val="accent1"/>
+          </a:effectRef>
+          <a:fontRef idx="minor">
+            <a:schemeClr val="tx1"/>
+          </a:fontRef>
+        </p:style>
+      </p:cxnSp>
+      <p:cxnSp>
+        <p:nvCxnSpPr>
+          <p:cNvPr id="24" name="Straight Connector 23">
+            <a:extLst>
+              <a:ext uri="{FF2B5EF4-FFF2-40B4-BE49-F238E27FC236}">
+                <a16:creationId xmlns:a16="http://schemas.microsoft.com/office/drawing/2014/main" id="{B1F34DD0-EEA9-4AFC-AD87-CE346F5599C2}"/>
+              </a:ext>
+            </a:extLst>
+          </p:cNvPr>
+          <p:cNvCxnSpPr>
+            <a:cxnSpLocks/>
+          </p:cNvCxnSpPr>
+          <p:nvPr/>
+        </p:nvCxnSpPr>
+        <p:spPr>
+          <a:xfrm flipV="1">
+            <a:off x="4149936" y="1692936"/>
+            <a:ext cx="0" cy="413512"/>
+          </a:xfrm>
+          <a:prstGeom prst="line">
+            <a:avLst/>
+          </a:prstGeom>
+          <a:ln w="12700">
+            <a:solidFill>
+              <a:schemeClr val="tx1"/>
+            </a:solidFill>
+          </a:ln>
+        </p:spPr>
+        <p:style>
+          <a:lnRef idx="1">
+            <a:schemeClr val="accent1"/>
+          </a:lnRef>
+          <a:fillRef idx="0">
+            <a:schemeClr val="accent1"/>
+          </a:fillRef>
+          <a:effectRef idx="0">
+            <a:schemeClr val="accent1"/>
+          </a:effectRef>
+          <a:fontRef idx="minor">
+            <a:schemeClr val="tx1"/>
+          </a:fontRef>
+        </p:style>
+      </p:cxnSp>
+      <p:cxnSp>
+        <p:nvCxnSpPr>
+          <p:cNvPr id="25" name="Straight Connector 24">
+            <a:extLst>
+              <a:ext uri="{FF2B5EF4-FFF2-40B4-BE49-F238E27FC236}">
+                <a16:creationId xmlns:a16="http://schemas.microsoft.com/office/drawing/2014/main" id="{29DA20F0-A8B3-425B-A999-47B4135A7674}"/>
+              </a:ext>
+            </a:extLst>
+          </p:cNvPr>
+          <p:cNvCxnSpPr>
+            <a:cxnSpLocks/>
+          </p:cNvCxnSpPr>
+          <p:nvPr/>
+        </p:nvCxnSpPr>
+        <p:spPr>
+          <a:xfrm flipV="1">
+            <a:off x="2493936" y="1692936"/>
+            <a:ext cx="0" cy="413512"/>
+          </a:xfrm>
+          <a:prstGeom prst="line">
+            <a:avLst/>
+          </a:prstGeom>
+          <a:ln w="12700">
+            <a:solidFill>
+              <a:schemeClr val="tx1"/>
+            </a:solidFill>
+          </a:ln>
+        </p:spPr>
+        <p:style>
+          <a:lnRef idx="1">
+            <a:schemeClr val="accent1"/>
+          </a:lnRef>
+          <a:fillRef idx="0">
+            <a:schemeClr val="accent1"/>
+          </a:fillRef>
+          <a:effectRef idx="0">
+            <a:schemeClr val="accent1"/>
+          </a:effectRef>
+          <a:fontRef idx="minor">
+            <a:schemeClr val="tx1"/>
+          </a:fontRef>
+        </p:style>
+      </p:cxnSp>
+      <p:sp>
+        <p:nvSpPr>
+          <p:cNvPr id="26" name="TextBox 25">
+            <a:extLst>
+              <a:ext uri="{FF2B5EF4-FFF2-40B4-BE49-F238E27FC236}">
+                <a16:creationId xmlns:a16="http://schemas.microsoft.com/office/drawing/2014/main" id="{8A9B0C58-55E8-4F8A-86CC-C851930D2DFC}"/>
+              </a:ext>
+            </a:extLst>
+          </p:cNvPr>
+          <p:cNvSpPr txBox="1"/>
+          <p:nvPr/>
+        </p:nvSpPr>
+        <p:spPr>
+          <a:xfrm>
+            <a:off x="2552334" y="1524531"/>
+            <a:ext cx="1539204" cy="246221"/>
+          </a:xfrm>
+          <a:prstGeom prst="rect">
+            <a:avLst/>
+          </a:prstGeom>
+          <a:noFill/>
+        </p:spPr>
+        <p:txBody>
+          <a:bodyPr wrap="square" rtlCol="0">
+            <a:spAutoFit/>
+          </a:bodyPr>
+          <a:lstStyle/>
+          <a:p>
+            <a:r>
+              <a:rPr lang="de-DE" sz="1000" dirty="0" err="1"/>
+              <a:t>Prediction</a:t>
+            </a:r>
+            <a:r>
+              <a:rPr lang="de-DE" sz="1000" dirty="0"/>
+              <a:t> </a:t>
+            </a:r>
+            <a:r>
+              <a:rPr lang="de-DE" sz="1000" dirty="0" err="1"/>
+              <a:t>difference</a:t>
+            </a:r>
+            <a:r>
+              <a:rPr lang="de-DE" sz="1000" dirty="0"/>
+              <a:t> </a:t>
+            </a:r>
+            <a:r>
+              <a:rPr lang="de-DE" sz="1000" dirty="0" err="1"/>
+              <a:t>data</a:t>
+            </a:r>
+            <a:endParaRPr lang="de-DE" sz="1000" dirty="0"/>
+          </a:p>
+        </p:txBody>
+      </p:sp>
+      <p:cxnSp>
+        <p:nvCxnSpPr>
+          <p:cNvPr id="27" name="Straight Arrow Connector 26">
+            <a:extLst>
+              <a:ext uri="{FF2B5EF4-FFF2-40B4-BE49-F238E27FC236}">
+                <a16:creationId xmlns:a16="http://schemas.microsoft.com/office/drawing/2014/main" id="{12C1A76F-6364-40F0-8786-FBD85653501B}"/>
+              </a:ext>
+            </a:extLst>
+          </p:cNvPr>
+          <p:cNvCxnSpPr>
+            <a:cxnSpLocks/>
+          </p:cNvCxnSpPr>
+          <p:nvPr/>
+        </p:nvCxnSpPr>
+        <p:spPr>
+          <a:xfrm flipH="1">
+            <a:off x="2493936" y="1773000"/>
+            <a:ext cx="524736" cy="0"/>
+          </a:xfrm>
+          <a:prstGeom prst="straightConnector1">
+            <a:avLst/>
+          </a:prstGeom>
+          <a:ln>
+            <a:solidFill>
+              <a:schemeClr val="tx1"/>
+            </a:solidFill>
+            <a:tailEnd type="triangle"/>
+          </a:ln>
+        </p:spPr>
+        <p:style>
+          <a:lnRef idx="1">
+            <a:schemeClr val="accent1"/>
+          </a:lnRef>
+          <a:fillRef idx="0">
+            <a:schemeClr val="accent1"/>
+          </a:fillRef>
+          <a:effectRef idx="0">
+            <a:schemeClr val="accent1"/>
+          </a:effectRef>
+          <a:fontRef idx="minor">
+            <a:schemeClr val="tx1"/>
+          </a:fontRef>
+        </p:style>
+      </p:cxnSp>
+      <p:sp>
+        <p:nvSpPr>
+          <p:cNvPr id="29" name="Rectangle 28">
+            <a:extLst>
+              <a:ext uri="{FF2B5EF4-FFF2-40B4-BE49-F238E27FC236}">
+                <a16:creationId xmlns:a16="http://schemas.microsoft.com/office/drawing/2014/main" id="{0CAF5869-3614-47CB-9745-1F3AEF3D7832}"/>
+              </a:ext>
+            </a:extLst>
+          </p:cNvPr>
+          <p:cNvSpPr/>
+          <p:nvPr/>
+        </p:nvSpPr>
+        <p:spPr>
+          <a:xfrm>
+            <a:off x="2504023" y="3180112"/>
+            <a:ext cx="331200" cy="331200"/>
+          </a:xfrm>
+          <a:prstGeom prst="rect">
+            <a:avLst/>
+          </a:prstGeom>
+          <a:noFill/>
+          <a:ln>
+            <a:solidFill>
+              <a:srgbClr val="FF0000"/>
+            </a:solidFill>
+          </a:ln>
+        </p:spPr>
+        <p:style>
+          <a:lnRef idx="2">
+            <a:schemeClr val="accent1">
+              <a:shade val="50000"/>
+            </a:schemeClr>
+          </a:lnRef>
+          <a:fillRef idx="1">
+            <a:schemeClr val="accent1"/>
+          </a:fillRef>
+          <a:effectRef idx="0">
+            <a:schemeClr val="accent1"/>
+          </a:effectRef>
+          <a:fontRef idx="minor">
+            <a:schemeClr val="lt1"/>
+          </a:fontRef>
+        </p:style>
+        <p:txBody>
+          <a:bodyPr rtlCol="0" anchor="ctr"/>
+          <a:lstStyle/>
+          <a:p>
+            <a:pPr algn="ctr"/>
+            <a:r>
+              <a:rPr lang="de-DE" sz="800" dirty="0">
+                <a:solidFill>
+                  <a:schemeClr val="tx1"/>
+                </a:solidFill>
+              </a:rPr>
+              <a:t>0</a:t>
+            </a:r>
+          </a:p>
+        </p:txBody>
+      </p:sp>
+      <p:sp>
+        <p:nvSpPr>
+          <p:cNvPr id="30" name="Rectangle 29">
+            <a:extLst>
+              <a:ext uri="{FF2B5EF4-FFF2-40B4-BE49-F238E27FC236}">
+                <a16:creationId xmlns:a16="http://schemas.microsoft.com/office/drawing/2014/main" id="{FF945390-E3C4-44E4-AB95-E580D5C6C8C6}"/>
+              </a:ext>
+            </a:extLst>
+          </p:cNvPr>
+          <p:cNvSpPr/>
+          <p:nvPr/>
+        </p:nvSpPr>
+        <p:spPr>
+          <a:xfrm>
+            <a:off x="2835223" y="3180112"/>
+            <a:ext cx="331200" cy="331200"/>
+          </a:xfrm>
+          <a:prstGeom prst="rect">
+            <a:avLst/>
+          </a:prstGeom>
+          <a:noFill/>
+          <a:ln>
+            <a:solidFill>
+              <a:srgbClr val="FF0000"/>
+            </a:solidFill>
+          </a:ln>
+        </p:spPr>
+        <p:style>
+          <a:lnRef idx="2">
+            <a:schemeClr val="accent1">
+              <a:shade val="50000"/>
+            </a:schemeClr>
+          </a:lnRef>
+          <a:fillRef idx="1">
+            <a:schemeClr val="accent1"/>
+          </a:fillRef>
+          <a:effectRef idx="0">
+            <a:schemeClr val="accent1"/>
+          </a:effectRef>
+          <a:fontRef idx="minor">
+            <a:schemeClr val="lt1"/>
+          </a:fontRef>
+        </p:style>
+        <p:txBody>
+          <a:bodyPr rtlCol="0" anchor="ctr"/>
+          <a:lstStyle/>
+          <a:p>
+            <a:pPr algn="ctr"/>
+            <a:r>
+              <a:rPr lang="de-DE" sz="800" dirty="0">
+                <a:solidFill>
+                  <a:schemeClr val="tx1"/>
+                </a:solidFill>
+              </a:rPr>
+              <a:t>1</a:t>
+            </a:r>
+          </a:p>
+        </p:txBody>
+      </p:sp>
+      <p:sp>
+        <p:nvSpPr>
+          <p:cNvPr id="31" name="Rectangle 30">
+            <a:extLst>
+              <a:ext uri="{FF2B5EF4-FFF2-40B4-BE49-F238E27FC236}">
+                <a16:creationId xmlns:a16="http://schemas.microsoft.com/office/drawing/2014/main" id="{CF270587-6A10-48AF-8A22-632B899E1AA9}"/>
+              </a:ext>
+            </a:extLst>
+          </p:cNvPr>
+          <p:cNvSpPr/>
+          <p:nvPr/>
+        </p:nvSpPr>
+        <p:spPr>
+          <a:xfrm>
+            <a:off x="3166423" y="3180112"/>
+            <a:ext cx="331200" cy="331200"/>
+          </a:xfrm>
+          <a:prstGeom prst="rect">
+            <a:avLst/>
+          </a:prstGeom>
+          <a:noFill/>
+          <a:ln>
+            <a:solidFill>
+              <a:srgbClr val="FF0000"/>
+            </a:solidFill>
+          </a:ln>
+        </p:spPr>
+        <p:style>
+          <a:lnRef idx="2">
+            <a:schemeClr val="accent1">
+              <a:shade val="50000"/>
+            </a:schemeClr>
+          </a:lnRef>
+          <a:fillRef idx="1">
+            <a:schemeClr val="accent1"/>
+          </a:fillRef>
+          <a:effectRef idx="0">
+            <a:schemeClr val="accent1"/>
+          </a:effectRef>
+          <a:fontRef idx="minor">
+            <a:schemeClr val="lt1"/>
+          </a:fontRef>
+        </p:style>
+        <p:txBody>
+          <a:bodyPr rtlCol="0" anchor="ctr"/>
+          <a:lstStyle/>
+          <a:p>
+            <a:pPr algn="ctr"/>
+            <a:r>
+              <a:rPr lang="de-DE" dirty="0">
+                <a:solidFill>
+                  <a:schemeClr val="tx1"/>
+                </a:solidFill>
+              </a:rPr>
+              <a:t>…</a:t>
+            </a:r>
+          </a:p>
+        </p:txBody>
+      </p:sp>
+      <p:sp>
+        <p:nvSpPr>
+          <p:cNvPr id="32" name="Rectangle 31">
+            <a:extLst>
+              <a:ext uri="{FF2B5EF4-FFF2-40B4-BE49-F238E27FC236}">
+                <a16:creationId xmlns:a16="http://schemas.microsoft.com/office/drawing/2014/main" id="{D32ED226-4415-4466-8A76-1118AC812D29}"/>
+              </a:ext>
+            </a:extLst>
+          </p:cNvPr>
+          <p:cNvSpPr/>
+          <p:nvPr/>
+        </p:nvSpPr>
+        <p:spPr>
+          <a:xfrm>
+            <a:off x="3497623" y="3180112"/>
+            <a:ext cx="331200" cy="331200"/>
+          </a:xfrm>
+          <a:prstGeom prst="rect">
+            <a:avLst/>
+          </a:prstGeom>
+          <a:noFill/>
+          <a:ln>
+            <a:solidFill>
+              <a:srgbClr val="FF0000"/>
+            </a:solidFill>
+          </a:ln>
+        </p:spPr>
+        <p:style>
+          <a:lnRef idx="2">
+            <a:schemeClr val="accent1">
+              <a:shade val="50000"/>
+            </a:schemeClr>
+          </a:lnRef>
+          <a:fillRef idx="1">
+            <a:schemeClr val="accent1"/>
+          </a:fillRef>
+          <a:effectRef idx="0">
+            <a:schemeClr val="accent1"/>
+          </a:effectRef>
+          <a:fontRef idx="minor">
+            <a:schemeClr val="lt1"/>
+          </a:fontRef>
+        </p:style>
+        <p:txBody>
+          <a:bodyPr rtlCol="0" anchor="ctr"/>
+          <a:lstStyle/>
+          <a:p>
+            <a:pPr algn="ctr"/>
+            <a:r>
+              <a:rPr lang="de-DE" sz="800" dirty="0">
+                <a:solidFill>
+                  <a:schemeClr val="tx1"/>
+                </a:solidFill>
+              </a:rPr>
+              <a:t>22</a:t>
+            </a:r>
+          </a:p>
+        </p:txBody>
+      </p:sp>
+      <p:sp>
+        <p:nvSpPr>
+          <p:cNvPr id="33" name="Rectangle 32">
+            <a:extLst>
+              <a:ext uri="{FF2B5EF4-FFF2-40B4-BE49-F238E27FC236}">
+                <a16:creationId xmlns:a16="http://schemas.microsoft.com/office/drawing/2014/main" id="{8EF2F260-FB46-4289-BBC2-8F35C8A46ADC}"/>
+              </a:ext>
+            </a:extLst>
+          </p:cNvPr>
+          <p:cNvSpPr/>
+          <p:nvPr/>
+        </p:nvSpPr>
+        <p:spPr>
+          <a:xfrm>
+            <a:off x="3828823" y="3180112"/>
+            <a:ext cx="331200" cy="331200"/>
+          </a:xfrm>
+          <a:prstGeom prst="rect">
+            <a:avLst/>
+          </a:prstGeom>
+          <a:noFill/>
+          <a:ln>
+            <a:solidFill>
+              <a:srgbClr val="FF0000"/>
+            </a:solidFill>
+          </a:ln>
+        </p:spPr>
+        <p:style>
+          <a:lnRef idx="2">
+            <a:schemeClr val="accent1">
+              <a:shade val="50000"/>
+            </a:schemeClr>
+          </a:lnRef>
+          <a:fillRef idx="1">
+            <a:schemeClr val="accent1"/>
+          </a:fillRef>
+          <a:effectRef idx="0">
+            <a:schemeClr val="accent1"/>
+          </a:effectRef>
+          <a:fontRef idx="minor">
+            <a:schemeClr val="lt1"/>
+          </a:fontRef>
+        </p:style>
+        <p:txBody>
+          <a:bodyPr rtlCol="0" anchor="ctr"/>
+          <a:lstStyle/>
+          <a:p>
+            <a:pPr algn="ctr"/>
+            <a:r>
+              <a:rPr lang="de-DE" sz="800" dirty="0">
+                <a:solidFill>
+                  <a:schemeClr val="tx1"/>
+                </a:solidFill>
+              </a:rPr>
+              <a:t>23</a:t>
+            </a:r>
+          </a:p>
+        </p:txBody>
+      </p:sp>
+      <p:cxnSp>
+        <p:nvCxnSpPr>
+          <p:cNvPr id="34" name="Straight Connector 33">
+            <a:extLst>
+              <a:ext uri="{FF2B5EF4-FFF2-40B4-BE49-F238E27FC236}">
+                <a16:creationId xmlns:a16="http://schemas.microsoft.com/office/drawing/2014/main" id="{DC323204-2048-47D2-B495-A6C8D3DCBBE3}"/>
+              </a:ext>
+            </a:extLst>
+          </p:cNvPr>
+          <p:cNvCxnSpPr>
+            <a:cxnSpLocks/>
+          </p:cNvCxnSpPr>
+          <p:nvPr/>
+        </p:nvCxnSpPr>
+        <p:spPr>
+          <a:xfrm flipV="1">
+            <a:off x="2174583" y="2766600"/>
+            <a:ext cx="0" cy="413512"/>
+          </a:xfrm>
+          <a:prstGeom prst="line">
+            <a:avLst/>
+          </a:prstGeom>
+          <a:ln w="12700">
+            <a:solidFill>
+              <a:schemeClr val="tx1"/>
+            </a:solidFill>
+          </a:ln>
+        </p:spPr>
+        <p:style>
+          <a:lnRef idx="1">
+            <a:schemeClr val="accent1"/>
+          </a:lnRef>
+          <a:fillRef idx="0">
+            <a:schemeClr val="accent1"/>
+          </a:fillRef>
+          <a:effectRef idx="0">
+            <a:schemeClr val="accent1"/>
+          </a:effectRef>
+          <a:fontRef idx="minor">
+            <a:schemeClr val="tx1"/>
+          </a:fontRef>
+        </p:style>
+      </p:cxnSp>
+      <p:cxnSp>
+        <p:nvCxnSpPr>
+          <p:cNvPr id="35" name="Straight Arrow Connector 34">
+            <a:extLst>
+              <a:ext uri="{FF2B5EF4-FFF2-40B4-BE49-F238E27FC236}">
+                <a16:creationId xmlns:a16="http://schemas.microsoft.com/office/drawing/2014/main" id="{4297CC48-2C5C-4742-BEA7-C94176056B5D}"/>
+              </a:ext>
+            </a:extLst>
+          </p:cNvPr>
+          <p:cNvCxnSpPr>
+            <a:cxnSpLocks/>
+          </p:cNvCxnSpPr>
+          <p:nvPr/>
+        </p:nvCxnSpPr>
+        <p:spPr>
+          <a:xfrm>
+            <a:off x="2172296" y="2851160"/>
+            <a:ext cx="1987463" cy="0"/>
+          </a:xfrm>
+          <a:prstGeom prst="straightConnector1">
+            <a:avLst/>
+          </a:prstGeom>
+          <a:ln>
+            <a:solidFill>
+              <a:schemeClr val="tx1"/>
+            </a:solidFill>
+            <a:tailEnd type="triangle"/>
+          </a:ln>
+        </p:spPr>
+        <p:style>
+          <a:lnRef idx="1">
+            <a:schemeClr val="accent1"/>
+          </a:lnRef>
+          <a:fillRef idx="0">
+            <a:schemeClr val="accent1"/>
+          </a:fillRef>
+          <a:effectRef idx="0">
+            <a:schemeClr val="accent1"/>
+          </a:effectRef>
+          <a:fontRef idx="minor">
+            <a:schemeClr val="tx1"/>
+          </a:fontRef>
+        </p:style>
+      </p:cxnSp>
+      <p:cxnSp>
+        <p:nvCxnSpPr>
+          <p:cNvPr id="36" name="Straight Connector 35">
+            <a:extLst>
+              <a:ext uri="{FF2B5EF4-FFF2-40B4-BE49-F238E27FC236}">
+                <a16:creationId xmlns:a16="http://schemas.microsoft.com/office/drawing/2014/main" id="{0898E8B3-ADEF-42E8-A9A8-04847680D816}"/>
+              </a:ext>
+            </a:extLst>
+          </p:cNvPr>
+          <p:cNvCxnSpPr>
+            <a:cxnSpLocks/>
+          </p:cNvCxnSpPr>
+          <p:nvPr/>
+        </p:nvCxnSpPr>
+        <p:spPr>
+          <a:xfrm flipV="1">
+            <a:off x="4159759" y="2768848"/>
+            <a:ext cx="0" cy="413512"/>
+          </a:xfrm>
+          <a:prstGeom prst="line">
+            <a:avLst/>
+          </a:prstGeom>
+          <a:ln w="12700">
+            <a:solidFill>
+              <a:schemeClr val="tx1"/>
+            </a:solidFill>
+          </a:ln>
+        </p:spPr>
+        <p:style>
+          <a:lnRef idx="1">
+            <a:schemeClr val="accent1"/>
+          </a:lnRef>
+          <a:fillRef idx="0">
+            <a:schemeClr val="accent1"/>
+          </a:fillRef>
+          <a:effectRef idx="0">
+            <a:schemeClr val="accent1"/>
+          </a:effectRef>
+          <a:fontRef idx="minor">
+            <a:schemeClr val="tx1"/>
+          </a:fontRef>
+        </p:style>
+      </p:cxnSp>
+      <p:sp>
+        <p:nvSpPr>
+          <p:cNvPr id="38" name="TextBox 37">
+            <a:extLst>
+              <a:ext uri="{FF2B5EF4-FFF2-40B4-BE49-F238E27FC236}">
+                <a16:creationId xmlns:a16="http://schemas.microsoft.com/office/drawing/2014/main" id="{DDD7F9D3-83AB-46A2-9762-0789B1140A0C}"/>
+              </a:ext>
+            </a:extLst>
+          </p:cNvPr>
+          <p:cNvSpPr txBox="1"/>
+          <p:nvPr/>
+        </p:nvSpPr>
+        <p:spPr>
+          <a:xfrm>
+            <a:off x="2486062" y="2613286"/>
+            <a:ext cx="1359668" cy="246221"/>
+          </a:xfrm>
+          <a:prstGeom prst="rect">
+            <a:avLst/>
+          </a:prstGeom>
+          <a:noFill/>
+        </p:spPr>
+        <p:txBody>
+          <a:bodyPr wrap="square" rtlCol="0">
+            <a:spAutoFit/>
+          </a:bodyPr>
+          <a:lstStyle/>
+          <a:p>
+            <a:r>
+              <a:rPr lang="de-DE" sz="1000" dirty="0" err="1"/>
+              <a:t>Cumulative</a:t>
+            </a:r>
+            <a:r>
+              <a:rPr lang="de-DE" sz="1000" dirty="0"/>
+              <a:t> </a:t>
+            </a:r>
+            <a:r>
+              <a:rPr lang="de-DE" sz="1000" dirty="0" err="1"/>
+              <a:t>sum</a:t>
+            </a:r>
+            <a:r>
+              <a:rPr lang="de-DE" sz="1000" dirty="0"/>
+              <a:t> </a:t>
+            </a:r>
+            <a:r>
+              <a:rPr lang="de-DE" sz="1000" dirty="0" err="1"/>
+              <a:t>of</a:t>
+            </a:r>
+            <a:r>
+              <a:rPr lang="de-DE" sz="1000" dirty="0"/>
+              <a:t> </a:t>
+            </a:r>
+            <a:r>
+              <a:rPr lang="de-DE" sz="1000" dirty="0" err="1"/>
+              <a:t>diff</a:t>
+            </a:r>
+            <a:endParaRPr lang="de-DE" sz="1000" dirty="0"/>
+          </a:p>
+        </p:txBody>
+      </p:sp>
+      <p:sp>
+        <p:nvSpPr>
+          <p:cNvPr id="40" name="Rectangle 39">
+            <a:extLst>
+              <a:ext uri="{FF2B5EF4-FFF2-40B4-BE49-F238E27FC236}">
+                <a16:creationId xmlns:a16="http://schemas.microsoft.com/office/drawing/2014/main" id="{CE8C27D9-92EB-4E68-BF39-0EEE2F127CF3}"/>
+              </a:ext>
+            </a:extLst>
+          </p:cNvPr>
+          <p:cNvSpPr/>
+          <p:nvPr/>
+        </p:nvSpPr>
+        <p:spPr>
+          <a:xfrm>
+            <a:off x="2172296" y="3180112"/>
+            <a:ext cx="331200" cy="331200"/>
+          </a:xfrm>
+          <a:prstGeom prst="rect">
+            <a:avLst/>
+          </a:prstGeom>
+          <a:noFill/>
+          <a:ln>
+            <a:solidFill>
+              <a:schemeClr val="tx1"/>
+            </a:solidFill>
+          </a:ln>
+        </p:spPr>
+        <p:style>
+          <a:lnRef idx="2">
+            <a:schemeClr val="accent1">
+              <a:shade val="50000"/>
+            </a:schemeClr>
+          </a:lnRef>
+          <a:fillRef idx="1">
+            <a:schemeClr val="accent1"/>
+          </a:fillRef>
+          <a:effectRef idx="0">
+            <a:schemeClr val="accent1"/>
+          </a:effectRef>
+          <a:fontRef idx="minor">
+            <a:schemeClr val="lt1"/>
+          </a:fontRef>
+        </p:style>
+        <p:txBody>
+          <a:bodyPr rtlCol="0" anchor="ctr"/>
+          <a:lstStyle/>
+          <a:p>
+            <a:pPr algn="ctr"/>
+            <a:r>
+              <a:rPr lang="de-DE" sz="800" dirty="0">
+                <a:solidFill>
+                  <a:schemeClr val="tx1"/>
+                </a:solidFill>
+              </a:rPr>
+              <a:t>-1</a:t>
+            </a:r>
+          </a:p>
+        </p:txBody>
+      </p:sp>
+      <p:cxnSp>
+        <p:nvCxnSpPr>
+          <p:cNvPr id="42" name="Straight Arrow Connector 41">
+            <a:extLst>
+              <a:ext uri="{FF2B5EF4-FFF2-40B4-BE49-F238E27FC236}">
+                <a16:creationId xmlns:a16="http://schemas.microsoft.com/office/drawing/2014/main" id="{13FB9B93-6C11-40CA-885E-CC73905468C3}"/>
+              </a:ext>
+            </a:extLst>
+          </p:cNvPr>
+          <p:cNvCxnSpPr>
+            <a:stCxn id="10" idx="2"/>
+            <a:endCxn id="40" idx="0"/>
+          </p:cNvCxnSpPr>
+          <p:nvPr/>
+        </p:nvCxnSpPr>
+        <p:spPr>
+          <a:xfrm>
+            <a:off x="2328600" y="2435400"/>
+            <a:ext cx="9296" cy="744712"/>
+          </a:xfrm>
+          <a:prstGeom prst="straightConnector1">
+            <a:avLst/>
+          </a:prstGeom>
+          <a:ln>
+            <a:solidFill>
+              <a:schemeClr val="tx1"/>
+            </a:solidFill>
+            <a:tailEnd type="triangle"/>
+          </a:ln>
+        </p:spPr>
+        <p:style>
+          <a:lnRef idx="1">
+            <a:schemeClr val="accent1"/>
+          </a:lnRef>
+          <a:fillRef idx="0">
+            <a:schemeClr val="accent1"/>
+          </a:fillRef>
+          <a:effectRef idx="0">
+            <a:schemeClr val="accent1"/>
+          </a:effectRef>
+          <a:fontRef idx="minor">
+            <a:schemeClr val="tx1"/>
+          </a:fontRef>
+        </p:style>
+      </p:cxnSp>
+      <p:sp>
+        <p:nvSpPr>
+          <p:cNvPr id="43" name="TextBox 42">
+            <a:extLst>
+              <a:ext uri="{FF2B5EF4-FFF2-40B4-BE49-F238E27FC236}">
+                <a16:creationId xmlns:a16="http://schemas.microsoft.com/office/drawing/2014/main" id="{CC1C66F3-E8C3-40AC-9E4D-3AD9309C969A}"/>
+              </a:ext>
+            </a:extLst>
+          </p:cNvPr>
+          <p:cNvSpPr txBox="1"/>
+          <p:nvPr/>
+        </p:nvSpPr>
+        <p:spPr>
+          <a:xfrm>
+            <a:off x="1286174" y="3203036"/>
+            <a:ext cx="902170" cy="276999"/>
+          </a:xfrm>
+          <a:prstGeom prst="rect">
+            <a:avLst/>
+          </a:prstGeom>
+          <a:noFill/>
+        </p:spPr>
+        <p:txBody>
+          <a:bodyPr wrap="square" rtlCol="0">
+            <a:spAutoFit/>
+          </a:bodyPr>
+          <a:lstStyle/>
+          <a:p>
+            <a:r>
+              <a:rPr lang="de-DE" sz="1200" dirty="0"/>
+              <a:t>Initial </a:t>
+            </a:r>
+            <a:r>
+              <a:rPr lang="de-DE" sz="1200" dirty="0" err="1"/>
+              <a:t>value</a:t>
+            </a:r>
+            <a:endParaRPr lang="de-DE" sz="1200" dirty="0"/>
+          </a:p>
+        </p:txBody>
+      </p:sp>
+      <p:sp>
+        <p:nvSpPr>
+          <p:cNvPr id="44" name="Rectangle 43">
+            <a:extLst>
+              <a:ext uri="{FF2B5EF4-FFF2-40B4-BE49-F238E27FC236}">
+                <a16:creationId xmlns:a16="http://schemas.microsoft.com/office/drawing/2014/main" id="{669A7F51-6F0F-4683-93D2-DC3E4B3C6F7F}"/>
+              </a:ext>
+            </a:extLst>
+          </p:cNvPr>
+          <p:cNvSpPr/>
+          <p:nvPr/>
+        </p:nvSpPr>
+        <p:spPr>
+          <a:xfrm>
+            <a:off x="2504023" y="3841240"/>
+            <a:ext cx="331200" cy="331200"/>
+          </a:xfrm>
+          <a:prstGeom prst="rect">
+            <a:avLst/>
+          </a:prstGeom>
+          <a:noFill/>
+          <a:ln>
+            <a:solidFill>
+              <a:schemeClr val="tx1"/>
+            </a:solidFill>
+          </a:ln>
+        </p:spPr>
+        <p:style>
+          <a:lnRef idx="2">
+            <a:schemeClr val="accent1">
+              <a:shade val="50000"/>
+            </a:schemeClr>
+          </a:lnRef>
+          <a:fillRef idx="1">
+            <a:schemeClr val="accent1"/>
+          </a:fillRef>
+          <a:effectRef idx="0">
+            <a:schemeClr val="accent1"/>
+          </a:effectRef>
+          <a:fontRef idx="minor">
+            <a:schemeClr val="lt1"/>
+          </a:fontRef>
+        </p:style>
+        <p:txBody>
+          <a:bodyPr rtlCol="0" anchor="ctr"/>
+          <a:lstStyle/>
+          <a:p>
+            <a:pPr algn="ctr"/>
+            <a:r>
+              <a:rPr lang="de-DE" sz="800" dirty="0">
+                <a:solidFill>
+                  <a:schemeClr val="tx1"/>
+                </a:solidFill>
+              </a:rPr>
+              <a:t>0</a:t>
+            </a:r>
+          </a:p>
+        </p:txBody>
+      </p:sp>
+      <p:sp>
+        <p:nvSpPr>
+          <p:cNvPr id="45" name="Rectangle 44">
+            <a:extLst>
+              <a:ext uri="{FF2B5EF4-FFF2-40B4-BE49-F238E27FC236}">
+                <a16:creationId xmlns:a16="http://schemas.microsoft.com/office/drawing/2014/main" id="{5BD1D34B-A764-4CB0-BDDA-273BB5F44E62}"/>
+              </a:ext>
+            </a:extLst>
+          </p:cNvPr>
+          <p:cNvSpPr/>
+          <p:nvPr/>
+        </p:nvSpPr>
+        <p:spPr>
+          <a:xfrm>
+            <a:off x="2835223" y="3841240"/>
+            <a:ext cx="331200" cy="331200"/>
+          </a:xfrm>
+          <a:prstGeom prst="rect">
+            <a:avLst/>
+          </a:prstGeom>
+          <a:noFill/>
+          <a:ln>
+            <a:solidFill>
+              <a:schemeClr val="tx1"/>
+            </a:solidFill>
+          </a:ln>
+        </p:spPr>
+        <p:style>
+          <a:lnRef idx="2">
+            <a:schemeClr val="accent1">
+              <a:shade val="50000"/>
+            </a:schemeClr>
+          </a:lnRef>
+          <a:fillRef idx="1">
+            <a:schemeClr val="accent1"/>
+          </a:fillRef>
+          <a:effectRef idx="0">
+            <a:schemeClr val="accent1"/>
+          </a:effectRef>
+          <a:fontRef idx="minor">
+            <a:schemeClr val="lt1"/>
+          </a:fontRef>
+        </p:style>
+        <p:txBody>
+          <a:bodyPr rtlCol="0" anchor="ctr"/>
+          <a:lstStyle/>
+          <a:p>
+            <a:pPr algn="ctr"/>
+            <a:r>
+              <a:rPr lang="de-DE" sz="800" dirty="0">
+                <a:solidFill>
+                  <a:schemeClr val="tx1"/>
+                </a:solidFill>
+              </a:rPr>
+              <a:t>1</a:t>
+            </a:r>
+          </a:p>
+        </p:txBody>
+      </p:sp>
+      <p:sp>
+        <p:nvSpPr>
+          <p:cNvPr id="46" name="Rectangle 45">
+            <a:extLst>
+              <a:ext uri="{FF2B5EF4-FFF2-40B4-BE49-F238E27FC236}">
+                <a16:creationId xmlns:a16="http://schemas.microsoft.com/office/drawing/2014/main" id="{89A97EBE-2FF1-4CA5-8E7E-26BE2D66D136}"/>
+              </a:ext>
+            </a:extLst>
+          </p:cNvPr>
+          <p:cNvSpPr/>
+          <p:nvPr/>
+        </p:nvSpPr>
+        <p:spPr>
+          <a:xfrm>
+            <a:off x="3166423" y="3841240"/>
+            <a:ext cx="331200" cy="331200"/>
+          </a:xfrm>
+          <a:prstGeom prst="rect">
+            <a:avLst/>
+          </a:prstGeom>
+          <a:noFill/>
+          <a:ln>
+            <a:solidFill>
+              <a:schemeClr val="tx1"/>
+            </a:solidFill>
+          </a:ln>
+        </p:spPr>
+        <p:style>
+          <a:lnRef idx="2">
+            <a:schemeClr val="accent1">
+              <a:shade val="50000"/>
+            </a:schemeClr>
+          </a:lnRef>
+          <a:fillRef idx="1">
+            <a:schemeClr val="accent1"/>
+          </a:fillRef>
+          <a:effectRef idx="0">
+            <a:schemeClr val="accent1"/>
+          </a:effectRef>
+          <a:fontRef idx="minor">
+            <a:schemeClr val="lt1"/>
+          </a:fontRef>
+        </p:style>
+        <p:txBody>
+          <a:bodyPr rtlCol="0" anchor="ctr"/>
+          <a:lstStyle/>
+          <a:p>
+            <a:pPr algn="ctr"/>
+            <a:r>
+              <a:rPr lang="de-DE" dirty="0">
+                <a:solidFill>
+                  <a:schemeClr val="tx1"/>
+                </a:solidFill>
+              </a:rPr>
+              <a:t>…</a:t>
+            </a:r>
+          </a:p>
+        </p:txBody>
+      </p:sp>
+      <p:sp>
+        <p:nvSpPr>
+          <p:cNvPr id="47" name="Rectangle 46">
+            <a:extLst>
+              <a:ext uri="{FF2B5EF4-FFF2-40B4-BE49-F238E27FC236}">
+                <a16:creationId xmlns:a16="http://schemas.microsoft.com/office/drawing/2014/main" id="{1818162D-082F-4E13-8E14-A44A3DA3D313}"/>
+              </a:ext>
+            </a:extLst>
+          </p:cNvPr>
+          <p:cNvSpPr/>
+          <p:nvPr/>
+        </p:nvSpPr>
+        <p:spPr>
+          <a:xfrm>
+            <a:off x="3497623" y="3841240"/>
+            <a:ext cx="331200" cy="331200"/>
+          </a:xfrm>
+          <a:prstGeom prst="rect">
+            <a:avLst/>
+          </a:prstGeom>
+          <a:noFill/>
+          <a:ln>
+            <a:solidFill>
+              <a:schemeClr val="tx1"/>
+            </a:solidFill>
+          </a:ln>
+        </p:spPr>
+        <p:style>
+          <a:lnRef idx="2">
+            <a:schemeClr val="accent1">
+              <a:shade val="50000"/>
+            </a:schemeClr>
+          </a:lnRef>
+          <a:fillRef idx="1">
+            <a:schemeClr val="accent1"/>
+          </a:fillRef>
+          <a:effectRef idx="0">
+            <a:schemeClr val="accent1"/>
+          </a:effectRef>
+          <a:fontRef idx="minor">
+            <a:schemeClr val="lt1"/>
+          </a:fontRef>
+        </p:style>
+        <p:txBody>
+          <a:bodyPr rtlCol="0" anchor="ctr"/>
+          <a:lstStyle/>
+          <a:p>
+            <a:pPr algn="ctr"/>
+            <a:r>
+              <a:rPr lang="de-DE" sz="800" dirty="0">
+                <a:solidFill>
+                  <a:schemeClr val="tx1"/>
+                </a:solidFill>
+              </a:rPr>
+              <a:t>22</a:t>
+            </a:r>
+          </a:p>
+        </p:txBody>
+      </p:sp>
+      <p:sp>
+        <p:nvSpPr>
+          <p:cNvPr id="48" name="Rectangle 47">
+            <a:extLst>
+              <a:ext uri="{FF2B5EF4-FFF2-40B4-BE49-F238E27FC236}">
+                <a16:creationId xmlns:a16="http://schemas.microsoft.com/office/drawing/2014/main" id="{305D8FC0-D5AE-4FD5-85DA-DB04E1DE89DB}"/>
+              </a:ext>
+            </a:extLst>
+          </p:cNvPr>
+          <p:cNvSpPr/>
+          <p:nvPr/>
+        </p:nvSpPr>
+        <p:spPr>
+          <a:xfrm>
+            <a:off x="3828823" y="3841240"/>
+            <a:ext cx="331200" cy="331200"/>
+          </a:xfrm>
+          <a:prstGeom prst="rect">
+            <a:avLst/>
+          </a:prstGeom>
+          <a:noFill/>
+          <a:ln>
+            <a:solidFill>
+              <a:schemeClr val="tx1"/>
+            </a:solidFill>
+          </a:ln>
+        </p:spPr>
+        <p:style>
+          <a:lnRef idx="2">
+            <a:schemeClr val="accent1">
+              <a:shade val="50000"/>
+            </a:schemeClr>
+          </a:lnRef>
+          <a:fillRef idx="1">
+            <a:schemeClr val="accent1"/>
+          </a:fillRef>
+          <a:effectRef idx="0">
+            <a:schemeClr val="accent1"/>
+          </a:effectRef>
+          <a:fontRef idx="minor">
+            <a:schemeClr val="lt1"/>
+          </a:fontRef>
+        </p:style>
+        <p:txBody>
+          <a:bodyPr rtlCol="0" anchor="ctr"/>
+          <a:lstStyle/>
+          <a:p>
+            <a:pPr algn="ctr"/>
+            <a:r>
+              <a:rPr lang="de-DE" sz="800" dirty="0">
+                <a:solidFill>
+                  <a:schemeClr val="tx1"/>
+                </a:solidFill>
+              </a:rPr>
+              <a:t>23</a:t>
+            </a:r>
+          </a:p>
+        </p:txBody>
+      </p:sp>
+      <p:cxnSp>
+        <p:nvCxnSpPr>
+          <p:cNvPr id="54" name="Straight Arrow Connector 53">
+            <a:extLst>
+              <a:ext uri="{FF2B5EF4-FFF2-40B4-BE49-F238E27FC236}">
+                <a16:creationId xmlns:a16="http://schemas.microsoft.com/office/drawing/2014/main" id="{406B1742-4991-4C64-9FA2-D2339328FED1}"/>
+              </a:ext>
+            </a:extLst>
+          </p:cNvPr>
+          <p:cNvCxnSpPr>
+            <a:cxnSpLocks/>
+            <a:stCxn id="29" idx="2"/>
+            <a:endCxn id="44" idx="0"/>
+          </p:cNvCxnSpPr>
+          <p:nvPr/>
+        </p:nvCxnSpPr>
+        <p:spPr>
+          <a:xfrm>
+            <a:off x="2669623" y="3511312"/>
+            <a:ext cx="0" cy="329928"/>
+          </a:xfrm>
+          <a:prstGeom prst="straightConnector1">
+            <a:avLst/>
+          </a:prstGeom>
+          <a:ln>
+            <a:solidFill>
+              <a:schemeClr val="tx1"/>
+            </a:solidFill>
+            <a:tailEnd type="triangle"/>
+          </a:ln>
+        </p:spPr>
+        <p:style>
+          <a:lnRef idx="1">
+            <a:schemeClr val="accent1"/>
+          </a:lnRef>
+          <a:fillRef idx="0">
+            <a:schemeClr val="accent1"/>
+          </a:fillRef>
+          <a:effectRef idx="0">
+            <a:schemeClr val="accent1"/>
+          </a:effectRef>
+          <a:fontRef idx="minor">
+            <a:schemeClr val="tx1"/>
+          </a:fontRef>
+        </p:style>
+      </p:cxnSp>
+      <p:cxnSp>
+        <p:nvCxnSpPr>
+          <p:cNvPr id="56" name="Straight Arrow Connector 55">
+            <a:extLst>
+              <a:ext uri="{FF2B5EF4-FFF2-40B4-BE49-F238E27FC236}">
+                <a16:creationId xmlns:a16="http://schemas.microsoft.com/office/drawing/2014/main" id="{92173C50-6D77-44FA-8E84-FBEEA2FE03B4}"/>
+              </a:ext>
+            </a:extLst>
+          </p:cNvPr>
+          <p:cNvCxnSpPr>
+            <a:cxnSpLocks/>
+          </p:cNvCxnSpPr>
+          <p:nvPr/>
+        </p:nvCxnSpPr>
+        <p:spPr>
+          <a:xfrm>
+            <a:off x="3018672" y="3511312"/>
+            <a:ext cx="0" cy="329928"/>
+          </a:xfrm>
+          <a:prstGeom prst="straightConnector1">
+            <a:avLst/>
+          </a:prstGeom>
+          <a:ln>
+            <a:solidFill>
+              <a:schemeClr val="tx1"/>
+            </a:solidFill>
+            <a:tailEnd type="triangle"/>
+          </a:ln>
+        </p:spPr>
+        <p:style>
+          <a:lnRef idx="1">
+            <a:schemeClr val="accent1"/>
+          </a:lnRef>
+          <a:fillRef idx="0">
+            <a:schemeClr val="accent1"/>
+          </a:fillRef>
+          <a:effectRef idx="0">
+            <a:schemeClr val="accent1"/>
+          </a:effectRef>
+          <a:fontRef idx="minor">
+            <a:schemeClr val="tx1"/>
+          </a:fontRef>
+        </p:style>
+      </p:cxnSp>
+      <p:cxnSp>
+        <p:nvCxnSpPr>
+          <p:cNvPr id="59" name="Straight Arrow Connector 58">
+            <a:extLst>
+              <a:ext uri="{FF2B5EF4-FFF2-40B4-BE49-F238E27FC236}">
+                <a16:creationId xmlns:a16="http://schemas.microsoft.com/office/drawing/2014/main" id="{E40569C1-BED8-4ADF-B7F4-2369C5ED023C}"/>
+              </a:ext>
+            </a:extLst>
+          </p:cNvPr>
+          <p:cNvCxnSpPr>
+            <a:cxnSpLocks/>
+            <a:stCxn id="32" idx="2"/>
+            <a:endCxn id="47" idx="0"/>
+          </p:cNvCxnSpPr>
+          <p:nvPr/>
+        </p:nvCxnSpPr>
+        <p:spPr>
+          <a:xfrm>
+            <a:off x="3663223" y="3511312"/>
+            <a:ext cx="0" cy="329928"/>
+          </a:xfrm>
+          <a:prstGeom prst="straightConnector1">
+            <a:avLst/>
+          </a:prstGeom>
+          <a:ln>
+            <a:solidFill>
+              <a:schemeClr val="tx1"/>
+            </a:solidFill>
+            <a:tailEnd type="triangle"/>
+          </a:ln>
+        </p:spPr>
+        <p:style>
+          <a:lnRef idx="1">
+            <a:schemeClr val="accent1"/>
+          </a:lnRef>
+          <a:fillRef idx="0">
+            <a:schemeClr val="accent1"/>
+          </a:fillRef>
+          <a:effectRef idx="0">
+            <a:schemeClr val="accent1"/>
+          </a:effectRef>
+          <a:fontRef idx="minor">
+            <a:schemeClr val="tx1"/>
+          </a:fontRef>
+        </p:style>
+      </p:cxnSp>
+      <p:cxnSp>
+        <p:nvCxnSpPr>
+          <p:cNvPr id="62" name="Straight Arrow Connector 61">
+            <a:extLst>
+              <a:ext uri="{FF2B5EF4-FFF2-40B4-BE49-F238E27FC236}">
+                <a16:creationId xmlns:a16="http://schemas.microsoft.com/office/drawing/2014/main" id="{2E88FA69-D001-460A-8E15-27A993242526}"/>
+              </a:ext>
+            </a:extLst>
+          </p:cNvPr>
+          <p:cNvCxnSpPr>
+            <a:cxnSpLocks/>
+            <a:stCxn id="33" idx="2"/>
+            <a:endCxn id="48" idx="0"/>
+          </p:cNvCxnSpPr>
+          <p:nvPr/>
+        </p:nvCxnSpPr>
+        <p:spPr>
+          <a:xfrm>
+            <a:off x="3994423" y="3511312"/>
+            <a:ext cx="0" cy="329928"/>
+          </a:xfrm>
+          <a:prstGeom prst="straightConnector1">
+            <a:avLst/>
+          </a:prstGeom>
+          <a:ln>
+            <a:solidFill>
+              <a:schemeClr val="tx1"/>
+            </a:solidFill>
+            <a:tailEnd type="triangle"/>
+          </a:ln>
+        </p:spPr>
+        <p:style>
+          <a:lnRef idx="1">
+            <a:schemeClr val="accent1"/>
+          </a:lnRef>
+          <a:fillRef idx="0">
+            <a:schemeClr val="accent1"/>
+          </a:fillRef>
+          <a:effectRef idx="0">
+            <a:schemeClr val="accent1"/>
+          </a:effectRef>
+          <a:fontRef idx="minor">
+            <a:schemeClr val="tx1"/>
+          </a:fontRef>
+        </p:style>
+      </p:cxnSp>
+      <p:cxnSp>
+        <p:nvCxnSpPr>
+          <p:cNvPr id="64" name="Straight Arrow Connector 63">
+            <a:extLst>
+              <a:ext uri="{FF2B5EF4-FFF2-40B4-BE49-F238E27FC236}">
+                <a16:creationId xmlns:a16="http://schemas.microsoft.com/office/drawing/2014/main" id="{076059D2-9CC8-4D1E-A811-31188D299646}"/>
+              </a:ext>
+            </a:extLst>
+          </p:cNvPr>
+          <p:cNvCxnSpPr>
+            <a:cxnSpLocks/>
+          </p:cNvCxnSpPr>
+          <p:nvPr/>
+        </p:nvCxnSpPr>
+        <p:spPr>
+          <a:xfrm>
+            <a:off x="2503759" y="4313044"/>
+            <a:ext cx="1656000" cy="0"/>
+          </a:xfrm>
+          <a:prstGeom prst="straightConnector1">
+            <a:avLst/>
+          </a:prstGeom>
+          <a:ln>
+            <a:solidFill>
+              <a:schemeClr val="tx1"/>
+            </a:solidFill>
+            <a:tailEnd type="triangle"/>
+          </a:ln>
+        </p:spPr>
+        <p:style>
+          <a:lnRef idx="1">
+            <a:schemeClr val="accent1"/>
+          </a:lnRef>
+          <a:fillRef idx="0">
+            <a:schemeClr val="accent1"/>
+          </a:fillRef>
+          <a:effectRef idx="0">
+            <a:schemeClr val="accent1"/>
+          </a:effectRef>
+          <a:fontRef idx="minor">
+            <a:schemeClr val="tx1"/>
+          </a:fontRef>
+        </p:style>
+      </p:cxnSp>
+      <p:cxnSp>
+        <p:nvCxnSpPr>
+          <p:cNvPr id="65" name="Straight Connector 64">
+            <a:extLst>
+              <a:ext uri="{FF2B5EF4-FFF2-40B4-BE49-F238E27FC236}">
+                <a16:creationId xmlns:a16="http://schemas.microsoft.com/office/drawing/2014/main" id="{9BB799E1-CE1D-465C-924F-FF662C62D6D6}"/>
+              </a:ext>
+            </a:extLst>
+          </p:cNvPr>
+          <p:cNvCxnSpPr>
+            <a:cxnSpLocks/>
+          </p:cNvCxnSpPr>
+          <p:nvPr/>
+        </p:nvCxnSpPr>
+        <p:spPr>
+          <a:xfrm flipV="1">
+            <a:off x="4159759" y="4095582"/>
+            <a:ext cx="0" cy="413512"/>
+          </a:xfrm>
+          <a:prstGeom prst="line">
+            <a:avLst/>
+          </a:prstGeom>
+          <a:ln w="12700">
+            <a:solidFill>
+              <a:schemeClr val="tx1"/>
+            </a:solidFill>
+          </a:ln>
+        </p:spPr>
+        <p:style>
+          <a:lnRef idx="1">
+            <a:schemeClr val="accent1"/>
+          </a:lnRef>
+          <a:fillRef idx="0">
+            <a:schemeClr val="accent1"/>
+          </a:fillRef>
+          <a:effectRef idx="0">
+            <a:schemeClr val="accent1"/>
+          </a:effectRef>
+          <a:fontRef idx="minor">
+            <a:schemeClr val="tx1"/>
+          </a:fontRef>
+        </p:style>
+      </p:cxnSp>
+      <p:cxnSp>
+        <p:nvCxnSpPr>
+          <p:cNvPr id="66" name="Straight Connector 65">
+            <a:extLst>
+              <a:ext uri="{FF2B5EF4-FFF2-40B4-BE49-F238E27FC236}">
+                <a16:creationId xmlns:a16="http://schemas.microsoft.com/office/drawing/2014/main" id="{6E2FD0A8-3778-4A74-86B0-5EC17DC5A521}"/>
+              </a:ext>
+            </a:extLst>
+          </p:cNvPr>
+          <p:cNvCxnSpPr>
+            <a:cxnSpLocks/>
+          </p:cNvCxnSpPr>
+          <p:nvPr/>
+        </p:nvCxnSpPr>
+        <p:spPr>
+          <a:xfrm flipV="1">
+            <a:off x="2503759" y="4095582"/>
+            <a:ext cx="0" cy="413512"/>
+          </a:xfrm>
+          <a:prstGeom prst="line">
+            <a:avLst/>
+          </a:prstGeom>
+          <a:ln w="12700">
+            <a:solidFill>
+              <a:schemeClr val="tx1"/>
+            </a:solidFill>
+          </a:ln>
+        </p:spPr>
+        <p:style>
+          <a:lnRef idx="1">
+            <a:schemeClr val="accent1"/>
+          </a:lnRef>
+          <a:fillRef idx="0">
+            <a:schemeClr val="accent1"/>
+          </a:fillRef>
+          <a:effectRef idx="0">
+            <a:schemeClr val="accent1"/>
+          </a:effectRef>
+          <a:fontRef idx="minor">
+            <a:schemeClr val="tx1"/>
+          </a:fontRef>
+        </p:style>
+      </p:cxnSp>
+      <p:sp>
+        <p:nvSpPr>
+          <p:cNvPr id="67" name="TextBox 66">
+            <a:extLst>
+              <a:ext uri="{FF2B5EF4-FFF2-40B4-BE49-F238E27FC236}">
+                <a16:creationId xmlns:a16="http://schemas.microsoft.com/office/drawing/2014/main" id="{EC8500A0-B480-412B-9CB1-6A06B3495111}"/>
+              </a:ext>
+            </a:extLst>
+          </p:cNvPr>
+          <p:cNvSpPr txBox="1"/>
+          <p:nvPr/>
+        </p:nvSpPr>
+        <p:spPr>
+          <a:xfrm>
+            <a:off x="2639698" y="4262873"/>
+            <a:ext cx="1364476" cy="246221"/>
+          </a:xfrm>
+          <a:prstGeom prst="rect">
+            <a:avLst/>
+          </a:prstGeom>
+          <a:noFill/>
+        </p:spPr>
+        <p:txBody>
+          <a:bodyPr wrap="square" rtlCol="0">
+            <a:spAutoFit/>
+          </a:bodyPr>
+          <a:lstStyle/>
+          <a:p>
+            <a:r>
+              <a:rPr lang="de-DE" sz="1000" dirty="0" err="1"/>
+              <a:t>Actual</a:t>
+            </a:r>
+            <a:r>
+              <a:rPr lang="de-DE" sz="1000" dirty="0"/>
+              <a:t> </a:t>
+            </a:r>
+            <a:r>
+              <a:rPr lang="de-DE" sz="1000" dirty="0" err="1"/>
+              <a:t>price</a:t>
+            </a:r>
+            <a:r>
+              <a:rPr lang="de-DE" sz="1000" dirty="0"/>
+              <a:t> </a:t>
+            </a:r>
+            <a:r>
+              <a:rPr lang="de-DE" sz="1000" dirty="0" err="1"/>
+              <a:t>prediction</a:t>
+            </a:r>
+            <a:endParaRPr lang="de-DE" sz="1000" dirty="0"/>
+          </a:p>
+        </p:txBody>
+      </p:sp>
+      <p:cxnSp>
+        <p:nvCxnSpPr>
+          <p:cNvPr id="68" name="Straight Arrow Connector 67">
+            <a:extLst>
+              <a:ext uri="{FF2B5EF4-FFF2-40B4-BE49-F238E27FC236}">
+                <a16:creationId xmlns:a16="http://schemas.microsoft.com/office/drawing/2014/main" id="{7EBBFC90-356D-41E4-80CB-2C72F9122C41}"/>
+              </a:ext>
+            </a:extLst>
+          </p:cNvPr>
+          <p:cNvCxnSpPr>
+            <a:cxnSpLocks/>
+          </p:cNvCxnSpPr>
+          <p:nvPr/>
+        </p:nvCxnSpPr>
+        <p:spPr>
+          <a:xfrm flipH="1">
+            <a:off x="2503496" y="4313044"/>
+            <a:ext cx="280504" cy="0"/>
+          </a:xfrm>
+          <a:prstGeom prst="straightConnector1">
+            <a:avLst/>
+          </a:prstGeom>
+          <a:ln>
+            <a:solidFill>
+              <a:schemeClr val="tx1"/>
+            </a:solidFill>
+            <a:tailEnd type="triangle"/>
+          </a:ln>
+        </p:spPr>
+        <p:style>
+          <a:lnRef idx="1">
+            <a:schemeClr val="accent1"/>
+          </a:lnRef>
+          <a:fillRef idx="0">
+            <a:schemeClr val="accent1"/>
+          </a:fillRef>
+          <a:effectRef idx="0">
+            <a:schemeClr val="accent1"/>
+          </a:effectRef>
+          <a:fontRef idx="minor">
+            <a:schemeClr val="tx1"/>
+          </a:fontRef>
+        </p:style>
+      </p:cxnSp>
+      <p:sp>
+        <p:nvSpPr>
+          <p:cNvPr id="103" name="TextBox 102">
+            <a:extLst>
+              <a:ext uri="{FF2B5EF4-FFF2-40B4-BE49-F238E27FC236}">
+                <a16:creationId xmlns:a16="http://schemas.microsoft.com/office/drawing/2014/main" id="{6D42FA1F-272F-4B4B-8711-EB17125BA364}"/>
+              </a:ext>
+            </a:extLst>
+          </p:cNvPr>
+          <p:cNvSpPr txBox="1"/>
+          <p:nvPr/>
+        </p:nvSpPr>
+        <p:spPr>
+          <a:xfrm>
+            <a:off x="4418314" y="2066068"/>
+            <a:ext cx="3002617" cy="369332"/>
+          </a:xfrm>
+          <a:prstGeom prst="rect">
+            <a:avLst/>
+          </a:prstGeom>
+          <a:noFill/>
+        </p:spPr>
+        <p:txBody>
+          <a:bodyPr wrap="none" rtlCol="0">
+            <a:spAutoFit/>
+          </a:bodyPr>
+          <a:lstStyle/>
+          <a:p>
+            <a:r>
+              <a:rPr lang="de-DE" dirty="0" err="1"/>
+              <a:t>Prediction</a:t>
+            </a:r>
+            <a:r>
+              <a:rPr lang="de-DE" dirty="0"/>
+              <a:t> </a:t>
+            </a:r>
+            <a:r>
+              <a:rPr lang="de-DE" dirty="0" err="1"/>
+              <a:t>the</a:t>
+            </a:r>
+            <a:r>
+              <a:rPr lang="de-DE" dirty="0"/>
+              <a:t> </a:t>
+            </a:r>
+            <a:r>
+              <a:rPr lang="de-DE" dirty="0" err="1"/>
+              <a:t>change</a:t>
+            </a:r>
+            <a:r>
+              <a:rPr lang="de-DE" dirty="0"/>
+              <a:t> </a:t>
+            </a:r>
+            <a:r>
+              <a:rPr lang="de-DE" dirty="0" err="1"/>
+              <a:t>of</a:t>
+            </a:r>
+            <a:r>
+              <a:rPr lang="de-DE" dirty="0"/>
+              <a:t> </a:t>
+            </a:r>
+            <a:r>
+              <a:rPr lang="de-DE" dirty="0" err="1"/>
+              <a:t>price</a:t>
+            </a:r>
+            <a:endParaRPr lang="de-DE" dirty="0"/>
+          </a:p>
+        </p:txBody>
+      </p:sp>
+      <p:sp>
+        <p:nvSpPr>
+          <p:cNvPr id="104" name="TextBox 103">
+            <a:extLst>
+              <a:ext uri="{FF2B5EF4-FFF2-40B4-BE49-F238E27FC236}">
+                <a16:creationId xmlns:a16="http://schemas.microsoft.com/office/drawing/2014/main" id="{DC48B2A5-E1C9-400A-BE71-CAD5A1318273}"/>
+              </a:ext>
+            </a:extLst>
+          </p:cNvPr>
+          <p:cNvSpPr txBox="1"/>
+          <p:nvPr/>
+        </p:nvSpPr>
+        <p:spPr>
+          <a:xfrm>
+            <a:off x="4418313" y="3141980"/>
+            <a:ext cx="3771353" cy="369332"/>
+          </a:xfrm>
+          <a:prstGeom prst="rect">
+            <a:avLst/>
+          </a:prstGeom>
+          <a:noFill/>
+        </p:spPr>
+        <p:txBody>
+          <a:bodyPr wrap="none" rtlCol="0">
+            <a:spAutoFit/>
+          </a:bodyPr>
+          <a:lstStyle/>
+          <a:p>
+            <a:r>
+              <a:rPr lang="de-DE" dirty="0" err="1"/>
+              <a:t>Reverting</a:t>
+            </a:r>
+            <a:r>
+              <a:rPr lang="de-DE" dirty="0"/>
+              <a:t> </a:t>
+            </a:r>
+            <a:r>
+              <a:rPr lang="de-DE" dirty="0" err="1"/>
+              <a:t>the</a:t>
+            </a:r>
+            <a:r>
+              <a:rPr lang="de-DE" dirty="0"/>
+              <a:t> </a:t>
+            </a:r>
+            <a:r>
+              <a:rPr lang="de-DE" dirty="0" err="1"/>
+              <a:t>difference</a:t>
+            </a:r>
+            <a:r>
+              <a:rPr lang="de-DE" dirty="0"/>
+              <a:t> </a:t>
+            </a:r>
+            <a:r>
+              <a:rPr lang="de-DE" dirty="0" err="1"/>
+              <a:t>with</a:t>
+            </a:r>
+            <a:r>
+              <a:rPr lang="de-DE" dirty="0"/>
+              <a:t> </a:t>
+            </a:r>
+            <a:r>
+              <a:rPr lang="de-DE" dirty="0" err="1"/>
+              <a:t>cumsum</a:t>
+            </a:r>
+            <a:endParaRPr lang="de-DE" dirty="0"/>
+          </a:p>
+        </p:txBody>
+      </p:sp>
+      <p:sp>
+        <p:nvSpPr>
+          <p:cNvPr id="105" name="TextBox 104">
+            <a:extLst>
+              <a:ext uri="{FF2B5EF4-FFF2-40B4-BE49-F238E27FC236}">
+                <a16:creationId xmlns:a16="http://schemas.microsoft.com/office/drawing/2014/main" id="{F96DAECB-F7F1-4853-A837-B70DB110FD22}"/>
+              </a:ext>
+            </a:extLst>
+          </p:cNvPr>
+          <p:cNvSpPr txBox="1"/>
+          <p:nvPr/>
+        </p:nvSpPr>
+        <p:spPr>
+          <a:xfrm>
+            <a:off x="4418313" y="3803108"/>
+            <a:ext cx="1408527" cy="369332"/>
+          </a:xfrm>
+          <a:prstGeom prst="rect">
+            <a:avLst/>
+          </a:prstGeom>
+          <a:noFill/>
+        </p:spPr>
+        <p:txBody>
+          <a:bodyPr wrap="none" rtlCol="0">
+            <a:spAutoFit/>
+          </a:bodyPr>
+          <a:lstStyle/>
+          <a:p>
+            <a:r>
+              <a:rPr lang="de-DE" dirty="0" err="1"/>
+              <a:t>Actual</a:t>
+            </a:r>
+            <a:r>
+              <a:rPr lang="de-DE" dirty="0"/>
+              <a:t> </a:t>
+            </a:r>
+            <a:r>
+              <a:rPr lang="de-DE" dirty="0" err="1"/>
+              <a:t>Result</a:t>
+            </a:r>
+            <a:endParaRPr lang="de-DE" dirty="0"/>
+          </a:p>
+        </p:txBody>
+      </p:sp>
+    </p:spTree>
+    <p:extLst>
+      <p:ext uri="{BB962C8B-B14F-4D97-AF65-F5344CB8AC3E}">
+        <p14:creationId xmlns:p14="http://schemas.microsoft.com/office/powerpoint/2010/main" val="1761161176"/>
       </p:ext>
     </p:extLst>
   </p:cSld>
